--- a/Include.io.pptx
+++ b/Include.io.pptx
@@ -1,57 +1,65 @@
 
 <file path=ppt/presentation.xml><?xml version="1.0" encoding="utf-8"?>
-<p:presentation xmlns:a="http://schemas.openxmlformats.org/drawingml/2006/main" xmlns:r="http://schemas.openxmlformats.org/officeDocument/2006/relationships" xmlns:mc="http://schemas.openxmlformats.org/markup-compatibility/2006" xmlns:mv="urn:schemas-microsoft-com:mac:vml" xmlns:p="http://schemas.openxmlformats.org/presentationml/2006/main" xmlns:c="http://schemas.openxmlformats.org/drawingml/2006/chart" xmlns:dgm="http://schemas.openxmlformats.org/drawingml/2006/diagram" xmlns:o="urn:schemas-microsoft-com:office:office" xmlns:v="urn:schemas-microsoft-com:vml" xmlns:pvml="urn:schemas-microsoft-com:office:powerpoint" xmlns:com="http://schemas.openxmlformats.org/drawingml/2006/compatibility" xmlns:p14="http://schemas.microsoft.com/office/powerpoint/2010/main" xmlns:p15="http://schemas.microsoft.com/office/powerpoint/2012/main" xmlns:ahyp="http://schemas.microsoft.com/office/drawing/2018/hyperlinkcolor" autoCompressPictures="0" embedTrueTypeFonts="1" strictFirstAndLastChars="0" saveSubsetFonts="1">
+<p:presentation xmlns:a="http://schemas.openxmlformats.org/drawingml/2006/main" xmlns:r="http://schemas.openxmlformats.org/officeDocument/2006/relationships" xmlns:p="http://schemas.openxmlformats.org/presentationml/2006/main" strictFirstAndLastChars="0" embedTrueTypeFonts="1" saveSubsetFonts="1" autoCompressPictures="0">
   <p:sldMasterIdLst>
-    <p:sldMasterId id="2147483659" r:id="rId4"/>
+    <p:sldMasterId id="2147483659" r:id="rId1"/>
   </p:sldMasterIdLst>
   <p:notesMasterIdLst>
-    <p:notesMasterId r:id="rId5"/>
+    <p:notesMasterId r:id="rId8"/>
   </p:notesMasterIdLst>
   <p:sldIdLst>
-    <p:sldId id="256" r:id="rId6"/>
-    <p:sldId id="257" r:id="rId7"/>
-    <p:sldId id="258" r:id="rId8"/>
-    <p:sldId id="259" r:id="rId9"/>
-    <p:sldId id="260" r:id="rId10"/>
-    <p:sldId id="261" r:id="rId11"/>
+    <p:sldId id="256" r:id="rId2"/>
+    <p:sldId id="257" r:id="rId3"/>
+    <p:sldId id="258" r:id="rId4"/>
+    <p:sldId id="259" r:id="rId5"/>
+    <p:sldId id="260" r:id="rId6"/>
+    <p:sldId id="261" r:id="rId7"/>
   </p:sldIdLst>
-  <p:sldSz cy="10287000" cx="18288000"/>
+  <p:sldSz cx="18288000" cy="10287000"/>
   <p:notesSz cx="6858000" cy="9144000"/>
   <p:embeddedFontLst>
     <p:embeddedFont>
-      <p:font typeface="Teko"/>
+      <p:font typeface="Barlow" panose="020B0604020202020204" pitchFamily="2" charset="0"/>
+      <p:regular r:id="rId9"/>
+      <p:bold r:id="rId10"/>
+      <p:boldItalic r:id="rId11"/>
+    </p:embeddedFont>
+    <p:embeddedFont>
+      <p:font typeface="Barlow Medium" panose="00000600000000000000" pitchFamily="2" charset="0"/>
       <p:regular r:id="rId12"/>
       <p:bold r:id="rId13"/>
+      <p:italic r:id="rId14"/>
+      <p:boldItalic r:id="rId15"/>
     </p:embeddedFont>
     <p:embeddedFont>
-      <p:font typeface="Montserrat"/>
-      <p:regular r:id="rId14"/>
-      <p:bold r:id="rId15"/>
-      <p:italic r:id="rId16"/>
-      <p:boldItalic r:id="rId17"/>
+      <p:font typeface="Calibri" panose="020F0502020204030204" pitchFamily="34" charset="0"/>
+      <p:regular r:id="rId16"/>
+      <p:bold r:id="rId17"/>
+      <p:italic r:id="rId18"/>
+      <p:boldItalic r:id="rId19"/>
     </p:embeddedFont>
     <p:embeddedFont>
-      <p:font typeface="Barlow Medium"/>
-      <p:regular r:id="rId18"/>
-      <p:bold r:id="rId19"/>
-      <p:italic r:id="rId20"/>
-      <p:boldItalic r:id="rId21"/>
+      <p:font typeface="Montserrat" panose="00000500000000000000" pitchFamily="2" charset="0"/>
+      <p:regular r:id="rId20"/>
+      <p:bold r:id="rId21"/>
+      <p:italic r:id="rId22"/>
+      <p:boldItalic r:id="rId23"/>
     </p:embeddedFont>
     <p:embeddedFont>
-      <p:font typeface="Spectral"/>
-      <p:regular r:id="rId22"/>
-      <p:bold r:id="rId23"/>
-      <p:italic r:id="rId24"/>
-      <p:boldItalic r:id="rId25"/>
+      <p:font typeface="Spectral" panose="020B0604020202020204" charset="0"/>
+      <p:regular r:id="rId24"/>
+      <p:bold r:id="rId25"/>
+      <p:italic r:id="rId26"/>
+      <p:boldItalic r:id="rId27"/>
     </p:embeddedFont>
     <p:embeddedFont>
-      <p:font typeface="Barlow"/>
-      <p:bold r:id="rId26"/>
-      <p:boldItalic r:id="rId27"/>
+      <p:font typeface="Teko" panose="020B0604020202020204" charset="0"/>
+      <p:regular r:id="rId28"/>
+      <p:bold r:id="rId29"/>
     </p:embeddedFont>
   </p:embeddedFontLst>
   <p:defaultTextStyle>
-    <a:defPPr lvl="0" marR="0" rtl="0" algn="l">
+    <a:defPPr marR="0" lvl="0" algn="l" rtl="0">
       <a:lnSpc>
         <a:spcPct val="100000"/>
       </a:lnSpc>
@@ -62,7 +70,7 @@
         <a:spcPts val="0"/>
       </a:spcAft>
     </a:defPPr>
-    <a:lvl1pPr lvl="0" marR="0" rtl="0" algn="l">
+    <a:lvl1pPr marR="0" lvl="0" algn="l" rtl="0">
       <a:lnSpc>
         <a:spcPct val="100000"/>
       </a:lnSpc>
@@ -76,7 +84,7 @@
         <a:srgbClr val="000000"/>
       </a:buClr>
       <a:buFont typeface="Arial"/>
-      <a:defRPr b="0" i="0" sz="1400" u="none" cap="none" strike="noStrike">
+      <a:defRPr sz="1400" b="0" i="0" u="none" strike="noStrike" cap="none">
         <a:solidFill>
           <a:srgbClr val="000000"/>
         </a:solidFill>
@@ -86,7 +94,7 @@
         <a:sym typeface="Arial"/>
       </a:defRPr>
     </a:lvl1pPr>
-    <a:lvl2pPr lvl="1" marR="0" rtl="0" algn="l">
+    <a:lvl2pPr marR="0" lvl="1" algn="l" rtl="0">
       <a:lnSpc>
         <a:spcPct val="100000"/>
       </a:lnSpc>
@@ -100,7 +108,7 @@
         <a:srgbClr val="000000"/>
       </a:buClr>
       <a:buFont typeface="Arial"/>
-      <a:defRPr b="0" i="0" sz="1400" u="none" cap="none" strike="noStrike">
+      <a:defRPr sz="1400" b="0" i="0" u="none" strike="noStrike" cap="none">
         <a:solidFill>
           <a:srgbClr val="000000"/>
         </a:solidFill>
@@ -110,7 +118,7 @@
         <a:sym typeface="Arial"/>
       </a:defRPr>
     </a:lvl2pPr>
-    <a:lvl3pPr lvl="2" marR="0" rtl="0" algn="l">
+    <a:lvl3pPr marR="0" lvl="2" algn="l" rtl="0">
       <a:lnSpc>
         <a:spcPct val="100000"/>
       </a:lnSpc>
@@ -124,7 +132,7 @@
         <a:srgbClr val="000000"/>
       </a:buClr>
       <a:buFont typeface="Arial"/>
-      <a:defRPr b="0" i="0" sz="1400" u="none" cap="none" strike="noStrike">
+      <a:defRPr sz="1400" b="0" i="0" u="none" strike="noStrike" cap="none">
         <a:solidFill>
           <a:srgbClr val="000000"/>
         </a:solidFill>
@@ -134,7 +142,7 @@
         <a:sym typeface="Arial"/>
       </a:defRPr>
     </a:lvl3pPr>
-    <a:lvl4pPr lvl="3" marR="0" rtl="0" algn="l">
+    <a:lvl4pPr marR="0" lvl="3" algn="l" rtl="0">
       <a:lnSpc>
         <a:spcPct val="100000"/>
       </a:lnSpc>
@@ -148,7 +156,7 @@
         <a:srgbClr val="000000"/>
       </a:buClr>
       <a:buFont typeface="Arial"/>
-      <a:defRPr b="0" i="0" sz="1400" u="none" cap="none" strike="noStrike">
+      <a:defRPr sz="1400" b="0" i="0" u="none" strike="noStrike" cap="none">
         <a:solidFill>
           <a:srgbClr val="000000"/>
         </a:solidFill>
@@ -158,7 +166,7 @@
         <a:sym typeface="Arial"/>
       </a:defRPr>
     </a:lvl4pPr>
-    <a:lvl5pPr lvl="4" marR="0" rtl="0" algn="l">
+    <a:lvl5pPr marR="0" lvl="4" algn="l" rtl="0">
       <a:lnSpc>
         <a:spcPct val="100000"/>
       </a:lnSpc>
@@ -172,7 +180,7 @@
         <a:srgbClr val="000000"/>
       </a:buClr>
       <a:buFont typeface="Arial"/>
-      <a:defRPr b="0" i="0" sz="1400" u="none" cap="none" strike="noStrike">
+      <a:defRPr sz="1400" b="0" i="0" u="none" strike="noStrike" cap="none">
         <a:solidFill>
           <a:srgbClr val="000000"/>
         </a:solidFill>
@@ -182,7 +190,7 @@
         <a:sym typeface="Arial"/>
       </a:defRPr>
     </a:lvl5pPr>
-    <a:lvl6pPr lvl="5" marR="0" rtl="0" algn="l">
+    <a:lvl6pPr marR="0" lvl="5" algn="l" rtl="0">
       <a:lnSpc>
         <a:spcPct val="100000"/>
       </a:lnSpc>
@@ -196,7 +204,7 @@
         <a:srgbClr val="000000"/>
       </a:buClr>
       <a:buFont typeface="Arial"/>
-      <a:defRPr b="0" i="0" sz="1400" u="none" cap="none" strike="noStrike">
+      <a:defRPr sz="1400" b="0" i="0" u="none" strike="noStrike" cap="none">
         <a:solidFill>
           <a:srgbClr val="000000"/>
         </a:solidFill>
@@ -206,7 +214,7 @@
         <a:sym typeface="Arial"/>
       </a:defRPr>
     </a:lvl6pPr>
-    <a:lvl7pPr lvl="6" marR="0" rtl="0" algn="l">
+    <a:lvl7pPr marR="0" lvl="6" algn="l" rtl="0">
       <a:lnSpc>
         <a:spcPct val="100000"/>
       </a:lnSpc>
@@ -220,7 +228,7 @@
         <a:srgbClr val="000000"/>
       </a:buClr>
       <a:buFont typeface="Arial"/>
-      <a:defRPr b="0" i="0" sz="1400" u="none" cap="none" strike="noStrike">
+      <a:defRPr sz="1400" b="0" i="0" u="none" strike="noStrike" cap="none">
         <a:solidFill>
           <a:srgbClr val="000000"/>
         </a:solidFill>
@@ -230,7 +238,7 @@
         <a:sym typeface="Arial"/>
       </a:defRPr>
     </a:lvl7pPr>
-    <a:lvl8pPr lvl="7" marR="0" rtl="0" algn="l">
+    <a:lvl8pPr marR="0" lvl="7" algn="l" rtl="0">
       <a:lnSpc>
         <a:spcPct val="100000"/>
       </a:lnSpc>
@@ -244,7 +252,7 @@
         <a:srgbClr val="000000"/>
       </a:buClr>
       <a:buFont typeface="Arial"/>
-      <a:defRPr b="0" i="0" sz="1400" u="none" cap="none" strike="noStrike">
+      <a:defRPr sz="1400" b="0" i="0" u="none" strike="noStrike" cap="none">
         <a:solidFill>
           <a:srgbClr val="000000"/>
         </a:solidFill>
@@ -254,7 +262,7 @@
         <a:sym typeface="Arial"/>
       </a:defRPr>
     </a:lvl8pPr>
-    <a:lvl9pPr lvl="8" marR="0" rtl="0" algn="l">
+    <a:lvl9pPr marR="0" lvl="8" algn="l" rtl="0">
       <a:lnSpc>
         <a:spcPct val="100000"/>
       </a:lnSpc>
@@ -268,7 +276,7 @@
         <a:srgbClr val="000000"/>
       </a:buClr>
       <a:buFont typeface="Arial"/>
-      <a:defRPr b="0" i="0" sz="1400" u="none" cap="none" strike="noStrike">
+      <a:defRPr sz="1400" b="0" i="0" u="none" strike="noStrike" cap="none">
         <a:solidFill>
           <a:srgbClr val="000000"/>
         </a:solidFill>
@@ -281,7 +289,7 @@
   </p:defaultTextStyle>
   <p:extLst>
     <p:ext uri="{EFAFB233-063F-42B5-8137-9DF3F51BA10A}">
-      <p15:sldGuideLst>
+      <p15:sldGuideLst xmlns:p15="http://schemas.microsoft.com/office/powerpoint/2012/main">
         <p15:guide id="1" orient="horz" pos="2160">
           <p15:clr>
             <a:srgbClr val="A4A3A4"/>
@@ -299,11 +307,16 @@
 </file>
 
 <file path=ppt/notesMasters/notesMaster1.xml><?xml version="1.0" encoding="utf-8"?>
-<p:notesMaster xmlns:a="http://schemas.openxmlformats.org/drawingml/2006/main" xmlns:r="http://schemas.openxmlformats.org/officeDocument/2006/relationships" xmlns:mc="http://schemas.openxmlformats.org/markup-compatibility/2006" xmlns:mv="urn:schemas-microsoft-com:mac:vml" xmlns:p="http://schemas.openxmlformats.org/presentationml/2006/main" xmlns:c="http://schemas.openxmlformats.org/drawingml/2006/chart" xmlns:dgm="http://schemas.openxmlformats.org/drawingml/2006/diagram" xmlns:o="urn:schemas-microsoft-com:office:office" xmlns:v="urn:schemas-microsoft-com:vml" xmlns:pvml="urn:schemas-microsoft-com:office:powerpoint" xmlns:com="http://schemas.openxmlformats.org/drawingml/2006/compatibility" xmlns:p14="http://schemas.microsoft.com/office/powerpoint/2010/main" xmlns:p15="http://schemas.microsoft.com/office/powerpoint/2012/main" xmlns:ahyp="http://schemas.microsoft.com/office/drawing/2018/hyperlinkcolor">
+<p:notesMaster xmlns:a="http://schemas.openxmlformats.org/drawingml/2006/main" xmlns:r="http://schemas.openxmlformats.org/officeDocument/2006/relationships" xmlns:p="http://schemas.openxmlformats.org/presentationml/2006/main">
   <p:cSld>
+    <p:bg>
+      <p:bgRef idx="1001">
+        <a:schemeClr val="bg1"/>
+      </p:bgRef>
+    </p:bg>
     <p:spTree>
       <p:nvGrpSpPr>
-        <p:cNvPr id="2" name="Shape 2"/>
+        <p:cNvPr id="1" name="Shape 2"/>
         <p:cNvGrpSpPr/>
         <p:nvPr/>
       </p:nvGrpSpPr>
@@ -318,9 +331,11 @@
       <p:sp>
         <p:nvSpPr>
           <p:cNvPr id="3" name="Google Shape;3;n"/>
-          <p:cNvSpPr/>
+          <p:cNvSpPr>
+            <a:spLocks noGrp="1" noRot="1" noChangeAspect="1"/>
+          </p:cNvSpPr>
           <p:nvPr>
-            <p:ph idx="2" type="sldImg"/>
+            <p:ph type="sldImg" idx="2"/>
           </p:nvPr>
         </p:nvSpPr>
         <p:spPr>
@@ -329,9 +344,13 @@
             <a:ext cx="4572225" cy="3429000"/>
           </a:xfrm>
           <a:custGeom>
-            <a:rect b="b" l="l" r="r" t="t"/>
+            <a:avLst/>
+            <a:gdLst/>
+            <a:ahLst/>
+            <a:cxnLst/>
+            <a:rect l="l" t="t" r="r" b="b"/>
             <a:pathLst>
-              <a:path extrusionOk="0" h="120000" w="120000">
+              <a:path w="120000" h="120000" extrusionOk="0">
                 <a:moveTo>
                   <a:pt x="0" y="0"/>
                 </a:moveTo>
@@ -349,23 +368,25 @@
             </a:pathLst>
           </a:custGeom>
           <a:noFill/>
-          <a:ln cap="flat" cmpd="sng" w="9525">
+          <a:ln w="9525" cap="flat" cmpd="sng">
             <a:solidFill>
               <a:srgbClr val="000000"/>
             </a:solidFill>
             <a:prstDash val="solid"/>
             <a:round/>
-            <a:headEnd len="sm" w="sm" type="none"/>
-            <a:tailEnd len="sm" w="sm" type="none"/>
+            <a:headEnd type="none" w="sm" len="sm"/>
+            <a:tailEnd type="none" w="sm" len="sm"/>
           </a:ln>
         </p:spPr>
       </p:sp>
       <p:sp>
         <p:nvSpPr>
           <p:cNvPr id="4" name="Google Shape;4;n"/>
-          <p:cNvSpPr txBox="1"/>
+          <p:cNvSpPr txBox="1">
+            <a:spLocks noGrp="1"/>
+          </p:cNvSpPr>
           <p:nvPr>
-            <p:ph idx="1" type="body"/>
+            <p:ph type="body" idx="1"/>
           </p:nvPr>
         </p:nvSpPr>
         <p:spPr>
@@ -382,11 +403,11 @@
           </a:ln>
         </p:spPr>
         <p:txBody>
-          <a:bodyPr anchorCtr="0" anchor="t" bIns="91425" lIns="91425" spcFirstLastPara="1" rIns="91425" wrap="square" tIns="91425">
+          <a:bodyPr spcFirstLastPara="1" wrap="square" lIns="91425" tIns="91425" rIns="91425" bIns="91425" anchor="t" anchorCtr="0">
             <a:noAutofit/>
           </a:bodyPr>
           <a:lstStyle>
-            <a:lvl1pPr indent="-298450" lvl="0" marL="457200">
+            <a:lvl1pPr marL="457200" lvl="0" indent="-298450">
               <a:spcBef>
                 <a:spcPts val="0"/>
               </a:spcBef>
@@ -397,7 +418,7 @@
               <a:buChar char="●"/>
               <a:defRPr sz="1100"/>
             </a:lvl1pPr>
-            <a:lvl2pPr indent="-298450" lvl="1" marL="914400">
+            <a:lvl2pPr marL="914400" lvl="1" indent="-298450">
               <a:spcBef>
                 <a:spcPts val="0"/>
               </a:spcBef>
@@ -408,7 +429,7 @@
               <a:buChar char="○"/>
               <a:defRPr sz="1100"/>
             </a:lvl2pPr>
-            <a:lvl3pPr indent="-298450" lvl="2" marL="1371600">
+            <a:lvl3pPr marL="1371600" lvl="2" indent="-298450">
               <a:spcBef>
                 <a:spcPts val="0"/>
               </a:spcBef>
@@ -419,7 +440,7 @@
               <a:buChar char="■"/>
               <a:defRPr sz="1100"/>
             </a:lvl3pPr>
-            <a:lvl4pPr indent="-298450" lvl="3" marL="1828800">
+            <a:lvl4pPr marL="1828800" lvl="3" indent="-298450">
               <a:spcBef>
                 <a:spcPts val="0"/>
               </a:spcBef>
@@ -430,7 +451,7 @@
               <a:buChar char="●"/>
               <a:defRPr sz="1100"/>
             </a:lvl4pPr>
-            <a:lvl5pPr indent="-298450" lvl="4" marL="2286000">
+            <a:lvl5pPr marL="2286000" lvl="4" indent="-298450">
               <a:spcBef>
                 <a:spcPts val="0"/>
               </a:spcBef>
@@ -441,7 +462,7 @@
               <a:buChar char="○"/>
               <a:defRPr sz="1100"/>
             </a:lvl5pPr>
-            <a:lvl6pPr indent="-298450" lvl="5" marL="2743200">
+            <a:lvl6pPr marL="2743200" lvl="5" indent="-298450">
               <a:spcBef>
                 <a:spcPts val="0"/>
               </a:spcBef>
@@ -452,7 +473,7 @@
               <a:buChar char="■"/>
               <a:defRPr sz="1100"/>
             </a:lvl6pPr>
-            <a:lvl7pPr indent="-298450" lvl="6" marL="3200400">
+            <a:lvl7pPr marL="3200400" lvl="6" indent="-298450">
               <a:spcBef>
                 <a:spcPts val="0"/>
               </a:spcBef>
@@ -463,7 +484,7 @@
               <a:buChar char="●"/>
               <a:defRPr sz="1100"/>
             </a:lvl7pPr>
-            <a:lvl8pPr indent="-298450" lvl="7" marL="3657600">
+            <a:lvl8pPr marL="3657600" lvl="7" indent="-298450">
               <a:spcBef>
                 <a:spcPts val="0"/>
               </a:spcBef>
@@ -474,7 +495,7 @@
               <a:buChar char="○"/>
               <a:defRPr sz="1100"/>
             </a:lvl8pPr>
-            <a:lvl9pPr indent="-298450" lvl="8" marL="4114800">
+            <a:lvl9pPr marL="4114800" lvl="8" indent="-298450">
               <a:spcBef>
                 <a:spcPts val="0"/>
               </a:spcBef>
@@ -486,14 +507,16 @@
               <a:defRPr sz="1100"/>
             </a:lvl9pPr>
           </a:lstStyle>
-          <a:p/>
+          <a:p>
+            <a:endParaRPr/>
+          </a:p>
         </p:txBody>
       </p:sp>
     </p:spTree>
   </p:cSld>
-  <p:clrMap accent1="accent1" accent2="accent2" accent3="accent3" accent4="accent4" accent5="accent5" accent6="accent6" bg1="lt1" bg2="dk2" tx1="dk1" tx2="lt2" folHlink="folHlink" hlink="hlink"/>
+  <p:clrMap bg1="lt1" tx1="dk1" bg2="dk2" tx2="lt2" accent1="accent1" accent2="accent2" accent3="accent3" accent4="accent4" accent5="accent5" accent6="accent6" hlink="hlink" folHlink="folHlink"/>
   <p:notesStyle>
-    <a:defPPr lvl="0" marR="0" rtl="0" algn="l">
+    <a:defPPr marR="0" lvl="0" algn="l" rtl="0">
       <a:lnSpc>
         <a:spcPct val="100000"/>
       </a:lnSpc>
@@ -504,7 +527,7 @@
         <a:spcPts val="0"/>
       </a:spcAft>
     </a:defPPr>
-    <a:lvl1pPr lvl="0" marR="0" rtl="0" algn="l">
+    <a:lvl1pPr marR="0" lvl="0" algn="l" rtl="0">
       <a:lnSpc>
         <a:spcPct val="100000"/>
       </a:lnSpc>
@@ -518,7 +541,7 @@
         <a:srgbClr val="000000"/>
       </a:buClr>
       <a:buFont typeface="Arial"/>
-      <a:defRPr b="0" i="0" sz="1400" u="none" cap="none" strike="noStrike">
+      <a:defRPr sz="1400" b="0" i="0" u="none" strike="noStrike" cap="none">
         <a:solidFill>
           <a:srgbClr val="000000"/>
         </a:solidFill>
@@ -528,7 +551,7 @@
         <a:sym typeface="Arial"/>
       </a:defRPr>
     </a:lvl1pPr>
-    <a:lvl2pPr lvl="1" marR="0" rtl="0" algn="l">
+    <a:lvl2pPr marR="0" lvl="1" algn="l" rtl="0">
       <a:lnSpc>
         <a:spcPct val="100000"/>
       </a:lnSpc>
@@ -542,7 +565,7 @@
         <a:srgbClr val="000000"/>
       </a:buClr>
       <a:buFont typeface="Arial"/>
-      <a:defRPr b="0" i="0" sz="1400" u="none" cap="none" strike="noStrike">
+      <a:defRPr sz="1400" b="0" i="0" u="none" strike="noStrike" cap="none">
         <a:solidFill>
           <a:srgbClr val="000000"/>
         </a:solidFill>
@@ -552,7 +575,7 @@
         <a:sym typeface="Arial"/>
       </a:defRPr>
     </a:lvl2pPr>
-    <a:lvl3pPr lvl="2" marR="0" rtl="0" algn="l">
+    <a:lvl3pPr marR="0" lvl="2" algn="l" rtl="0">
       <a:lnSpc>
         <a:spcPct val="100000"/>
       </a:lnSpc>
@@ -566,7 +589,7 @@
         <a:srgbClr val="000000"/>
       </a:buClr>
       <a:buFont typeface="Arial"/>
-      <a:defRPr b="0" i="0" sz="1400" u="none" cap="none" strike="noStrike">
+      <a:defRPr sz="1400" b="0" i="0" u="none" strike="noStrike" cap="none">
         <a:solidFill>
           <a:srgbClr val="000000"/>
         </a:solidFill>
@@ -576,7 +599,7 @@
         <a:sym typeface="Arial"/>
       </a:defRPr>
     </a:lvl3pPr>
-    <a:lvl4pPr lvl="3" marR="0" rtl="0" algn="l">
+    <a:lvl4pPr marR="0" lvl="3" algn="l" rtl="0">
       <a:lnSpc>
         <a:spcPct val="100000"/>
       </a:lnSpc>
@@ -590,7 +613,7 @@
         <a:srgbClr val="000000"/>
       </a:buClr>
       <a:buFont typeface="Arial"/>
-      <a:defRPr b="0" i="0" sz="1400" u="none" cap="none" strike="noStrike">
+      <a:defRPr sz="1400" b="0" i="0" u="none" strike="noStrike" cap="none">
         <a:solidFill>
           <a:srgbClr val="000000"/>
         </a:solidFill>
@@ -600,7 +623,7 @@
         <a:sym typeface="Arial"/>
       </a:defRPr>
     </a:lvl4pPr>
-    <a:lvl5pPr lvl="4" marR="0" rtl="0" algn="l">
+    <a:lvl5pPr marR="0" lvl="4" algn="l" rtl="0">
       <a:lnSpc>
         <a:spcPct val="100000"/>
       </a:lnSpc>
@@ -614,7 +637,7 @@
         <a:srgbClr val="000000"/>
       </a:buClr>
       <a:buFont typeface="Arial"/>
-      <a:defRPr b="0" i="0" sz="1400" u="none" cap="none" strike="noStrike">
+      <a:defRPr sz="1400" b="0" i="0" u="none" strike="noStrike" cap="none">
         <a:solidFill>
           <a:srgbClr val="000000"/>
         </a:solidFill>
@@ -624,7 +647,7 @@
         <a:sym typeface="Arial"/>
       </a:defRPr>
     </a:lvl5pPr>
-    <a:lvl6pPr lvl="5" marR="0" rtl="0" algn="l">
+    <a:lvl6pPr marR="0" lvl="5" algn="l" rtl="0">
       <a:lnSpc>
         <a:spcPct val="100000"/>
       </a:lnSpc>
@@ -638,7 +661,7 @@
         <a:srgbClr val="000000"/>
       </a:buClr>
       <a:buFont typeface="Arial"/>
-      <a:defRPr b="0" i="0" sz="1400" u="none" cap="none" strike="noStrike">
+      <a:defRPr sz="1400" b="0" i="0" u="none" strike="noStrike" cap="none">
         <a:solidFill>
           <a:srgbClr val="000000"/>
         </a:solidFill>
@@ -648,7 +671,7 @@
         <a:sym typeface="Arial"/>
       </a:defRPr>
     </a:lvl6pPr>
-    <a:lvl7pPr lvl="6" marR="0" rtl="0" algn="l">
+    <a:lvl7pPr marR="0" lvl="6" algn="l" rtl="0">
       <a:lnSpc>
         <a:spcPct val="100000"/>
       </a:lnSpc>
@@ -662,7 +685,7 @@
         <a:srgbClr val="000000"/>
       </a:buClr>
       <a:buFont typeface="Arial"/>
-      <a:defRPr b="0" i="0" sz="1400" u="none" cap="none" strike="noStrike">
+      <a:defRPr sz="1400" b="0" i="0" u="none" strike="noStrike" cap="none">
         <a:solidFill>
           <a:srgbClr val="000000"/>
         </a:solidFill>
@@ -672,7 +695,7 @@
         <a:sym typeface="Arial"/>
       </a:defRPr>
     </a:lvl7pPr>
-    <a:lvl8pPr lvl="7" marR="0" rtl="0" algn="l">
+    <a:lvl8pPr marR="0" lvl="7" algn="l" rtl="0">
       <a:lnSpc>
         <a:spcPct val="100000"/>
       </a:lnSpc>
@@ -686,7 +709,7 @@
         <a:srgbClr val="000000"/>
       </a:buClr>
       <a:buFont typeface="Arial"/>
-      <a:defRPr b="0" i="0" sz="1400" u="none" cap="none" strike="noStrike">
+      <a:defRPr sz="1400" b="0" i="0" u="none" strike="noStrike" cap="none">
         <a:solidFill>
           <a:srgbClr val="000000"/>
         </a:solidFill>
@@ -696,7 +719,7 @@
         <a:sym typeface="Arial"/>
       </a:defRPr>
     </a:lvl8pPr>
-    <a:lvl9pPr lvl="8" marR="0" rtl="0" algn="l">
+    <a:lvl9pPr marR="0" lvl="8" algn="l" rtl="0">
       <a:lnSpc>
         <a:spcPct val="100000"/>
       </a:lnSpc>
@@ -710,7 +733,7 @@
         <a:srgbClr val="000000"/>
       </a:buClr>
       <a:buFont typeface="Arial"/>
-      <a:defRPr b="0" i="0" sz="1400" u="none" cap="none" strike="noStrike">
+      <a:defRPr sz="1400" b="0" i="0" u="none" strike="noStrike" cap="none">
         <a:solidFill>
           <a:srgbClr val="000000"/>
         </a:solidFill>
@@ -725,11 +748,11 @@
 </file>
 
 <file path=ppt/notesSlides/notesSlide1.xml><?xml version="1.0" encoding="utf-8"?>
-<p:notes xmlns:a="http://schemas.openxmlformats.org/drawingml/2006/main" xmlns:r="http://schemas.openxmlformats.org/officeDocument/2006/relationships" xmlns:mc="http://schemas.openxmlformats.org/markup-compatibility/2006" xmlns:mv="urn:schemas-microsoft-com:mac:vml" xmlns:p="http://schemas.openxmlformats.org/presentationml/2006/main" xmlns:c="http://schemas.openxmlformats.org/drawingml/2006/chart" xmlns:dgm="http://schemas.openxmlformats.org/drawingml/2006/diagram" xmlns:o="urn:schemas-microsoft-com:office:office" xmlns:v="urn:schemas-microsoft-com:vml" xmlns:pvml="urn:schemas-microsoft-com:office:powerpoint" xmlns:com="http://schemas.openxmlformats.org/drawingml/2006/compatibility" xmlns:p14="http://schemas.microsoft.com/office/powerpoint/2010/main" xmlns:p15="http://schemas.microsoft.com/office/powerpoint/2012/main" xmlns:ahyp="http://schemas.microsoft.com/office/drawing/2018/hyperlinkcolor" showMasterPhAnim="0" showMasterSp="0">
+<p:notes xmlns:a="http://schemas.openxmlformats.org/drawingml/2006/main" xmlns:r="http://schemas.openxmlformats.org/officeDocument/2006/relationships" xmlns:p="http://schemas.openxmlformats.org/presentationml/2006/main" showMasterSp="0" showMasterPhAnim="0">
   <p:cSld>
     <p:spTree>
       <p:nvGrpSpPr>
-        <p:cNvPr id="80" name="Shape 80"/>
+        <p:cNvPr id="1" name="Shape 80"/>
         <p:cNvGrpSpPr/>
         <p:nvPr/>
       </p:nvGrpSpPr>
@@ -744,9 +767,11 @@
       <p:sp>
         <p:nvSpPr>
           <p:cNvPr id="81" name="Google Shape;81;p1:notes"/>
-          <p:cNvSpPr txBox="1"/>
+          <p:cNvSpPr txBox="1">
+            <a:spLocks noGrp="1"/>
+          </p:cNvSpPr>
           <p:nvPr>
-            <p:ph idx="1" type="body"/>
+            <p:ph type="body" idx="1"/>
           </p:nvPr>
         </p:nvSpPr>
         <p:spPr>
@@ -759,12 +784,12 @@
           </a:prstGeom>
         </p:spPr>
         <p:txBody>
-          <a:bodyPr anchorCtr="0" anchor="t" bIns="91425" lIns="91425" spcFirstLastPara="1" rIns="91425" wrap="square" tIns="91425">
+          <a:bodyPr spcFirstLastPara="1" wrap="square" lIns="91425" tIns="91425" rIns="91425" bIns="91425" anchor="t" anchorCtr="0">
             <a:noAutofit/>
           </a:bodyPr>
           <a:lstStyle/>
           <a:p>
-            <a:pPr indent="0" lvl="0" marL="0" rtl="0" algn="l">
+            <a:pPr marL="0" lvl="0" indent="0" algn="l" rtl="0">
               <a:spcBef>
                 <a:spcPts val="0"/>
               </a:spcBef>
@@ -773,9 +798,6 @@
               </a:spcAft>
               <a:buNone/>
             </a:pPr>
-            <a:r>
-              <a:t/>
-            </a:r>
             <a:endParaRPr/>
           </a:p>
         </p:txBody>
@@ -783,20 +805,26 @@
       <p:sp>
         <p:nvSpPr>
           <p:cNvPr id="82" name="Google Shape;82;p1:notes"/>
-          <p:cNvSpPr/>
+          <p:cNvSpPr>
+            <a:spLocks noGrp="1" noRot="1" noChangeAspect="1"/>
+          </p:cNvSpPr>
           <p:nvPr>
-            <p:ph idx="2" type="sldImg"/>
+            <p:ph type="sldImg" idx="2"/>
           </p:nvPr>
         </p:nvSpPr>
         <p:spPr>
           <a:xfrm>
-            <a:off x="1143225" y="685800"/>
-            <a:ext cx="4572225" cy="3429000"/>
+            <a:off x="381000" y="685800"/>
+            <a:ext cx="6096000" cy="3429000"/>
           </a:xfrm>
           <a:custGeom>
-            <a:rect b="b" l="l" r="r" t="t"/>
+            <a:avLst/>
+            <a:gdLst/>
+            <a:ahLst/>
+            <a:cxnLst/>
+            <a:rect l="l" t="t" r="r" b="b"/>
             <a:pathLst>
-              <a:path extrusionOk="0" h="120000" w="120000">
+              <a:path w="120000" h="120000" extrusionOk="0">
                 <a:moveTo>
                   <a:pt x="0" y="0"/>
                 </a:moveTo>
@@ -824,11 +852,11 @@
 </file>
 
 <file path=ppt/notesSlides/notesSlide2.xml><?xml version="1.0" encoding="utf-8"?>
-<p:notes xmlns:a="http://schemas.openxmlformats.org/drawingml/2006/main" xmlns:r="http://schemas.openxmlformats.org/officeDocument/2006/relationships" xmlns:mc="http://schemas.openxmlformats.org/markup-compatibility/2006" xmlns:mv="urn:schemas-microsoft-com:mac:vml" xmlns:p="http://schemas.openxmlformats.org/presentationml/2006/main" xmlns:c="http://schemas.openxmlformats.org/drawingml/2006/chart" xmlns:dgm="http://schemas.openxmlformats.org/drawingml/2006/diagram" xmlns:o="urn:schemas-microsoft-com:office:office" xmlns:v="urn:schemas-microsoft-com:vml" xmlns:pvml="urn:schemas-microsoft-com:office:powerpoint" xmlns:com="http://schemas.openxmlformats.org/drawingml/2006/compatibility" xmlns:p14="http://schemas.microsoft.com/office/powerpoint/2010/main" xmlns:p15="http://schemas.microsoft.com/office/powerpoint/2012/main" xmlns:ahyp="http://schemas.microsoft.com/office/drawing/2018/hyperlinkcolor" showMasterPhAnim="0" showMasterSp="0">
+<p:notes xmlns:a="http://schemas.openxmlformats.org/drawingml/2006/main" xmlns:r="http://schemas.openxmlformats.org/officeDocument/2006/relationships" xmlns:p="http://schemas.openxmlformats.org/presentationml/2006/main" showMasterSp="0" showMasterPhAnim="0">
   <p:cSld>
     <p:spTree>
       <p:nvGrpSpPr>
-        <p:cNvPr id="94" name="Shape 94"/>
+        <p:cNvPr id="1" name="Shape 94"/>
         <p:cNvGrpSpPr/>
         <p:nvPr/>
       </p:nvGrpSpPr>
@@ -843,9 +871,11 @@
       <p:sp>
         <p:nvSpPr>
           <p:cNvPr id="95" name="Google Shape;95;p2:notes"/>
-          <p:cNvSpPr txBox="1"/>
+          <p:cNvSpPr txBox="1">
+            <a:spLocks noGrp="1"/>
+          </p:cNvSpPr>
           <p:nvPr>
-            <p:ph idx="1" type="body"/>
+            <p:ph type="body" idx="1"/>
           </p:nvPr>
         </p:nvSpPr>
         <p:spPr>
@@ -858,12 +888,12 @@
           </a:prstGeom>
         </p:spPr>
         <p:txBody>
-          <a:bodyPr anchorCtr="0" anchor="t" bIns="91425" lIns="91425" spcFirstLastPara="1" rIns="91425" wrap="square" tIns="91425">
+          <a:bodyPr spcFirstLastPara="1" wrap="square" lIns="91425" tIns="91425" rIns="91425" bIns="91425" anchor="t" anchorCtr="0">
             <a:noAutofit/>
           </a:bodyPr>
           <a:lstStyle/>
           <a:p>
-            <a:pPr indent="0" lvl="0" marL="0" rtl="0" algn="l">
+            <a:pPr marL="0" lvl="0" indent="0" algn="l" rtl="0">
               <a:spcBef>
                 <a:spcPts val="0"/>
               </a:spcBef>
@@ -872,9 +902,6 @@
               </a:spcAft>
               <a:buNone/>
             </a:pPr>
-            <a:r>
-              <a:t/>
-            </a:r>
             <a:endParaRPr/>
           </a:p>
         </p:txBody>
@@ -882,9 +909,11 @@
       <p:sp>
         <p:nvSpPr>
           <p:cNvPr id="96" name="Google Shape;96;p2:notes"/>
-          <p:cNvSpPr/>
+          <p:cNvSpPr>
+            <a:spLocks noGrp="1" noRot="1" noChangeAspect="1"/>
+          </p:cNvSpPr>
           <p:nvPr>
-            <p:ph idx="2" type="sldImg"/>
+            <p:ph type="sldImg" idx="2"/>
           </p:nvPr>
         </p:nvSpPr>
         <p:spPr>
@@ -893,9 +922,13 @@
             <a:ext cx="4572225" cy="3429000"/>
           </a:xfrm>
           <a:custGeom>
-            <a:rect b="b" l="l" r="r" t="t"/>
+            <a:avLst/>
+            <a:gdLst/>
+            <a:ahLst/>
+            <a:cxnLst/>
+            <a:rect l="l" t="t" r="r" b="b"/>
             <a:pathLst>
-              <a:path extrusionOk="0" h="120000" w="120000">
+              <a:path w="120000" h="120000" extrusionOk="0">
                 <a:moveTo>
                   <a:pt x="0" y="0"/>
                 </a:moveTo>
@@ -923,11 +956,11 @@
 </file>
 
 <file path=ppt/notesSlides/notesSlide3.xml><?xml version="1.0" encoding="utf-8"?>
-<p:notes xmlns:a="http://schemas.openxmlformats.org/drawingml/2006/main" xmlns:r="http://schemas.openxmlformats.org/officeDocument/2006/relationships" xmlns:mc="http://schemas.openxmlformats.org/markup-compatibility/2006" xmlns:mv="urn:schemas-microsoft-com:mac:vml" xmlns:p="http://schemas.openxmlformats.org/presentationml/2006/main" xmlns:c="http://schemas.openxmlformats.org/drawingml/2006/chart" xmlns:dgm="http://schemas.openxmlformats.org/drawingml/2006/diagram" xmlns:o="urn:schemas-microsoft-com:office:office" xmlns:v="urn:schemas-microsoft-com:vml" xmlns:pvml="urn:schemas-microsoft-com:office:powerpoint" xmlns:com="http://schemas.openxmlformats.org/drawingml/2006/compatibility" xmlns:p14="http://schemas.microsoft.com/office/powerpoint/2010/main" xmlns:p15="http://schemas.microsoft.com/office/powerpoint/2012/main" xmlns:ahyp="http://schemas.microsoft.com/office/drawing/2018/hyperlinkcolor" showMasterPhAnim="0" showMasterSp="0">
+<p:notes xmlns:a="http://schemas.openxmlformats.org/drawingml/2006/main" xmlns:r="http://schemas.openxmlformats.org/officeDocument/2006/relationships" xmlns:p="http://schemas.openxmlformats.org/presentationml/2006/main" showMasterSp="0" showMasterPhAnim="0">
   <p:cSld>
     <p:spTree>
       <p:nvGrpSpPr>
-        <p:cNvPr id="105" name="Shape 105"/>
+        <p:cNvPr id="1" name="Shape 105"/>
         <p:cNvGrpSpPr/>
         <p:nvPr/>
       </p:nvGrpSpPr>
@@ -942,9 +975,11 @@
       <p:sp>
         <p:nvSpPr>
           <p:cNvPr id="106" name="Google Shape;106;p3:notes"/>
-          <p:cNvSpPr txBox="1"/>
+          <p:cNvSpPr txBox="1">
+            <a:spLocks noGrp="1"/>
+          </p:cNvSpPr>
           <p:nvPr>
-            <p:ph idx="1" type="body"/>
+            <p:ph type="body" idx="1"/>
           </p:nvPr>
         </p:nvSpPr>
         <p:spPr>
@@ -957,12 +992,12 @@
           </a:prstGeom>
         </p:spPr>
         <p:txBody>
-          <a:bodyPr anchorCtr="0" anchor="t" bIns="91425" lIns="91425" spcFirstLastPara="1" rIns="91425" wrap="square" tIns="91425">
+          <a:bodyPr spcFirstLastPara="1" wrap="square" lIns="91425" tIns="91425" rIns="91425" bIns="91425" anchor="t" anchorCtr="0">
             <a:noAutofit/>
           </a:bodyPr>
           <a:lstStyle/>
           <a:p>
-            <a:pPr indent="0" lvl="0" marL="0" rtl="0" algn="l">
+            <a:pPr marL="0" lvl="0" indent="0" algn="l" rtl="0">
               <a:spcBef>
                 <a:spcPts val="0"/>
               </a:spcBef>
@@ -971,9 +1006,6 @@
               </a:spcAft>
               <a:buNone/>
             </a:pPr>
-            <a:r>
-              <a:t/>
-            </a:r>
             <a:endParaRPr/>
           </a:p>
         </p:txBody>
@@ -981,9 +1013,11 @@
       <p:sp>
         <p:nvSpPr>
           <p:cNvPr id="107" name="Google Shape;107;p3:notes"/>
-          <p:cNvSpPr/>
+          <p:cNvSpPr>
+            <a:spLocks noGrp="1" noRot="1" noChangeAspect="1"/>
+          </p:cNvSpPr>
           <p:nvPr>
-            <p:ph idx="2" type="sldImg"/>
+            <p:ph type="sldImg" idx="2"/>
           </p:nvPr>
         </p:nvSpPr>
         <p:spPr>
@@ -992,9 +1026,13 @@
             <a:ext cx="4572225" cy="3429000"/>
           </a:xfrm>
           <a:custGeom>
-            <a:rect b="b" l="l" r="r" t="t"/>
+            <a:avLst/>
+            <a:gdLst/>
+            <a:ahLst/>
+            <a:cxnLst/>
+            <a:rect l="l" t="t" r="r" b="b"/>
             <a:pathLst>
-              <a:path extrusionOk="0" h="120000" w="120000">
+              <a:path w="120000" h="120000" extrusionOk="0">
                 <a:moveTo>
                   <a:pt x="0" y="0"/>
                 </a:moveTo>
@@ -1022,11 +1060,11 @@
 </file>
 
 <file path=ppt/notesSlides/notesSlide4.xml><?xml version="1.0" encoding="utf-8"?>
-<p:notes xmlns:a="http://schemas.openxmlformats.org/drawingml/2006/main" xmlns:r="http://schemas.openxmlformats.org/officeDocument/2006/relationships" xmlns:mc="http://schemas.openxmlformats.org/markup-compatibility/2006" xmlns:mv="urn:schemas-microsoft-com:mac:vml" xmlns:p="http://schemas.openxmlformats.org/presentationml/2006/main" xmlns:c="http://schemas.openxmlformats.org/drawingml/2006/chart" xmlns:dgm="http://schemas.openxmlformats.org/drawingml/2006/diagram" xmlns:o="urn:schemas-microsoft-com:office:office" xmlns:v="urn:schemas-microsoft-com:vml" xmlns:pvml="urn:schemas-microsoft-com:office:powerpoint" xmlns:com="http://schemas.openxmlformats.org/drawingml/2006/compatibility" xmlns:p14="http://schemas.microsoft.com/office/powerpoint/2010/main" xmlns:p15="http://schemas.microsoft.com/office/powerpoint/2012/main" xmlns:ahyp="http://schemas.microsoft.com/office/drawing/2018/hyperlinkcolor" showMasterPhAnim="0" showMasterSp="0">
+<p:notes xmlns:a="http://schemas.openxmlformats.org/drawingml/2006/main" xmlns:r="http://schemas.openxmlformats.org/officeDocument/2006/relationships" xmlns:p="http://schemas.openxmlformats.org/presentationml/2006/main" showMasterSp="0" showMasterPhAnim="0">
   <p:cSld>
     <p:spTree>
       <p:nvGrpSpPr>
-        <p:cNvPr id="113" name="Shape 113"/>
+        <p:cNvPr id="1" name="Shape 113"/>
         <p:cNvGrpSpPr/>
         <p:nvPr/>
       </p:nvGrpSpPr>
@@ -1041,9 +1079,11 @@
       <p:sp>
         <p:nvSpPr>
           <p:cNvPr id="114" name="Google Shape;114;p4:notes"/>
-          <p:cNvSpPr txBox="1"/>
+          <p:cNvSpPr txBox="1">
+            <a:spLocks noGrp="1"/>
+          </p:cNvSpPr>
           <p:nvPr>
-            <p:ph idx="1" type="body"/>
+            <p:ph type="body" idx="1"/>
           </p:nvPr>
         </p:nvSpPr>
         <p:spPr>
@@ -1056,12 +1096,12 @@
           </a:prstGeom>
         </p:spPr>
         <p:txBody>
-          <a:bodyPr anchorCtr="0" anchor="t" bIns="91425" lIns="91425" spcFirstLastPara="1" rIns="91425" wrap="square" tIns="91425">
+          <a:bodyPr spcFirstLastPara="1" wrap="square" lIns="91425" tIns="91425" rIns="91425" bIns="91425" anchor="t" anchorCtr="0">
             <a:noAutofit/>
           </a:bodyPr>
           <a:lstStyle/>
           <a:p>
-            <a:pPr indent="0" lvl="0" marL="0" rtl="0" algn="l">
+            <a:pPr marL="0" lvl="0" indent="0" algn="l" rtl="0">
               <a:spcBef>
                 <a:spcPts val="0"/>
               </a:spcBef>
@@ -1070,9 +1110,6 @@
               </a:spcAft>
               <a:buNone/>
             </a:pPr>
-            <a:r>
-              <a:t/>
-            </a:r>
             <a:endParaRPr/>
           </a:p>
         </p:txBody>
@@ -1080,9 +1117,11 @@
       <p:sp>
         <p:nvSpPr>
           <p:cNvPr id="115" name="Google Shape;115;p4:notes"/>
-          <p:cNvSpPr/>
+          <p:cNvSpPr>
+            <a:spLocks noGrp="1" noRot="1" noChangeAspect="1"/>
+          </p:cNvSpPr>
           <p:nvPr>
-            <p:ph idx="2" type="sldImg"/>
+            <p:ph type="sldImg" idx="2"/>
           </p:nvPr>
         </p:nvSpPr>
         <p:spPr>
@@ -1091,9 +1130,13 @@
             <a:ext cx="4572225" cy="3429000"/>
           </a:xfrm>
           <a:custGeom>
-            <a:rect b="b" l="l" r="r" t="t"/>
+            <a:avLst/>
+            <a:gdLst/>
+            <a:ahLst/>
+            <a:cxnLst/>
+            <a:rect l="l" t="t" r="r" b="b"/>
             <a:pathLst>
-              <a:path extrusionOk="0" h="120000" w="120000">
+              <a:path w="120000" h="120000" extrusionOk="0">
                 <a:moveTo>
                   <a:pt x="0" y="0"/>
                 </a:moveTo>
@@ -1121,11 +1164,11 @@
 </file>
 
 <file path=ppt/notesSlides/notesSlide5.xml><?xml version="1.0" encoding="utf-8"?>
-<p:notes xmlns:a="http://schemas.openxmlformats.org/drawingml/2006/main" xmlns:r="http://schemas.openxmlformats.org/officeDocument/2006/relationships" xmlns:mc="http://schemas.openxmlformats.org/markup-compatibility/2006" xmlns:mv="urn:schemas-microsoft-com:mac:vml" xmlns:p="http://schemas.openxmlformats.org/presentationml/2006/main" xmlns:c="http://schemas.openxmlformats.org/drawingml/2006/chart" xmlns:dgm="http://schemas.openxmlformats.org/drawingml/2006/diagram" xmlns:o="urn:schemas-microsoft-com:office:office" xmlns:v="urn:schemas-microsoft-com:vml" xmlns:pvml="urn:schemas-microsoft-com:office:powerpoint" xmlns:com="http://schemas.openxmlformats.org/drawingml/2006/compatibility" xmlns:p14="http://schemas.microsoft.com/office/powerpoint/2010/main" xmlns:p15="http://schemas.microsoft.com/office/powerpoint/2012/main" xmlns:ahyp="http://schemas.microsoft.com/office/drawing/2018/hyperlinkcolor" showMasterPhAnim="0" showMasterSp="0">
+<p:notes xmlns:a="http://schemas.openxmlformats.org/drawingml/2006/main" xmlns:r="http://schemas.openxmlformats.org/officeDocument/2006/relationships" xmlns:p="http://schemas.openxmlformats.org/presentationml/2006/main" showMasterSp="0" showMasterPhAnim="0">
   <p:cSld>
     <p:spTree>
       <p:nvGrpSpPr>
-        <p:cNvPr id="124" name="Shape 124"/>
+        <p:cNvPr id="1" name="Shape 124"/>
         <p:cNvGrpSpPr/>
         <p:nvPr/>
       </p:nvGrpSpPr>
@@ -1140,9 +1183,11 @@
       <p:sp>
         <p:nvSpPr>
           <p:cNvPr id="125" name="Google Shape;125;p5:notes"/>
-          <p:cNvSpPr txBox="1"/>
+          <p:cNvSpPr txBox="1">
+            <a:spLocks noGrp="1"/>
+          </p:cNvSpPr>
           <p:nvPr>
-            <p:ph idx="1" type="body"/>
+            <p:ph type="body" idx="1"/>
           </p:nvPr>
         </p:nvSpPr>
         <p:spPr>
@@ -1155,12 +1200,12 @@
           </a:prstGeom>
         </p:spPr>
         <p:txBody>
-          <a:bodyPr anchorCtr="0" anchor="t" bIns="91425" lIns="91425" spcFirstLastPara="1" rIns="91425" wrap="square" tIns="91425">
+          <a:bodyPr spcFirstLastPara="1" wrap="square" lIns="91425" tIns="91425" rIns="91425" bIns="91425" anchor="t" anchorCtr="0">
             <a:noAutofit/>
           </a:bodyPr>
           <a:lstStyle/>
           <a:p>
-            <a:pPr indent="0" lvl="0" marL="0" rtl="0" algn="l">
+            <a:pPr marL="0" lvl="0" indent="0" algn="l" rtl="0">
               <a:spcBef>
                 <a:spcPts val="0"/>
               </a:spcBef>
@@ -1169,9 +1214,6 @@
               </a:spcAft>
               <a:buNone/>
             </a:pPr>
-            <a:r>
-              <a:t/>
-            </a:r>
             <a:endParaRPr/>
           </a:p>
         </p:txBody>
@@ -1179,9 +1221,11 @@
       <p:sp>
         <p:nvSpPr>
           <p:cNvPr id="126" name="Google Shape;126;p5:notes"/>
-          <p:cNvSpPr/>
+          <p:cNvSpPr>
+            <a:spLocks noGrp="1" noRot="1" noChangeAspect="1"/>
+          </p:cNvSpPr>
           <p:nvPr>
-            <p:ph idx="2" type="sldImg"/>
+            <p:ph type="sldImg" idx="2"/>
           </p:nvPr>
         </p:nvSpPr>
         <p:spPr>
@@ -1190,9 +1234,13 @@
             <a:ext cx="4572225" cy="3429000"/>
           </a:xfrm>
           <a:custGeom>
-            <a:rect b="b" l="l" r="r" t="t"/>
+            <a:avLst/>
+            <a:gdLst/>
+            <a:ahLst/>
+            <a:cxnLst/>
+            <a:rect l="l" t="t" r="r" b="b"/>
             <a:pathLst>
-              <a:path extrusionOk="0" h="120000" w="120000">
+              <a:path w="120000" h="120000" extrusionOk="0">
                 <a:moveTo>
                   <a:pt x="0" y="0"/>
                 </a:moveTo>
@@ -1220,11 +1268,11 @@
 </file>
 
 <file path=ppt/notesSlides/notesSlide6.xml><?xml version="1.0" encoding="utf-8"?>
-<p:notes xmlns:a="http://schemas.openxmlformats.org/drawingml/2006/main" xmlns:r="http://schemas.openxmlformats.org/officeDocument/2006/relationships" xmlns:mc="http://schemas.openxmlformats.org/markup-compatibility/2006" xmlns:mv="urn:schemas-microsoft-com:mac:vml" xmlns:p="http://schemas.openxmlformats.org/presentationml/2006/main" xmlns:c="http://schemas.openxmlformats.org/drawingml/2006/chart" xmlns:dgm="http://schemas.openxmlformats.org/drawingml/2006/diagram" xmlns:o="urn:schemas-microsoft-com:office:office" xmlns:v="urn:schemas-microsoft-com:vml" xmlns:pvml="urn:schemas-microsoft-com:office:powerpoint" xmlns:com="http://schemas.openxmlformats.org/drawingml/2006/compatibility" xmlns:p14="http://schemas.microsoft.com/office/powerpoint/2010/main" xmlns:p15="http://schemas.microsoft.com/office/powerpoint/2012/main" xmlns:ahyp="http://schemas.microsoft.com/office/drawing/2018/hyperlinkcolor" showMasterPhAnim="0" showMasterSp="0">
+<p:notes xmlns:a="http://schemas.openxmlformats.org/drawingml/2006/main" xmlns:r="http://schemas.openxmlformats.org/officeDocument/2006/relationships" xmlns:p="http://schemas.openxmlformats.org/presentationml/2006/main" showMasterSp="0" showMasterPhAnim="0">
   <p:cSld>
     <p:spTree>
       <p:nvGrpSpPr>
-        <p:cNvPr id="135" name="Shape 135"/>
+        <p:cNvPr id="1" name="Shape 135"/>
         <p:cNvGrpSpPr/>
         <p:nvPr/>
       </p:nvGrpSpPr>
@@ -1239,9 +1287,11 @@
       <p:sp>
         <p:nvSpPr>
           <p:cNvPr id="136" name="Google Shape;136;p6:notes"/>
-          <p:cNvSpPr txBox="1"/>
+          <p:cNvSpPr txBox="1">
+            <a:spLocks noGrp="1"/>
+          </p:cNvSpPr>
           <p:nvPr>
-            <p:ph idx="1" type="body"/>
+            <p:ph type="body" idx="1"/>
           </p:nvPr>
         </p:nvSpPr>
         <p:spPr>
@@ -1254,12 +1304,12 @@
           </a:prstGeom>
         </p:spPr>
         <p:txBody>
-          <a:bodyPr anchorCtr="0" anchor="t" bIns="91425" lIns="91425" spcFirstLastPara="1" rIns="91425" wrap="square" tIns="91425">
+          <a:bodyPr spcFirstLastPara="1" wrap="square" lIns="91425" tIns="91425" rIns="91425" bIns="91425" anchor="t" anchorCtr="0">
             <a:noAutofit/>
           </a:bodyPr>
           <a:lstStyle/>
           <a:p>
-            <a:pPr indent="0" lvl="0" marL="0" rtl="0" algn="l">
+            <a:pPr marL="0" lvl="0" indent="0" algn="l" rtl="0">
               <a:spcBef>
                 <a:spcPts val="0"/>
               </a:spcBef>
@@ -1268,9 +1318,6 @@
               </a:spcAft>
               <a:buNone/>
             </a:pPr>
-            <a:r>
-              <a:t/>
-            </a:r>
             <a:endParaRPr/>
           </a:p>
         </p:txBody>
@@ -1278,9 +1325,11 @@
       <p:sp>
         <p:nvSpPr>
           <p:cNvPr id="137" name="Google Shape;137;p6:notes"/>
-          <p:cNvSpPr/>
+          <p:cNvSpPr>
+            <a:spLocks noGrp="1" noRot="1" noChangeAspect="1"/>
+          </p:cNvSpPr>
           <p:nvPr>
-            <p:ph idx="2" type="sldImg"/>
+            <p:ph type="sldImg" idx="2"/>
           </p:nvPr>
         </p:nvSpPr>
         <p:spPr>
@@ -1289,9 +1338,13 @@
             <a:ext cx="4572225" cy="3429000"/>
           </a:xfrm>
           <a:custGeom>
-            <a:rect b="b" l="l" r="r" t="t"/>
+            <a:avLst/>
+            <a:gdLst/>
+            <a:ahLst/>
+            <a:cxnLst/>
+            <a:rect l="l" t="t" r="r" b="b"/>
             <a:pathLst>
-              <a:path extrusionOk="0" h="120000" w="120000">
+              <a:path w="120000" h="120000" extrusionOk="0">
                 <a:moveTo>
                   <a:pt x="0" y="0"/>
                 </a:moveTo>
@@ -1319,11 +1372,11 @@
 </file>
 
 <file path=ppt/slideLayouts/slideLayout1.xml><?xml version="1.0" encoding="utf-8"?>
-<p:sldLayout xmlns:a="http://schemas.openxmlformats.org/drawingml/2006/main" xmlns:r="http://schemas.openxmlformats.org/officeDocument/2006/relationships" xmlns:mc="http://schemas.openxmlformats.org/markup-compatibility/2006" xmlns:mv="urn:schemas-microsoft-com:mac:vml" xmlns:p="http://schemas.openxmlformats.org/presentationml/2006/main" xmlns:c="http://schemas.openxmlformats.org/drawingml/2006/chart" xmlns:dgm="http://schemas.openxmlformats.org/drawingml/2006/diagram" xmlns:o="urn:schemas-microsoft-com:office:office" xmlns:v="urn:schemas-microsoft-com:vml" xmlns:pvml="urn:schemas-microsoft-com:office:powerpoint" xmlns:com="http://schemas.openxmlformats.org/drawingml/2006/compatibility" xmlns:p14="http://schemas.microsoft.com/office/powerpoint/2010/main" xmlns:p15="http://schemas.microsoft.com/office/powerpoint/2012/main" xmlns:ahyp="http://schemas.microsoft.com/office/drawing/2018/hyperlinkcolor" matchingName="Blank" type="blank">
+<p:sldLayout xmlns:a="http://schemas.openxmlformats.org/drawingml/2006/main" xmlns:r="http://schemas.openxmlformats.org/officeDocument/2006/relationships" xmlns:p="http://schemas.openxmlformats.org/presentationml/2006/main" matchingName="Blank" type="blank">
   <p:cSld name="BLANK">
     <p:spTree>
       <p:nvGrpSpPr>
-        <p:cNvPr id="11" name="Shape 11"/>
+        <p:cNvPr id="1" name="Shape 11"/>
         <p:cNvGrpSpPr/>
         <p:nvPr/>
       </p:nvGrpSpPr>
@@ -1338,9 +1391,11 @@
       <p:sp>
         <p:nvSpPr>
           <p:cNvPr id="12" name="Google Shape;12;p2"/>
-          <p:cNvSpPr txBox="1"/>
+          <p:cNvSpPr txBox="1">
+            <a:spLocks noGrp="1"/>
+          </p:cNvSpPr>
           <p:nvPr>
-            <p:ph idx="10" type="dt"/>
+            <p:ph type="dt" idx="10"/>
           </p:nvPr>
         </p:nvSpPr>
         <p:spPr>
@@ -1357,7 +1412,7 @@
           </a:ln>
         </p:spPr>
         <p:txBody>
-          <a:bodyPr anchorCtr="0" anchor="ctr" bIns="45700" lIns="91425" spcFirstLastPara="1" rIns="91425" wrap="square" tIns="45700">
+          <a:bodyPr spcFirstLastPara="1" wrap="square" lIns="91425" tIns="45700" rIns="91425" bIns="45700" anchor="ctr" anchorCtr="0">
             <a:noAutofit/>
           </a:bodyPr>
           <a:lstStyle>
@@ -1461,15 +1516,19 @@
               <a:defRPr/>
             </a:lvl9pPr>
           </a:lstStyle>
-          <a:p/>
+          <a:p>
+            <a:endParaRPr/>
+          </a:p>
         </p:txBody>
       </p:sp>
       <p:sp>
         <p:nvSpPr>
           <p:cNvPr id="13" name="Google Shape;13;p2"/>
-          <p:cNvSpPr txBox="1"/>
+          <p:cNvSpPr txBox="1">
+            <a:spLocks noGrp="1"/>
+          </p:cNvSpPr>
           <p:nvPr>
-            <p:ph idx="11" type="ftr"/>
+            <p:ph type="ftr" idx="11"/>
           </p:nvPr>
         </p:nvSpPr>
         <p:spPr>
@@ -1486,7 +1545,7 @@
           </a:ln>
         </p:spPr>
         <p:txBody>
-          <a:bodyPr anchorCtr="0" anchor="ctr" bIns="45700" lIns="91425" spcFirstLastPara="1" rIns="91425" wrap="square" tIns="45700">
+          <a:bodyPr spcFirstLastPara="1" wrap="square" lIns="91425" tIns="45700" rIns="91425" bIns="45700" anchor="ctr" anchorCtr="0">
             <a:noAutofit/>
           </a:bodyPr>
           <a:lstStyle>
@@ -1590,15 +1649,19 @@
               <a:defRPr/>
             </a:lvl9pPr>
           </a:lstStyle>
-          <a:p/>
+          <a:p>
+            <a:endParaRPr/>
+          </a:p>
         </p:txBody>
       </p:sp>
       <p:sp>
         <p:nvSpPr>
           <p:cNvPr id="14" name="Google Shape;14;p2"/>
-          <p:cNvSpPr txBox="1"/>
+          <p:cNvSpPr txBox="1">
+            <a:spLocks noGrp="1"/>
+          </p:cNvSpPr>
           <p:nvPr>
-            <p:ph idx="12" type="sldNum"/>
+            <p:ph type="sldNum" idx="12"/>
           </p:nvPr>
         </p:nvSpPr>
         <p:spPr>
@@ -1615,67 +1678,67 @@
           </a:ln>
         </p:spPr>
         <p:txBody>
-          <a:bodyPr anchorCtr="0" anchor="ctr" bIns="45700" lIns="91425" spcFirstLastPara="1" rIns="91425" wrap="square" tIns="45700">
+          <a:bodyPr spcFirstLastPara="1" wrap="square" lIns="91425" tIns="45700" rIns="91425" bIns="45700" anchor="ctr" anchorCtr="0">
             <a:noAutofit/>
           </a:bodyPr>
           <a:lstStyle>
-            <a:lvl1pPr indent="0" lvl="0" marL="0" algn="r">
+            <a:lvl1pPr marL="0" lvl="0" indent="0" algn="r">
               <a:spcBef>
                 <a:spcPts val="0"/>
               </a:spcBef>
               <a:buNone/>
               <a:defRPr/>
             </a:lvl1pPr>
-            <a:lvl2pPr indent="0" lvl="1" marL="0" algn="r">
+            <a:lvl2pPr marL="0" lvl="1" indent="0" algn="r">
               <a:spcBef>
                 <a:spcPts val="0"/>
               </a:spcBef>
               <a:buNone/>
               <a:defRPr/>
             </a:lvl2pPr>
-            <a:lvl3pPr indent="0" lvl="2" marL="0" algn="r">
+            <a:lvl3pPr marL="0" lvl="2" indent="0" algn="r">
               <a:spcBef>
                 <a:spcPts val="0"/>
               </a:spcBef>
               <a:buNone/>
               <a:defRPr/>
             </a:lvl3pPr>
-            <a:lvl4pPr indent="0" lvl="3" marL="0" algn="r">
+            <a:lvl4pPr marL="0" lvl="3" indent="0" algn="r">
               <a:spcBef>
                 <a:spcPts val="0"/>
               </a:spcBef>
               <a:buNone/>
               <a:defRPr/>
             </a:lvl4pPr>
-            <a:lvl5pPr indent="0" lvl="4" marL="0" algn="r">
+            <a:lvl5pPr marL="0" lvl="4" indent="0" algn="r">
               <a:spcBef>
                 <a:spcPts val="0"/>
               </a:spcBef>
               <a:buNone/>
               <a:defRPr/>
             </a:lvl5pPr>
-            <a:lvl6pPr indent="0" lvl="5" marL="0" algn="r">
+            <a:lvl6pPr marL="0" lvl="5" indent="0" algn="r">
               <a:spcBef>
                 <a:spcPts val="0"/>
               </a:spcBef>
               <a:buNone/>
               <a:defRPr/>
             </a:lvl6pPr>
-            <a:lvl7pPr indent="0" lvl="6" marL="0" algn="r">
+            <a:lvl7pPr marL="0" lvl="6" indent="0" algn="r">
               <a:spcBef>
                 <a:spcPts val="0"/>
               </a:spcBef>
               <a:buNone/>
               <a:defRPr/>
             </a:lvl7pPr>
-            <a:lvl8pPr indent="0" lvl="7" marL="0" algn="r">
+            <a:lvl8pPr marL="0" lvl="7" indent="0" algn="r">
               <a:spcBef>
                 <a:spcPts val="0"/>
               </a:spcBef>
               <a:buNone/>
               <a:defRPr/>
             </a:lvl8pPr>
-            <a:lvl9pPr indent="0" lvl="8" marL="0" algn="r">
+            <a:lvl9pPr marL="0" lvl="8" indent="0" algn="r">
               <a:spcBef>
                 <a:spcPts val="0"/>
               </a:spcBef>
@@ -1684,7 +1747,7 @@
             </a:lvl9pPr>
           </a:lstStyle>
           <a:p>
-            <a:pPr indent="0" lvl="0" marL="0" rtl="0" algn="r">
+            <a:pPr marL="0" lvl="0" indent="0" algn="r" rtl="0">
               <a:spcBef>
                 <a:spcPts val="0"/>
               </a:spcBef>
@@ -1710,11 +1773,11 @@
 </file>
 
 <file path=ppt/slideLayouts/slideLayout10.xml><?xml version="1.0" encoding="utf-8"?>
-<p:sldLayout xmlns:a="http://schemas.openxmlformats.org/drawingml/2006/main" xmlns:r="http://schemas.openxmlformats.org/officeDocument/2006/relationships" xmlns:mc="http://schemas.openxmlformats.org/markup-compatibility/2006" xmlns:mv="urn:schemas-microsoft-com:mac:vml" xmlns:p="http://schemas.openxmlformats.org/presentationml/2006/main" xmlns:c="http://schemas.openxmlformats.org/drawingml/2006/chart" xmlns:dgm="http://schemas.openxmlformats.org/drawingml/2006/diagram" xmlns:o="urn:schemas-microsoft-com:office:office" xmlns:v="urn:schemas-microsoft-com:vml" xmlns:pvml="urn:schemas-microsoft-com:office:powerpoint" xmlns:com="http://schemas.openxmlformats.org/drawingml/2006/compatibility" xmlns:p14="http://schemas.microsoft.com/office/powerpoint/2010/main" xmlns:p15="http://schemas.microsoft.com/office/powerpoint/2012/main" xmlns:ahyp="http://schemas.microsoft.com/office/drawing/2018/hyperlinkcolor" matchingName="Title and Vertical Text" type="vertTx">
+<p:sldLayout xmlns:a="http://schemas.openxmlformats.org/drawingml/2006/main" xmlns:r="http://schemas.openxmlformats.org/officeDocument/2006/relationships" xmlns:p="http://schemas.openxmlformats.org/presentationml/2006/main" matchingName="Title and Vertical Text" type="vertTx">
   <p:cSld name="VERTICAL_TEXT">
     <p:spTree>
       <p:nvGrpSpPr>
-        <p:cNvPr id="68" name="Shape 68"/>
+        <p:cNvPr id="1" name="Shape 68"/>
         <p:cNvGrpSpPr/>
         <p:nvPr/>
       </p:nvGrpSpPr>
@@ -1729,7 +1792,9 @@
       <p:sp>
         <p:nvSpPr>
           <p:cNvPr id="69" name="Google Shape;69;p11"/>
-          <p:cNvSpPr txBox="1"/>
+          <p:cNvSpPr txBox="1">
+            <a:spLocks noGrp="1"/>
+          </p:cNvSpPr>
           <p:nvPr>
             <p:ph type="title"/>
           </p:nvPr>
@@ -1748,7 +1813,7 @@
           </a:ln>
         </p:spPr>
         <p:txBody>
-          <a:bodyPr anchorCtr="0" anchor="ctr" bIns="45700" lIns="91425" spcFirstLastPara="1" rIns="91425" wrap="square" tIns="45700">
+          <a:bodyPr spcFirstLastPara="1" wrap="square" lIns="91425" tIns="45700" rIns="91425" bIns="45700" anchor="ctr" anchorCtr="0">
             <a:noAutofit/>
           </a:bodyPr>
           <a:lstStyle>
@@ -1855,15 +1920,19 @@
               <a:defRPr/>
             </a:lvl9pPr>
           </a:lstStyle>
-          <a:p/>
+          <a:p>
+            <a:endParaRPr/>
+          </a:p>
         </p:txBody>
       </p:sp>
       <p:sp>
         <p:nvSpPr>
           <p:cNvPr id="70" name="Google Shape;70;p11"/>
-          <p:cNvSpPr txBox="1"/>
+          <p:cNvSpPr txBox="1">
+            <a:spLocks noGrp="1"/>
+          </p:cNvSpPr>
           <p:nvPr>
-            <p:ph idx="1" type="body"/>
+            <p:ph type="body" idx="1"/>
           </p:nvPr>
         </p:nvSpPr>
         <p:spPr>
@@ -1880,11 +1949,11 @@
           </a:ln>
         </p:spPr>
         <p:txBody>
-          <a:bodyPr anchorCtr="0" anchor="t" bIns="45700" lIns="91425" spcFirstLastPara="1" rIns="91425" wrap="square" tIns="45700">
+          <a:bodyPr spcFirstLastPara="1" wrap="square" lIns="91425" tIns="45700" rIns="91425" bIns="45700" anchor="t" anchorCtr="0">
             <a:noAutofit/>
           </a:bodyPr>
           <a:lstStyle>
-            <a:lvl1pPr indent="-342900" lvl="0" marL="457200" algn="l">
+            <a:lvl1pPr marL="457200" lvl="0" indent="-342900" algn="l">
               <a:spcBef>
                 <a:spcPts val="360"/>
               </a:spcBef>
@@ -1898,7 +1967,7 @@
               <a:buChar char="•"/>
               <a:defRPr/>
             </a:lvl1pPr>
-            <a:lvl2pPr indent="-342900" lvl="1" marL="914400" algn="l">
+            <a:lvl2pPr marL="914400" lvl="1" indent="-342900" algn="l">
               <a:spcBef>
                 <a:spcPts val="360"/>
               </a:spcBef>
@@ -1912,7 +1981,7 @@
               <a:buChar char="–"/>
               <a:defRPr/>
             </a:lvl2pPr>
-            <a:lvl3pPr indent="-342900" lvl="2" marL="1371600" algn="l">
+            <a:lvl3pPr marL="1371600" lvl="2" indent="-342900" algn="l">
               <a:spcBef>
                 <a:spcPts val="360"/>
               </a:spcBef>
@@ -1926,7 +1995,7 @@
               <a:buChar char="•"/>
               <a:defRPr/>
             </a:lvl3pPr>
-            <a:lvl4pPr indent="-342900" lvl="3" marL="1828800" algn="l">
+            <a:lvl4pPr marL="1828800" lvl="3" indent="-342900" algn="l">
               <a:spcBef>
                 <a:spcPts val="360"/>
               </a:spcBef>
@@ -1940,7 +2009,7 @@
               <a:buChar char="–"/>
               <a:defRPr/>
             </a:lvl4pPr>
-            <a:lvl5pPr indent="-342900" lvl="4" marL="2286000" algn="l">
+            <a:lvl5pPr marL="2286000" lvl="4" indent="-342900" algn="l">
               <a:spcBef>
                 <a:spcPts val="360"/>
               </a:spcBef>
@@ -1954,7 +2023,7 @@
               <a:buChar char="»"/>
               <a:defRPr/>
             </a:lvl5pPr>
-            <a:lvl6pPr indent="-342900" lvl="5" marL="2743200" algn="l">
+            <a:lvl6pPr marL="2743200" lvl="5" indent="-342900" algn="l">
               <a:spcBef>
                 <a:spcPts val="360"/>
               </a:spcBef>
@@ -1968,7 +2037,7 @@
               <a:buChar char="•"/>
               <a:defRPr/>
             </a:lvl6pPr>
-            <a:lvl7pPr indent="-342900" lvl="6" marL="3200400" algn="l">
+            <a:lvl7pPr marL="3200400" lvl="6" indent="-342900" algn="l">
               <a:spcBef>
                 <a:spcPts val="360"/>
               </a:spcBef>
@@ -1982,7 +2051,7 @@
               <a:buChar char="•"/>
               <a:defRPr/>
             </a:lvl7pPr>
-            <a:lvl8pPr indent="-342900" lvl="7" marL="3657600" algn="l">
+            <a:lvl8pPr marL="3657600" lvl="7" indent="-342900" algn="l">
               <a:spcBef>
                 <a:spcPts val="360"/>
               </a:spcBef>
@@ -1996,7 +2065,7 @@
               <a:buChar char="•"/>
               <a:defRPr/>
             </a:lvl8pPr>
-            <a:lvl9pPr indent="-342900" lvl="8" marL="4114800" algn="l">
+            <a:lvl9pPr marL="4114800" lvl="8" indent="-342900" algn="l">
               <a:spcBef>
                 <a:spcPts val="360"/>
               </a:spcBef>
@@ -2011,15 +2080,19 @@
               <a:defRPr/>
             </a:lvl9pPr>
           </a:lstStyle>
-          <a:p/>
+          <a:p>
+            <a:endParaRPr/>
+          </a:p>
         </p:txBody>
       </p:sp>
       <p:sp>
         <p:nvSpPr>
           <p:cNvPr id="71" name="Google Shape;71;p11"/>
-          <p:cNvSpPr txBox="1"/>
+          <p:cNvSpPr txBox="1">
+            <a:spLocks noGrp="1"/>
+          </p:cNvSpPr>
           <p:nvPr>
-            <p:ph idx="10" type="dt"/>
+            <p:ph type="dt" idx="10"/>
           </p:nvPr>
         </p:nvSpPr>
         <p:spPr>
@@ -2036,7 +2109,7 @@
           </a:ln>
         </p:spPr>
         <p:txBody>
-          <a:bodyPr anchorCtr="0" anchor="ctr" bIns="45700" lIns="91425" spcFirstLastPara="1" rIns="91425" wrap="square" tIns="45700">
+          <a:bodyPr spcFirstLastPara="1" wrap="square" lIns="91425" tIns="45700" rIns="91425" bIns="45700" anchor="ctr" anchorCtr="0">
             <a:noAutofit/>
           </a:bodyPr>
           <a:lstStyle>
@@ -2140,15 +2213,19 @@
               <a:defRPr/>
             </a:lvl9pPr>
           </a:lstStyle>
-          <a:p/>
+          <a:p>
+            <a:endParaRPr/>
+          </a:p>
         </p:txBody>
       </p:sp>
       <p:sp>
         <p:nvSpPr>
           <p:cNvPr id="72" name="Google Shape;72;p11"/>
-          <p:cNvSpPr txBox="1"/>
+          <p:cNvSpPr txBox="1">
+            <a:spLocks noGrp="1"/>
+          </p:cNvSpPr>
           <p:nvPr>
-            <p:ph idx="11" type="ftr"/>
+            <p:ph type="ftr" idx="11"/>
           </p:nvPr>
         </p:nvSpPr>
         <p:spPr>
@@ -2165,7 +2242,7 @@
           </a:ln>
         </p:spPr>
         <p:txBody>
-          <a:bodyPr anchorCtr="0" anchor="ctr" bIns="45700" lIns="91425" spcFirstLastPara="1" rIns="91425" wrap="square" tIns="45700">
+          <a:bodyPr spcFirstLastPara="1" wrap="square" lIns="91425" tIns="45700" rIns="91425" bIns="45700" anchor="ctr" anchorCtr="0">
             <a:noAutofit/>
           </a:bodyPr>
           <a:lstStyle>
@@ -2269,15 +2346,19 @@
               <a:defRPr/>
             </a:lvl9pPr>
           </a:lstStyle>
-          <a:p/>
+          <a:p>
+            <a:endParaRPr/>
+          </a:p>
         </p:txBody>
       </p:sp>
       <p:sp>
         <p:nvSpPr>
           <p:cNvPr id="73" name="Google Shape;73;p11"/>
-          <p:cNvSpPr txBox="1"/>
+          <p:cNvSpPr txBox="1">
+            <a:spLocks noGrp="1"/>
+          </p:cNvSpPr>
           <p:nvPr>
-            <p:ph idx="12" type="sldNum"/>
+            <p:ph type="sldNum" idx="12"/>
           </p:nvPr>
         </p:nvSpPr>
         <p:spPr>
@@ -2294,67 +2375,67 @@
           </a:ln>
         </p:spPr>
         <p:txBody>
-          <a:bodyPr anchorCtr="0" anchor="ctr" bIns="45700" lIns="91425" spcFirstLastPara="1" rIns="91425" wrap="square" tIns="45700">
+          <a:bodyPr spcFirstLastPara="1" wrap="square" lIns="91425" tIns="45700" rIns="91425" bIns="45700" anchor="ctr" anchorCtr="0">
             <a:noAutofit/>
           </a:bodyPr>
           <a:lstStyle>
-            <a:lvl1pPr indent="0" lvl="0" marL="0" algn="r">
+            <a:lvl1pPr marL="0" lvl="0" indent="0" algn="r">
               <a:spcBef>
                 <a:spcPts val="0"/>
               </a:spcBef>
               <a:buNone/>
               <a:defRPr/>
             </a:lvl1pPr>
-            <a:lvl2pPr indent="0" lvl="1" marL="0" algn="r">
+            <a:lvl2pPr marL="0" lvl="1" indent="0" algn="r">
               <a:spcBef>
                 <a:spcPts val="0"/>
               </a:spcBef>
               <a:buNone/>
               <a:defRPr/>
             </a:lvl2pPr>
-            <a:lvl3pPr indent="0" lvl="2" marL="0" algn="r">
+            <a:lvl3pPr marL="0" lvl="2" indent="0" algn="r">
               <a:spcBef>
                 <a:spcPts val="0"/>
               </a:spcBef>
               <a:buNone/>
               <a:defRPr/>
             </a:lvl3pPr>
-            <a:lvl4pPr indent="0" lvl="3" marL="0" algn="r">
+            <a:lvl4pPr marL="0" lvl="3" indent="0" algn="r">
               <a:spcBef>
                 <a:spcPts val="0"/>
               </a:spcBef>
               <a:buNone/>
               <a:defRPr/>
             </a:lvl4pPr>
-            <a:lvl5pPr indent="0" lvl="4" marL="0" algn="r">
+            <a:lvl5pPr marL="0" lvl="4" indent="0" algn="r">
               <a:spcBef>
                 <a:spcPts val="0"/>
               </a:spcBef>
               <a:buNone/>
               <a:defRPr/>
             </a:lvl5pPr>
-            <a:lvl6pPr indent="0" lvl="5" marL="0" algn="r">
+            <a:lvl6pPr marL="0" lvl="5" indent="0" algn="r">
               <a:spcBef>
                 <a:spcPts val="0"/>
               </a:spcBef>
               <a:buNone/>
               <a:defRPr/>
             </a:lvl6pPr>
-            <a:lvl7pPr indent="0" lvl="6" marL="0" algn="r">
+            <a:lvl7pPr marL="0" lvl="6" indent="0" algn="r">
               <a:spcBef>
                 <a:spcPts val="0"/>
               </a:spcBef>
               <a:buNone/>
               <a:defRPr/>
             </a:lvl7pPr>
-            <a:lvl8pPr indent="0" lvl="7" marL="0" algn="r">
+            <a:lvl8pPr marL="0" lvl="7" indent="0" algn="r">
               <a:spcBef>
                 <a:spcPts val="0"/>
               </a:spcBef>
               <a:buNone/>
               <a:defRPr/>
             </a:lvl8pPr>
-            <a:lvl9pPr indent="0" lvl="8" marL="0" algn="r">
+            <a:lvl9pPr marL="0" lvl="8" indent="0" algn="r">
               <a:spcBef>
                 <a:spcPts val="0"/>
               </a:spcBef>
@@ -2363,7 +2444,7 @@
             </a:lvl9pPr>
           </a:lstStyle>
           <a:p>
-            <a:pPr indent="0" lvl="0" marL="0" rtl="0" algn="r">
+            <a:pPr marL="0" lvl="0" indent="0" algn="r" rtl="0">
               <a:spcBef>
                 <a:spcPts val="0"/>
               </a:spcBef>
@@ -2389,11 +2470,11 @@
 </file>
 
 <file path=ppt/slideLayouts/slideLayout11.xml><?xml version="1.0" encoding="utf-8"?>
-<p:sldLayout xmlns:a="http://schemas.openxmlformats.org/drawingml/2006/main" xmlns:r="http://schemas.openxmlformats.org/officeDocument/2006/relationships" xmlns:mc="http://schemas.openxmlformats.org/markup-compatibility/2006" xmlns:mv="urn:schemas-microsoft-com:mac:vml" xmlns:p="http://schemas.openxmlformats.org/presentationml/2006/main" xmlns:c="http://schemas.openxmlformats.org/drawingml/2006/chart" xmlns:dgm="http://schemas.openxmlformats.org/drawingml/2006/diagram" xmlns:o="urn:schemas-microsoft-com:office:office" xmlns:v="urn:schemas-microsoft-com:vml" xmlns:pvml="urn:schemas-microsoft-com:office:powerpoint" xmlns:com="http://schemas.openxmlformats.org/drawingml/2006/compatibility" xmlns:p14="http://schemas.microsoft.com/office/powerpoint/2010/main" xmlns:p15="http://schemas.microsoft.com/office/powerpoint/2012/main" xmlns:ahyp="http://schemas.microsoft.com/office/drawing/2018/hyperlinkcolor" matchingName="Vertical Title and Text" type="vertTitleAndTx">
+<p:sldLayout xmlns:a="http://schemas.openxmlformats.org/drawingml/2006/main" xmlns:r="http://schemas.openxmlformats.org/officeDocument/2006/relationships" xmlns:p="http://schemas.openxmlformats.org/presentationml/2006/main" matchingName="Vertical Title and Text" type="vertTitleAndTx">
   <p:cSld name="VERTICAL_TITLE_AND_VERTICAL_TEXT">
     <p:spTree>
       <p:nvGrpSpPr>
-        <p:cNvPr id="74" name="Shape 74"/>
+        <p:cNvPr id="1" name="Shape 74"/>
         <p:cNvGrpSpPr/>
         <p:nvPr/>
       </p:nvGrpSpPr>
@@ -2408,7 +2489,9 @@
       <p:sp>
         <p:nvSpPr>
           <p:cNvPr id="75" name="Google Shape;75;p12"/>
-          <p:cNvSpPr txBox="1"/>
+          <p:cNvSpPr txBox="1">
+            <a:spLocks noGrp="1"/>
+          </p:cNvSpPr>
           <p:nvPr>
             <p:ph type="title"/>
           </p:nvPr>
@@ -2427,7 +2510,7 @@
           </a:ln>
         </p:spPr>
         <p:txBody>
-          <a:bodyPr anchorCtr="0" anchor="ctr" bIns="45700" lIns="91425" spcFirstLastPara="1" rIns="91425" wrap="square" tIns="45700">
+          <a:bodyPr spcFirstLastPara="1" wrap="square" lIns="91425" tIns="45700" rIns="91425" bIns="45700" anchor="ctr" anchorCtr="0">
             <a:noAutofit/>
           </a:bodyPr>
           <a:lstStyle>
@@ -2534,15 +2617,19 @@
               <a:defRPr/>
             </a:lvl9pPr>
           </a:lstStyle>
-          <a:p/>
+          <a:p>
+            <a:endParaRPr/>
+          </a:p>
         </p:txBody>
       </p:sp>
       <p:sp>
         <p:nvSpPr>
           <p:cNvPr id="76" name="Google Shape;76;p12"/>
-          <p:cNvSpPr txBox="1"/>
+          <p:cNvSpPr txBox="1">
+            <a:spLocks noGrp="1"/>
+          </p:cNvSpPr>
           <p:nvPr>
-            <p:ph idx="1" type="body"/>
+            <p:ph type="body" idx="1"/>
           </p:nvPr>
         </p:nvSpPr>
         <p:spPr>
@@ -2559,11 +2646,11 @@
           </a:ln>
         </p:spPr>
         <p:txBody>
-          <a:bodyPr anchorCtr="0" anchor="t" bIns="45700" lIns="91425" spcFirstLastPara="1" rIns="91425" wrap="square" tIns="45700">
+          <a:bodyPr spcFirstLastPara="1" wrap="square" lIns="91425" tIns="45700" rIns="91425" bIns="45700" anchor="t" anchorCtr="0">
             <a:noAutofit/>
           </a:bodyPr>
           <a:lstStyle>
-            <a:lvl1pPr indent="-342900" lvl="0" marL="457200" algn="l">
+            <a:lvl1pPr marL="457200" lvl="0" indent="-342900" algn="l">
               <a:spcBef>
                 <a:spcPts val="360"/>
               </a:spcBef>
@@ -2577,7 +2664,7 @@
               <a:buChar char="•"/>
               <a:defRPr/>
             </a:lvl1pPr>
-            <a:lvl2pPr indent="-342900" lvl="1" marL="914400" algn="l">
+            <a:lvl2pPr marL="914400" lvl="1" indent="-342900" algn="l">
               <a:spcBef>
                 <a:spcPts val="360"/>
               </a:spcBef>
@@ -2591,7 +2678,7 @@
               <a:buChar char="–"/>
               <a:defRPr/>
             </a:lvl2pPr>
-            <a:lvl3pPr indent="-342900" lvl="2" marL="1371600" algn="l">
+            <a:lvl3pPr marL="1371600" lvl="2" indent="-342900" algn="l">
               <a:spcBef>
                 <a:spcPts val="360"/>
               </a:spcBef>
@@ -2605,7 +2692,7 @@
               <a:buChar char="•"/>
               <a:defRPr/>
             </a:lvl3pPr>
-            <a:lvl4pPr indent="-342900" lvl="3" marL="1828800" algn="l">
+            <a:lvl4pPr marL="1828800" lvl="3" indent="-342900" algn="l">
               <a:spcBef>
                 <a:spcPts val="360"/>
               </a:spcBef>
@@ -2619,7 +2706,7 @@
               <a:buChar char="–"/>
               <a:defRPr/>
             </a:lvl4pPr>
-            <a:lvl5pPr indent="-342900" lvl="4" marL="2286000" algn="l">
+            <a:lvl5pPr marL="2286000" lvl="4" indent="-342900" algn="l">
               <a:spcBef>
                 <a:spcPts val="360"/>
               </a:spcBef>
@@ -2633,7 +2720,7 @@
               <a:buChar char="»"/>
               <a:defRPr/>
             </a:lvl5pPr>
-            <a:lvl6pPr indent="-342900" lvl="5" marL="2743200" algn="l">
+            <a:lvl6pPr marL="2743200" lvl="5" indent="-342900" algn="l">
               <a:spcBef>
                 <a:spcPts val="360"/>
               </a:spcBef>
@@ -2647,7 +2734,7 @@
               <a:buChar char="•"/>
               <a:defRPr/>
             </a:lvl6pPr>
-            <a:lvl7pPr indent="-342900" lvl="6" marL="3200400" algn="l">
+            <a:lvl7pPr marL="3200400" lvl="6" indent="-342900" algn="l">
               <a:spcBef>
                 <a:spcPts val="360"/>
               </a:spcBef>
@@ -2661,7 +2748,7 @@
               <a:buChar char="•"/>
               <a:defRPr/>
             </a:lvl7pPr>
-            <a:lvl8pPr indent="-342900" lvl="7" marL="3657600" algn="l">
+            <a:lvl8pPr marL="3657600" lvl="7" indent="-342900" algn="l">
               <a:spcBef>
                 <a:spcPts val="360"/>
               </a:spcBef>
@@ -2675,7 +2762,7 @@
               <a:buChar char="•"/>
               <a:defRPr/>
             </a:lvl8pPr>
-            <a:lvl9pPr indent="-342900" lvl="8" marL="4114800" algn="l">
+            <a:lvl9pPr marL="4114800" lvl="8" indent="-342900" algn="l">
               <a:spcBef>
                 <a:spcPts val="360"/>
               </a:spcBef>
@@ -2690,15 +2777,19 @@
               <a:defRPr/>
             </a:lvl9pPr>
           </a:lstStyle>
-          <a:p/>
+          <a:p>
+            <a:endParaRPr/>
+          </a:p>
         </p:txBody>
       </p:sp>
       <p:sp>
         <p:nvSpPr>
           <p:cNvPr id="77" name="Google Shape;77;p12"/>
-          <p:cNvSpPr txBox="1"/>
+          <p:cNvSpPr txBox="1">
+            <a:spLocks noGrp="1"/>
+          </p:cNvSpPr>
           <p:nvPr>
-            <p:ph idx="10" type="dt"/>
+            <p:ph type="dt" idx="10"/>
           </p:nvPr>
         </p:nvSpPr>
         <p:spPr>
@@ -2715,7 +2806,7 @@
           </a:ln>
         </p:spPr>
         <p:txBody>
-          <a:bodyPr anchorCtr="0" anchor="ctr" bIns="45700" lIns="91425" spcFirstLastPara="1" rIns="91425" wrap="square" tIns="45700">
+          <a:bodyPr spcFirstLastPara="1" wrap="square" lIns="91425" tIns="45700" rIns="91425" bIns="45700" anchor="ctr" anchorCtr="0">
             <a:noAutofit/>
           </a:bodyPr>
           <a:lstStyle>
@@ -2819,15 +2910,19 @@
               <a:defRPr/>
             </a:lvl9pPr>
           </a:lstStyle>
-          <a:p/>
+          <a:p>
+            <a:endParaRPr/>
+          </a:p>
         </p:txBody>
       </p:sp>
       <p:sp>
         <p:nvSpPr>
           <p:cNvPr id="78" name="Google Shape;78;p12"/>
-          <p:cNvSpPr txBox="1"/>
+          <p:cNvSpPr txBox="1">
+            <a:spLocks noGrp="1"/>
+          </p:cNvSpPr>
           <p:nvPr>
-            <p:ph idx="11" type="ftr"/>
+            <p:ph type="ftr" idx="11"/>
           </p:nvPr>
         </p:nvSpPr>
         <p:spPr>
@@ -2844,7 +2939,7 @@
           </a:ln>
         </p:spPr>
         <p:txBody>
-          <a:bodyPr anchorCtr="0" anchor="ctr" bIns="45700" lIns="91425" spcFirstLastPara="1" rIns="91425" wrap="square" tIns="45700">
+          <a:bodyPr spcFirstLastPara="1" wrap="square" lIns="91425" tIns="45700" rIns="91425" bIns="45700" anchor="ctr" anchorCtr="0">
             <a:noAutofit/>
           </a:bodyPr>
           <a:lstStyle>
@@ -2948,15 +3043,19 @@
               <a:defRPr/>
             </a:lvl9pPr>
           </a:lstStyle>
-          <a:p/>
+          <a:p>
+            <a:endParaRPr/>
+          </a:p>
         </p:txBody>
       </p:sp>
       <p:sp>
         <p:nvSpPr>
           <p:cNvPr id="79" name="Google Shape;79;p12"/>
-          <p:cNvSpPr txBox="1"/>
+          <p:cNvSpPr txBox="1">
+            <a:spLocks noGrp="1"/>
+          </p:cNvSpPr>
           <p:nvPr>
-            <p:ph idx="12" type="sldNum"/>
+            <p:ph type="sldNum" idx="12"/>
           </p:nvPr>
         </p:nvSpPr>
         <p:spPr>
@@ -2973,67 +3072,67 @@
           </a:ln>
         </p:spPr>
         <p:txBody>
-          <a:bodyPr anchorCtr="0" anchor="ctr" bIns="45700" lIns="91425" spcFirstLastPara="1" rIns="91425" wrap="square" tIns="45700">
+          <a:bodyPr spcFirstLastPara="1" wrap="square" lIns="91425" tIns="45700" rIns="91425" bIns="45700" anchor="ctr" anchorCtr="0">
             <a:noAutofit/>
           </a:bodyPr>
           <a:lstStyle>
-            <a:lvl1pPr indent="0" lvl="0" marL="0" algn="r">
+            <a:lvl1pPr marL="0" lvl="0" indent="0" algn="r">
               <a:spcBef>
                 <a:spcPts val="0"/>
               </a:spcBef>
               <a:buNone/>
               <a:defRPr/>
             </a:lvl1pPr>
-            <a:lvl2pPr indent="0" lvl="1" marL="0" algn="r">
+            <a:lvl2pPr marL="0" lvl="1" indent="0" algn="r">
               <a:spcBef>
                 <a:spcPts val="0"/>
               </a:spcBef>
               <a:buNone/>
               <a:defRPr/>
             </a:lvl2pPr>
-            <a:lvl3pPr indent="0" lvl="2" marL="0" algn="r">
+            <a:lvl3pPr marL="0" lvl="2" indent="0" algn="r">
               <a:spcBef>
                 <a:spcPts val="0"/>
               </a:spcBef>
               <a:buNone/>
               <a:defRPr/>
             </a:lvl3pPr>
-            <a:lvl4pPr indent="0" lvl="3" marL="0" algn="r">
+            <a:lvl4pPr marL="0" lvl="3" indent="0" algn="r">
               <a:spcBef>
                 <a:spcPts val="0"/>
               </a:spcBef>
               <a:buNone/>
               <a:defRPr/>
             </a:lvl4pPr>
-            <a:lvl5pPr indent="0" lvl="4" marL="0" algn="r">
+            <a:lvl5pPr marL="0" lvl="4" indent="0" algn="r">
               <a:spcBef>
                 <a:spcPts val="0"/>
               </a:spcBef>
               <a:buNone/>
               <a:defRPr/>
             </a:lvl5pPr>
-            <a:lvl6pPr indent="0" lvl="5" marL="0" algn="r">
+            <a:lvl6pPr marL="0" lvl="5" indent="0" algn="r">
               <a:spcBef>
                 <a:spcPts val="0"/>
               </a:spcBef>
               <a:buNone/>
               <a:defRPr/>
             </a:lvl6pPr>
-            <a:lvl7pPr indent="0" lvl="6" marL="0" algn="r">
+            <a:lvl7pPr marL="0" lvl="6" indent="0" algn="r">
               <a:spcBef>
                 <a:spcPts val="0"/>
               </a:spcBef>
               <a:buNone/>
               <a:defRPr/>
             </a:lvl7pPr>
-            <a:lvl8pPr indent="0" lvl="7" marL="0" algn="r">
+            <a:lvl8pPr marL="0" lvl="7" indent="0" algn="r">
               <a:spcBef>
                 <a:spcPts val="0"/>
               </a:spcBef>
               <a:buNone/>
               <a:defRPr/>
             </a:lvl8pPr>
-            <a:lvl9pPr indent="0" lvl="8" marL="0" algn="r">
+            <a:lvl9pPr marL="0" lvl="8" indent="0" algn="r">
               <a:spcBef>
                 <a:spcPts val="0"/>
               </a:spcBef>
@@ -3042,7 +3141,7 @@
             </a:lvl9pPr>
           </a:lstStyle>
           <a:p>
-            <a:pPr indent="0" lvl="0" marL="0" rtl="0" algn="r">
+            <a:pPr marL="0" lvl="0" indent="0" algn="r" rtl="0">
               <a:spcBef>
                 <a:spcPts val="0"/>
               </a:spcBef>
@@ -3068,11 +3167,11 @@
 </file>
 
 <file path=ppt/slideLayouts/slideLayout2.xml><?xml version="1.0" encoding="utf-8"?>
-<p:sldLayout xmlns:a="http://schemas.openxmlformats.org/drawingml/2006/main" xmlns:r="http://schemas.openxmlformats.org/officeDocument/2006/relationships" xmlns:mc="http://schemas.openxmlformats.org/markup-compatibility/2006" xmlns:mv="urn:schemas-microsoft-com:mac:vml" xmlns:p="http://schemas.openxmlformats.org/presentationml/2006/main" xmlns:c="http://schemas.openxmlformats.org/drawingml/2006/chart" xmlns:dgm="http://schemas.openxmlformats.org/drawingml/2006/diagram" xmlns:o="urn:schemas-microsoft-com:office:office" xmlns:v="urn:schemas-microsoft-com:vml" xmlns:pvml="urn:schemas-microsoft-com:office:powerpoint" xmlns:com="http://schemas.openxmlformats.org/drawingml/2006/compatibility" xmlns:p14="http://schemas.microsoft.com/office/powerpoint/2010/main" xmlns:p15="http://schemas.microsoft.com/office/powerpoint/2012/main" xmlns:ahyp="http://schemas.microsoft.com/office/drawing/2018/hyperlinkcolor" matchingName="Title Slide" type="title">
+<p:sldLayout xmlns:a="http://schemas.openxmlformats.org/drawingml/2006/main" xmlns:r="http://schemas.openxmlformats.org/officeDocument/2006/relationships" xmlns:p="http://schemas.openxmlformats.org/presentationml/2006/main" matchingName="Title Slide" type="title">
   <p:cSld name="TITLE">
     <p:spTree>
       <p:nvGrpSpPr>
-        <p:cNvPr id="15" name="Shape 15"/>
+        <p:cNvPr id="1" name="Shape 15"/>
         <p:cNvGrpSpPr/>
         <p:nvPr/>
       </p:nvGrpSpPr>
@@ -3087,7 +3186,9 @@
       <p:sp>
         <p:nvSpPr>
           <p:cNvPr id="16" name="Google Shape;16;p3"/>
-          <p:cNvSpPr txBox="1"/>
+          <p:cNvSpPr txBox="1">
+            <a:spLocks noGrp="1"/>
+          </p:cNvSpPr>
           <p:nvPr>
             <p:ph type="ctrTitle"/>
           </p:nvPr>
@@ -3106,7 +3207,7 @@
           </a:ln>
         </p:spPr>
         <p:txBody>
-          <a:bodyPr anchorCtr="0" anchor="ctr" bIns="45700" lIns="91425" spcFirstLastPara="1" rIns="91425" wrap="square" tIns="45700">
+          <a:bodyPr spcFirstLastPara="1" wrap="square" lIns="91425" tIns="45700" rIns="91425" bIns="45700" anchor="ctr" anchorCtr="0">
             <a:noAutofit/>
           </a:bodyPr>
           <a:lstStyle>
@@ -3213,15 +3314,19 @@
               <a:defRPr/>
             </a:lvl9pPr>
           </a:lstStyle>
-          <a:p/>
+          <a:p>
+            <a:endParaRPr/>
+          </a:p>
         </p:txBody>
       </p:sp>
       <p:sp>
         <p:nvSpPr>
           <p:cNvPr id="17" name="Google Shape;17;p3"/>
-          <p:cNvSpPr txBox="1"/>
+          <p:cNvSpPr txBox="1">
+            <a:spLocks noGrp="1"/>
+          </p:cNvSpPr>
           <p:nvPr>
-            <p:ph idx="1" type="subTitle"/>
+            <p:ph type="subTitle" idx="1"/>
           </p:nvPr>
         </p:nvSpPr>
         <p:spPr>
@@ -3238,7 +3343,7 @@
           </a:ln>
         </p:spPr>
         <p:txBody>
-          <a:bodyPr anchorCtr="0" anchor="t" bIns="45700" lIns="91425" spcFirstLastPara="1" rIns="91425" wrap="square" tIns="45700">
+          <a:bodyPr spcFirstLastPara="1" wrap="square" lIns="91425" tIns="45700" rIns="91425" bIns="45700" anchor="t" anchorCtr="0">
             <a:noAutofit/>
           </a:bodyPr>
           <a:lstStyle>
@@ -3405,15 +3510,19 @@
               </a:defRPr>
             </a:lvl9pPr>
           </a:lstStyle>
-          <a:p/>
+          <a:p>
+            <a:endParaRPr/>
+          </a:p>
         </p:txBody>
       </p:sp>
       <p:sp>
         <p:nvSpPr>
           <p:cNvPr id="18" name="Google Shape;18;p3"/>
-          <p:cNvSpPr txBox="1"/>
+          <p:cNvSpPr txBox="1">
+            <a:spLocks noGrp="1"/>
+          </p:cNvSpPr>
           <p:nvPr>
-            <p:ph idx="10" type="dt"/>
+            <p:ph type="dt" idx="10"/>
           </p:nvPr>
         </p:nvSpPr>
         <p:spPr>
@@ -3430,7 +3539,7 @@
           </a:ln>
         </p:spPr>
         <p:txBody>
-          <a:bodyPr anchorCtr="0" anchor="ctr" bIns="45700" lIns="91425" spcFirstLastPara="1" rIns="91425" wrap="square" tIns="45700">
+          <a:bodyPr spcFirstLastPara="1" wrap="square" lIns="91425" tIns="45700" rIns="91425" bIns="45700" anchor="ctr" anchorCtr="0">
             <a:noAutofit/>
           </a:bodyPr>
           <a:lstStyle>
@@ -3534,15 +3643,19 @@
               <a:defRPr/>
             </a:lvl9pPr>
           </a:lstStyle>
-          <a:p/>
+          <a:p>
+            <a:endParaRPr/>
+          </a:p>
         </p:txBody>
       </p:sp>
       <p:sp>
         <p:nvSpPr>
           <p:cNvPr id="19" name="Google Shape;19;p3"/>
-          <p:cNvSpPr txBox="1"/>
+          <p:cNvSpPr txBox="1">
+            <a:spLocks noGrp="1"/>
+          </p:cNvSpPr>
           <p:nvPr>
-            <p:ph idx="11" type="ftr"/>
+            <p:ph type="ftr" idx="11"/>
           </p:nvPr>
         </p:nvSpPr>
         <p:spPr>
@@ -3559,7 +3672,7 @@
           </a:ln>
         </p:spPr>
         <p:txBody>
-          <a:bodyPr anchorCtr="0" anchor="ctr" bIns="45700" lIns="91425" spcFirstLastPara="1" rIns="91425" wrap="square" tIns="45700">
+          <a:bodyPr spcFirstLastPara="1" wrap="square" lIns="91425" tIns="45700" rIns="91425" bIns="45700" anchor="ctr" anchorCtr="0">
             <a:noAutofit/>
           </a:bodyPr>
           <a:lstStyle>
@@ -3663,15 +3776,19 @@
               <a:defRPr/>
             </a:lvl9pPr>
           </a:lstStyle>
-          <a:p/>
+          <a:p>
+            <a:endParaRPr/>
+          </a:p>
         </p:txBody>
       </p:sp>
       <p:sp>
         <p:nvSpPr>
           <p:cNvPr id="20" name="Google Shape;20;p3"/>
-          <p:cNvSpPr txBox="1"/>
+          <p:cNvSpPr txBox="1">
+            <a:spLocks noGrp="1"/>
+          </p:cNvSpPr>
           <p:nvPr>
-            <p:ph idx="12" type="sldNum"/>
+            <p:ph type="sldNum" idx="12"/>
           </p:nvPr>
         </p:nvSpPr>
         <p:spPr>
@@ -3688,67 +3805,67 @@
           </a:ln>
         </p:spPr>
         <p:txBody>
-          <a:bodyPr anchorCtr="0" anchor="ctr" bIns="45700" lIns="91425" spcFirstLastPara="1" rIns="91425" wrap="square" tIns="45700">
+          <a:bodyPr spcFirstLastPara="1" wrap="square" lIns="91425" tIns="45700" rIns="91425" bIns="45700" anchor="ctr" anchorCtr="0">
             <a:noAutofit/>
           </a:bodyPr>
           <a:lstStyle>
-            <a:lvl1pPr indent="0" lvl="0" marL="0" algn="r">
+            <a:lvl1pPr marL="0" lvl="0" indent="0" algn="r">
               <a:spcBef>
                 <a:spcPts val="0"/>
               </a:spcBef>
               <a:buNone/>
               <a:defRPr/>
             </a:lvl1pPr>
-            <a:lvl2pPr indent="0" lvl="1" marL="0" algn="r">
+            <a:lvl2pPr marL="0" lvl="1" indent="0" algn="r">
               <a:spcBef>
                 <a:spcPts val="0"/>
               </a:spcBef>
               <a:buNone/>
               <a:defRPr/>
             </a:lvl2pPr>
-            <a:lvl3pPr indent="0" lvl="2" marL="0" algn="r">
+            <a:lvl3pPr marL="0" lvl="2" indent="0" algn="r">
               <a:spcBef>
                 <a:spcPts val="0"/>
               </a:spcBef>
               <a:buNone/>
               <a:defRPr/>
             </a:lvl3pPr>
-            <a:lvl4pPr indent="0" lvl="3" marL="0" algn="r">
+            <a:lvl4pPr marL="0" lvl="3" indent="0" algn="r">
               <a:spcBef>
                 <a:spcPts val="0"/>
               </a:spcBef>
               <a:buNone/>
               <a:defRPr/>
             </a:lvl4pPr>
-            <a:lvl5pPr indent="0" lvl="4" marL="0" algn="r">
+            <a:lvl5pPr marL="0" lvl="4" indent="0" algn="r">
               <a:spcBef>
                 <a:spcPts val="0"/>
               </a:spcBef>
               <a:buNone/>
               <a:defRPr/>
             </a:lvl5pPr>
-            <a:lvl6pPr indent="0" lvl="5" marL="0" algn="r">
+            <a:lvl6pPr marL="0" lvl="5" indent="0" algn="r">
               <a:spcBef>
                 <a:spcPts val="0"/>
               </a:spcBef>
               <a:buNone/>
               <a:defRPr/>
             </a:lvl6pPr>
-            <a:lvl7pPr indent="0" lvl="6" marL="0" algn="r">
+            <a:lvl7pPr marL="0" lvl="6" indent="0" algn="r">
               <a:spcBef>
                 <a:spcPts val="0"/>
               </a:spcBef>
               <a:buNone/>
               <a:defRPr/>
             </a:lvl7pPr>
-            <a:lvl8pPr indent="0" lvl="7" marL="0" algn="r">
+            <a:lvl8pPr marL="0" lvl="7" indent="0" algn="r">
               <a:spcBef>
                 <a:spcPts val="0"/>
               </a:spcBef>
               <a:buNone/>
               <a:defRPr/>
             </a:lvl8pPr>
-            <a:lvl9pPr indent="0" lvl="8" marL="0" algn="r">
+            <a:lvl9pPr marL="0" lvl="8" indent="0" algn="r">
               <a:spcBef>
                 <a:spcPts val="0"/>
               </a:spcBef>
@@ -3757,7 +3874,7 @@
             </a:lvl9pPr>
           </a:lstStyle>
           <a:p>
-            <a:pPr indent="0" lvl="0" marL="0" rtl="0" algn="r">
+            <a:pPr marL="0" lvl="0" indent="0" algn="r" rtl="0">
               <a:spcBef>
                 <a:spcPts val="0"/>
               </a:spcBef>
@@ -3783,11 +3900,11 @@
 </file>
 
 <file path=ppt/slideLayouts/slideLayout3.xml><?xml version="1.0" encoding="utf-8"?>
-<p:sldLayout xmlns:a="http://schemas.openxmlformats.org/drawingml/2006/main" xmlns:r="http://schemas.openxmlformats.org/officeDocument/2006/relationships" xmlns:mc="http://schemas.openxmlformats.org/markup-compatibility/2006" xmlns:mv="urn:schemas-microsoft-com:mac:vml" xmlns:p="http://schemas.openxmlformats.org/presentationml/2006/main" xmlns:c="http://schemas.openxmlformats.org/drawingml/2006/chart" xmlns:dgm="http://schemas.openxmlformats.org/drawingml/2006/diagram" xmlns:o="urn:schemas-microsoft-com:office:office" xmlns:v="urn:schemas-microsoft-com:vml" xmlns:pvml="urn:schemas-microsoft-com:office:powerpoint" xmlns:com="http://schemas.openxmlformats.org/drawingml/2006/compatibility" xmlns:p14="http://schemas.microsoft.com/office/powerpoint/2010/main" xmlns:p15="http://schemas.microsoft.com/office/powerpoint/2012/main" xmlns:ahyp="http://schemas.microsoft.com/office/drawing/2018/hyperlinkcolor" matchingName="Title and Content" type="obj">
+<p:sldLayout xmlns:a="http://schemas.openxmlformats.org/drawingml/2006/main" xmlns:r="http://schemas.openxmlformats.org/officeDocument/2006/relationships" xmlns:p="http://schemas.openxmlformats.org/presentationml/2006/main" matchingName="Title and Content" type="obj">
   <p:cSld name="OBJECT">
     <p:spTree>
       <p:nvGrpSpPr>
-        <p:cNvPr id="21" name="Shape 21"/>
+        <p:cNvPr id="1" name="Shape 21"/>
         <p:cNvGrpSpPr/>
         <p:nvPr/>
       </p:nvGrpSpPr>
@@ -3802,7 +3919,9 @@
       <p:sp>
         <p:nvSpPr>
           <p:cNvPr id="22" name="Google Shape;22;p4"/>
-          <p:cNvSpPr txBox="1"/>
+          <p:cNvSpPr txBox="1">
+            <a:spLocks noGrp="1"/>
+          </p:cNvSpPr>
           <p:nvPr>
             <p:ph type="title"/>
           </p:nvPr>
@@ -3821,7 +3940,7 @@
           </a:ln>
         </p:spPr>
         <p:txBody>
-          <a:bodyPr anchorCtr="0" anchor="ctr" bIns="45700" lIns="91425" spcFirstLastPara="1" rIns="91425" wrap="square" tIns="45700">
+          <a:bodyPr spcFirstLastPara="1" wrap="square" lIns="91425" tIns="45700" rIns="91425" bIns="45700" anchor="ctr" anchorCtr="0">
             <a:noAutofit/>
           </a:bodyPr>
           <a:lstStyle>
@@ -3928,15 +4047,19 @@
               <a:defRPr/>
             </a:lvl9pPr>
           </a:lstStyle>
-          <a:p/>
+          <a:p>
+            <a:endParaRPr/>
+          </a:p>
         </p:txBody>
       </p:sp>
       <p:sp>
         <p:nvSpPr>
           <p:cNvPr id="23" name="Google Shape;23;p4"/>
-          <p:cNvSpPr txBox="1"/>
+          <p:cNvSpPr txBox="1">
+            <a:spLocks noGrp="1"/>
+          </p:cNvSpPr>
           <p:nvPr>
-            <p:ph idx="1" type="body"/>
+            <p:ph type="body" idx="1"/>
           </p:nvPr>
         </p:nvSpPr>
         <p:spPr>
@@ -3953,11 +4076,11 @@
           </a:ln>
         </p:spPr>
         <p:txBody>
-          <a:bodyPr anchorCtr="0" anchor="t" bIns="45700" lIns="91425" spcFirstLastPara="1" rIns="91425" wrap="square" tIns="45700">
+          <a:bodyPr spcFirstLastPara="1" wrap="square" lIns="91425" tIns="45700" rIns="91425" bIns="45700" anchor="t" anchorCtr="0">
             <a:noAutofit/>
           </a:bodyPr>
           <a:lstStyle>
-            <a:lvl1pPr indent="-342900" lvl="0" marL="457200" algn="l">
+            <a:lvl1pPr marL="457200" lvl="0" indent="-342900" algn="l">
               <a:spcBef>
                 <a:spcPts val="360"/>
               </a:spcBef>
@@ -3971,7 +4094,7 @@
               <a:buChar char="•"/>
               <a:defRPr/>
             </a:lvl1pPr>
-            <a:lvl2pPr indent="-342900" lvl="1" marL="914400" algn="l">
+            <a:lvl2pPr marL="914400" lvl="1" indent="-342900" algn="l">
               <a:spcBef>
                 <a:spcPts val="360"/>
               </a:spcBef>
@@ -3985,7 +4108,7 @@
               <a:buChar char="–"/>
               <a:defRPr/>
             </a:lvl2pPr>
-            <a:lvl3pPr indent="-342900" lvl="2" marL="1371600" algn="l">
+            <a:lvl3pPr marL="1371600" lvl="2" indent="-342900" algn="l">
               <a:spcBef>
                 <a:spcPts val="360"/>
               </a:spcBef>
@@ -3999,7 +4122,7 @@
               <a:buChar char="•"/>
               <a:defRPr/>
             </a:lvl3pPr>
-            <a:lvl4pPr indent="-342900" lvl="3" marL="1828800" algn="l">
+            <a:lvl4pPr marL="1828800" lvl="3" indent="-342900" algn="l">
               <a:spcBef>
                 <a:spcPts val="360"/>
               </a:spcBef>
@@ -4013,7 +4136,7 @@
               <a:buChar char="–"/>
               <a:defRPr/>
             </a:lvl4pPr>
-            <a:lvl5pPr indent="-342900" lvl="4" marL="2286000" algn="l">
+            <a:lvl5pPr marL="2286000" lvl="4" indent="-342900" algn="l">
               <a:spcBef>
                 <a:spcPts val="360"/>
               </a:spcBef>
@@ -4027,7 +4150,7 @@
               <a:buChar char="»"/>
               <a:defRPr/>
             </a:lvl5pPr>
-            <a:lvl6pPr indent="-342900" lvl="5" marL="2743200" algn="l">
+            <a:lvl6pPr marL="2743200" lvl="5" indent="-342900" algn="l">
               <a:spcBef>
                 <a:spcPts val="360"/>
               </a:spcBef>
@@ -4041,7 +4164,7 @@
               <a:buChar char="•"/>
               <a:defRPr/>
             </a:lvl6pPr>
-            <a:lvl7pPr indent="-342900" lvl="6" marL="3200400" algn="l">
+            <a:lvl7pPr marL="3200400" lvl="6" indent="-342900" algn="l">
               <a:spcBef>
                 <a:spcPts val="360"/>
               </a:spcBef>
@@ -4055,7 +4178,7 @@
               <a:buChar char="•"/>
               <a:defRPr/>
             </a:lvl7pPr>
-            <a:lvl8pPr indent="-342900" lvl="7" marL="3657600" algn="l">
+            <a:lvl8pPr marL="3657600" lvl="7" indent="-342900" algn="l">
               <a:spcBef>
                 <a:spcPts val="360"/>
               </a:spcBef>
@@ -4069,7 +4192,7 @@
               <a:buChar char="•"/>
               <a:defRPr/>
             </a:lvl8pPr>
-            <a:lvl9pPr indent="-342900" lvl="8" marL="4114800" algn="l">
+            <a:lvl9pPr marL="4114800" lvl="8" indent="-342900" algn="l">
               <a:spcBef>
                 <a:spcPts val="360"/>
               </a:spcBef>
@@ -4084,15 +4207,19 @@
               <a:defRPr/>
             </a:lvl9pPr>
           </a:lstStyle>
-          <a:p/>
+          <a:p>
+            <a:endParaRPr/>
+          </a:p>
         </p:txBody>
       </p:sp>
       <p:sp>
         <p:nvSpPr>
           <p:cNvPr id="24" name="Google Shape;24;p4"/>
-          <p:cNvSpPr txBox="1"/>
+          <p:cNvSpPr txBox="1">
+            <a:spLocks noGrp="1"/>
+          </p:cNvSpPr>
           <p:nvPr>
-            <p:ph idx="10" type="dt"/>
+            <p:ph type="dt" idx="10"/>
           </p:nvPr>
         </p:nvSpPr>
         <p:spPr>
@@ -4109,7 +4236,7 @@
           </a:ln>
         </p:spPr>
         <p:txBody>
-          <a:bodyPr anchorCtr="0" anchor="ctr" bIns="45700" lIns="91425" spcFirstLastPara="1" rIns="91425" wrap="square" tIns="45700">
+          <a:bodyPr spcFirstLastPara="1" wrap="square" lIns="91425" tIns="45700" rIns="91425" bIns="45700" anchor="ctr" anchorCtr="0">
             <a:noAutofit/>
           </a:bodyPr>
           <a:lstStyle>
@@ -4213,15 +4340,19 @@
               <a:defRPr/>
             </a:lvl9pPr>
           </a:lstStyle>
-          <a:p/>
+          <a:p>
+            <a:endParaRPr/>
+          </a:p>
         </p:txBody>
       </p:sp>
       <p:sp>
         <p:nvSpPr>
           <p:cNvPr id="25" name="Google Shape;25;p4"/>
-          <p:cNvSpPr txBox="1"/>
+          <p:cNvSpPr txBox="1">
+            <a:spLocks noGrp="1"/>
+          </p:cNvSpPr>
           <p:nvPr>
-            <p:ph idx="11" type="ftr"/>
+            <p:ph type="ftr" idx="11"/>
           </p:nvPr>
         </p:nvSpPr>
         <p:spPr>
@@ -4238,7 +4369,7 @@
           </a:ln>
         </p:spPr>
         <p:txBody>
-          <a:bodyPr anchorCtr="0" anchor="ctr" bIns="45700" lIns="91425" spcFirstLastPara="1" rIns="91425" wrap="square" tIns="45700">
+          <a:bodyPr spcFirstLastPara="1" wrap="square" lIns="91425" tIns="45700" rIns="91425" bIns="45700" anchor="ctr" anchorCtr="0">
             <a:noAutofit/>
           </a:bodyPr>
           <a:lstStyle>
@@ -4342,15 +4473,19 @@
               <a:defRPr/>
             </a:lvl9pPr>
           </a:lstStyle>
-          <a:p/>
+          <a:p>
+            <a:endParaRPr/>
+          </a:p>
         </p:txBody>
       </p:sp>
       <p:sp>
         <p:nvSpPr>
           <p:cNvPr id="26" name="Google Shape;26;p4"/>
-          <p:cNvSpPr txBox="1"/>
+          <p:cNvSpPr txBox="1">
+            <a:spLocks noGrp="1"/>
+          </p:cNvSpPr>
           <p:nvPr>
-            <p:ph idx="12" type="sldNum"/>
+            <p:ph type="sldNum" idx="12"/>
           </p:nvPr>
         </p:nvSpPr>
         <p:spPr>
@@ -4367,67 +4502,67 @@
           </a:ln>
         </p:spPr>
         <p:txBody>
-          <a:bodyPr anchorCtr="0" anchor="ctr" bIns="45700" lIns="91425" spcFirstLastPara="1" rIns="91425" wrap="square" tIns="45700">
+          <a:bodyPr spcFirstLastPara="1" wrap="square" lIns="91425" tIns="45700" rIns="91425" bIns="45700" anchor="ctr" anchorCtr="0">
             <a:noAutofit/>
           </a:bodyPr>
           <a:lstStyle>
-            <a:lvl1pPr indent="0" lvl="0" marL="0" algn="r">
+            <a:lvl1pPr marL="0" lvl="0" indent="0" algn="r">
               <a:spcBef>
                 <a:spcPts val="0"/>
               </a:spcBef>
               <a:buNone/>
               <a:defRPr/>
             </a:lvl1pPr>
-            <a:lvl2pPr indent="0" lvl="1" marL="0" algn="r">
+            <a:lvl2pPr marL="0" lvl="1" indent="0" algn="r">
               <a:spcBef>
                 <a:spcPts val="0"/>
               </a:spcBef>
               <a:buNone/>
               <a:defRPr/>
             </a:lvl2pPr>
-            <a:lvl3pPr indent="0" lvl="2" marL="0" algn="r">
+            <a:lvl3pPr marL="0" lvl="2" indent="0" algn="r">
               <a:spcBef>
                 <a:spcPts val="0"/>
               </a:spcBef>
               <a:buNone/>
               <a:defRPr/>
             </a:lvl3pPr>
-            <a:lvl4pPr indent="0" lvl="3" marL="0" algn="r">
+            <a:lvl4pPr marL="0" lvl="3" indent="0" algn="r">
               <a:spcBef>
                 <a:spcPts val="0"/>
               </a:spcBef>
               <a:buNone/>
               <a:defRPr/>
             </a:lvl4pPr>
-            <a:lvl5pPr indent="0" lvl="4" marL="0" algn="r">
+            <a:lvl5pPr marL="0" lvl="4" indent="0" algn="r">
               <a:spcBef>
                 <a:spcPts val="0"/>
               </a:spcBef>
               <a:buNone/>
               <a:defRPr/>
             </a:lvl5pPr>
-            <a:lvl6pPr indent="0" lvl="5" marL="0" algn="r">
+            <a:lvl6pPr marL="0" lvl="5" indent="0" algn="r">
               <a:spcBef>
                 <a:spcPts val="0"/>
               </a:spcBef>
               <a:buNone/>
               <a:defRPr/>
             </a:lvl6pPr>
-            <a:lvl7pPr indent="0" lvl="6" marL="0" algn="r">
+            <a:lvl7pPr marL="0" lvl="6" indent="0" algn="r">
               <a:spcBef>
                 <a:spcPts val="0"/>
               </a:spcBef>
               <a:buNone/>
               <a:defRPr/>
             </a:lvl7pPr>
-            <a:lvl8pPr indent="0" lvl="7" marL="0" algn="r">
+            <a:lvl8pPr marL="0" lvl="7" indent="0" algn="r">
               <a:spcBef>
                 <a:spcPts val="0"/>
               </a:spcBef>
               <a:buNone/>
               <a:defRPr/>
             </a:lvl8pPr>
-            <a:lvl9pPr indent="0" lvl="8" marL="0" algn="r">
+            <a:lvl9pPr marL="0" lvl="8" indent="0" algn="r">
               <a:spcBef>
                 <a:spcPts val="0"/>
               </a:spcBef>
@@ -4436,7 +4571,7 @@
             </a:lvl9pPr>
           </a:lstStyle>
           <a:p>
-            <a:pPr indent="0" lvl="0" marL="0" rtl="0" algn="r">
+            <a:pPr marL="0" lvl="0" indent="0" algn="r" rtl="0">
               <a:spcBef>
                 <a:spcPts val="0"/>
               </a:spcBef>
@@ -4462,11 +4597,11 @@
 </file>
 
 <file path=ppt/slideLayouts/slideLayout4.xml><?xml version="1.0" encoding="utf-8"?>
-<p:sldLayout xmlns:a="http://schemas.openxmlformats.org/drawingml/2006/main" xmlns:r="http://schemas.openxmlformats.org/officeDocument/2006/relationships" xmlns:mc="http://schemas.openxmlformats.org/markup-compatibility/2006" xmlns:mv="urn:schemas-microsoft-com:mac:vml" xmlns:p="http://schemas.openxmlformats.org/presentationml/2006/main" xmlns:c="http://schemas.openxmlformats.org/drawingml/2006/chart" xmlns:dgm="http://schemas.openxmlformats.org/drawingml/2006/diagram" xmlns:o="urn:schemas-microsoft-com:office:office" xmlns:v="urn:schemas-microsoft-com:vml" xmlns:pvml="urn:schemas-microsoft-com:office:powerpoint" xmlns:com="http://schemas.openxmlformats.org/drawingml/2006/compatibility" xmlns:p14="http://schemas.microsoft.com/office/powerpoint/2010/main" xmlns:p15="http://schemas.microsoft.com/office/powerpoint/2012/main" xmlns:ahyp="http://schemas.microsoft.com/office/drawing/2018/hyperlinkcolor" matchingName="Section Header" type="secHead">
+<p:sldLayout xmlns:a="http://schemas.openxmlformats.org/drawingml/2006/main" xmlns:r="http://schemas.openxmlformats.org/officeDocument/2006/relationships" xmlns:p="http://schemas.openxmlformats.org/presentationml/2006/main" matchingName="Section Header" type="secHead">
   <p:cSld name="SECTION_HEADER">
     <p:spTree>
       <p:nvGrpSpPr>
-        <p:cNvPr id="27" name="Shape 27"/>
+        <p:cNvPr id="1" name="Shape 27"/>
         <p:cNvGrpSpPr/>
         <p:nvPr/>
       </p:nvGrpSpPr>
@@ -4481,7 +4616,9 @@
       <p:sp>
         <p:nvSpPr>
           <p:cNvPr id="28" name="Google Shape;28;p5"/>
-          <p:cNvSpPr txBox="1"/>
+          <p:cNvSpPr txBox="1">
+            <a:spLocks noGrp="1"/>
+          </p:cNvSpPr>
           <p:nvPr>
             <p:ph type="title"/>
           </p:nvPr>
@@ -4500,7 +4637,7 @@
           </a:ln>
         </p:spPr>
         <p:txBody>
-          <a:bodyPr anchorCtr="0" anchor="t" bIns="45700" lIns="91425" spcFirstLastPara="1" rIns="91425" wrap="square" tIns="45700">
+          <a:bodyPr spcFirstLastPara="1" wrap="square" lIns="91425" tIns="45700" rIns="91425" bIns="45700" anchor="t" anchorCtr="0">
             <a:noAutofit/>
           </a:bodyPr>
           <a:lstStyle>
@@ -4517,7 +4654,7 @@
               <a:buSzPts val="4000"/>
               <a:buFont typeface="Calibri"/>
               <a:buNone/>
-              <a:defRPr b="1" sz="4000" cap="none"/>
+              <a:defRPr sz="4000" b="1" cap="none"/>
             </a:lvl1pPr>
             <a:lvl2pPr lvl="1">
               <a:spcBef>
@@ -4608,15 +4745,19 @@
               <a:defRPr/>
             </a:lvl9pPr>
           </a:lstStyle>
-          <a:p/>
+          <a:p>
+            <a:endParaRPr/>
+          </a:p>
         </p:txBody>
       </p:sp>
       <p:sp>
         <p:nvSpPr>
           <p:cNvPr id="29" name="Google Shape;29;p5"/>
-          <p:cNvSpPr txBox="1"/>
+          <p:cNvSpPr txBox="1">
+            <a:spLocks noGrp="1"/>
+          </p:cNvSpPr>
           <p:nvPr>
-            <p:ph idx="1" type="body"/>
+            <p:ph type="body" idx="1"/>
           </p:nvPr>
         </p:nvSpPr>
         <p:spPr>
@@ -4633,11 +4774,11 @@
           </a:ln>
         </p:spPr>
         <p:txBody>
-          <a:bodyPr anchorCtr="0" anchor="b" bIns="45700" lIns="91425" spcFirstLastPara="1" rIns="91425" wrap="square" tIns="45700">
+          <a:bodyPr spcFirstLastPara="1" wrap="square" lIns="91425" tIns="45700" rIns="91425" bIns="45700" anchor="b" anchorCtr="0">
             <a:noAutofit/>
           </a:bodyPr>
           <a:lstStyle>
-            <a:lvl1pPr indent="-228600" lvl="0" marL="457200" algn="l">
+            <a:lvl1pPr marL="457200" lvl="0" indent="-228600" algn="l">
               <a:spcBef>
                 <a:spcPts val="400"/>
               </a:spcBef>
@@ -4655,7 +4796,7 @@
                 </a:solidFill>
               </a:defRPr>
             </a:lvl1pPr>
-            <a:lvl2pPr indent="-228600" lvl="1" marL="914400" algn="l">
+            <a:lvl2pPr marL="914400" lvl="1" indent="-228600" algn="l">
               <a:spcBef>
                 <a:spcPts val="360"/>
               </a:spcBef>
@@ -4673,7 +4814,7 @@
                 </a:solidFill>
               </a:defRPr>
             </a:lvl2pPr>
-            <a:lvl3pPr indent="-228600" lvl="2" marL="1371600" algn="l">
+            <a:lvl3pPr marL="1371600" lvl="2" indent="-228600" algn="l">
               <a:spcBef>
                 <a:spcPts val="320"/>
               </a:spcBef>
@@ -4691,7 +4832,7 @@
                 </a:solidFill>
               </a:defRPr>
             </a:lvl3pPr>
-            <a:lvl4pPr indent="-228600" lvl="3" marL="1828800" algn="l">
+            <a:lvl4pPr marL="1828800" lvl="3" indent="-228600" algn="l">
               <a:spcBef>
                 <a:spcPts val="280"/>
               </a:spcBef>
@@ -4709,7 +4850,7 @@
                 </a:solidFill>
               </a:defRPr>
             </a:lvl4pPr>
-            <a:lvl5pPr indent="-228600" lvl="4" marL="2286000" algn="l">
+            <a:lvl5pPr marL="2286000" lvl="4" indent="-228600" algn="l">
               <a:spcBef>
                 <a:spcPts val="280"/>
               </a:spcBef>
@@ -4727,7 +4868,7 @@
                 </a:solidFill>
               </a:defRPr>
             </a:lvl5pPr>
-            <a:lvl6pPr indent="-228600" lvl="5" marL="2743200" algn="l">
+            <a:lvl6pPr marL="2743200" lvl="5" indent="-228600" algn="l">
               <a:spcBef>
                 <a:spcPts val="280"/>
               </a:spcBef>
@@ -4745,7 +4886,7 @@
                 </a:solidFill>
               </a:defRPr>
             </a:lvl6pPr>
-            <a:lvl7pPr indent="-228600" lvl="6" marL="3200400" algn="l">
+            <a:lvl7pPr marL="3200400" lvl="6" indent="-228600" algn="l">
               <a:spcBef>
                 <a:spcPts val="280"/>
               </a:spcBef>
@@ -4763,7 +4904,7 @@
                 </a:solidFill>
               </a:defRPr>
             </a:lvl7pPr>
-            <a:lvl8pPr indent="-228600" lvl="7" marL="3657600" algn="l">
+            <a:lvl8pPr marL="3657600" lvl="7" indent="-228600" algn="l">
               <a:spcBef>
                 <a:spcPts val="280"/>
               </a:spcBef>
@@ -4781,7 +4922,7 @@
                 </a:solidFill>
               </a:defRPr>
             </a:lvl8pPr>
-            <a:lvl9pPr indent="-228600" lvl="8" marL="4114800" algn="l">
+            <a:lvl9pPr marL="4114800" lvl="8" indent="-228600" algn="l">
               <a:spcBef>
                 <a:spcPts val="280"/>
               </a:spcBef>
@@ -4800,15 +4941,19 @@
               </a:defRPr>
             </a:lvl9pPr>
           </a:lstStyle>
-          <a:p/>
+          <a:p>
+            <a:endParaRPr/>
+          </a:p>
         </p:txBody>
       </p:sp>
       <p:sp>
         <p:nvSpPr>
           <p:cNvPr id="30" name="Google Shape;30;p5"/>
-          <p:cNvSpPr txBox="1"/>
+          <p:cNvSpPr txBox="1">
+            <a:spLocks noGrp="1"/>
+          </p:cNvSpPr>
           <p:nvPr>
-            <p:ph idx="10" type="dt"/>
+            <p:ph type="dt" idx="10"/>
           </p:nvPr>
         </p:nvSpPr>
         <p:spPr>
@@ -4825,7 +4970,7 @@
           </a:ln>
         </p:spPr>
         <p:txBody>
-          <a:bodyPr anchorCtr="0" anchor="ctr" bIns="45700" lIns="91425" spcFirstLastPara="1" rIns="91425" wrap="square" tIns="45700">
+          <a:bodyPr spcFirstLastPara="1" wrap="square" lIns="91425" tIns="45700" rIns="91425" bIns="45700" anchor="ctr" anchorCtr="0">
             <a:noAutofit/>
           </a:bodyPr>
           <a:lstStyle>
@@ -4929,15 +5074,19 @@
               <a:defRPr/>
             </a:lvl9pPr>
           </a:lstStyle>
-          <a:p/>
+          <a:p>
+            <a:endParaRPr/>
+          </a:p>
         </p:txBody>
       </p:sp>
       <p:sp>
         <p:nvSpPr>
           <p:cNvPr id="31" name="Google Shape;31;p5"/>
-          <p:cNvSpPr txBox="1"/>
+          <p:cNvSpPr txBox="1">
+            <a:spLocks noGrp="1"/>
+          </p:cNvSpPr>
           <p:nvPr>
-            <p:ph idx="11" type="ftr"/>
+            <p:ph type="ftr" idx="11"/>
           </p:nvPr>
         </p:nvSpPr>
         <p:spPr>
@@ -4954,7 +5103,7 @@
           </a:ln>
         </p:spPr>
         <p:txBody>
-          <a:bodyPr anchorCtr="0" anchor="ctr" bIns="45700" lIns="91425" spcFirstLastPara="1" rIns="91425" wrap="square" tIns="45700">
+          <a:bodyPr spcFirstLastPara="1" wrap="square" lIns="91425" tIns="45700" rIns="91425" bIns="45700" anchor="ctr" anchorCtr="0">
             <a:noAutofit/>
           </a:bodyPr>
           <a:lstStyle>
@@ -5058,15 +5207,19 @@
               <a:defRPr/>
             </a:lvl9pPr>
           </a:lstStyle>
-          <a:p/>
+          <a:p>
+            <a:endParaRPr/>
+          </a:p>
         </p:txBody>
       </p:sp>
       <p:sp>
         <p:nvSpPr>
           <p:cNvPr id="32" name="Google Shape;32;p5"/>
-          <p:cNvSpPr txBox="1"/>
+          <p:cNvSpPr txBox="1">
+            <a:spLocks noGrp="1"/>
+          </p:cNvSpPr>
           <p:nvPr>
-            <p:ph idx="12" type="sldNum"/>
+            <p:ph type="sldNum" idx="12"/>
           </p:nvPr>
         </p:nvSpPr>
         <p:spPr>
@@ -5083,67 +5236,67 @@
           </a:ln>
         </p:spPr>
         <p:txBody>
-          <a:bodyPr anchorCtr="0" anchor="ctr" bIns="45700" lIns="91425" spcFirstLastPara="1" rIns="91425" wrap="square" tIns="45700">
+          <a:bodyPr spcFirstLastPara="1" wrap="square" lIns="91425" tIns="45700" rIns="91425" bIns="45700" anchor="ctr" anchorCtr="0">
             <a:noAutofit/>
           </a:bodyPr>
           <a:lstStyle>
-            <a:lvl1pPr indent="0" lvl="0" marL="0" algn="r">
+            <a:lvl1pPr marL="0" lvl="0" indent="0" algn="r">
               <a:spcBef>
                 <a:spcPts val="0"/>
               </a:spcBef>
               <a:buNone/>
               <a:defRPr/>
             </a:lvl1pPr>
-            <a:lvl2pPr indent="0" lvl="1" marL="0" algn="r">
+            <a:lvl2pPr marL="0" lvl="1" indent="0" algn="r">
               <a:spcBef>
                 <a:spcPts val="0"/>
               </a:spcBef>
               <a:buNone/>
               <a:defRPr/>
             </a:lvl2pPr>
-            <a:lvl3pPr indent="0" lvl="2" marL="0" algn="r">
+            <a:lvl3pPr marL="0" lvl="2" indent="0" algn="r">
               <a:spcBef>
                 <a:spcPts val="0"/>
               </a:spcBef>
               <a:buNone/>
               <a:defRPr/>
             </a:lvl3pPr>
-            <a:lvl4pPr indent="0" lvl="3" marL="0" algn="r">
+            <a:lvl4pPr marL="0" lvl="3" indent="0" algn="r">
               <a:spcBef>
                 <a:spcPts val="0"/>
               </a:spcBef>
               <a:buNone/>
               <a:defRPr/>
             </a:lvl4pPr>
-            <a:lvl5pPr indent="0" lvl="4" marL="0" algn="r">
+            <a:lvl5pPr marL="0" lvl="4" indent="0" algn="r">
               <a:spcBef>
                 <a:spcPts val="0"/>
               </a:spcBef>
               <a:buNone/>
               <a:defRPr/>
             </a:lvl5pPr>
-            <a:lvl6pPr indent="0" lvl="5" marL="0" algn="r">
+            <a:lvl6pPr marL="0" lvl="5" indent="0" algn="r">
               <a:spcBef>
                 <a:spcPts val="0"/>
               </a:spcBef>
               <a:buNone/>
               <a:defRPr/>
             </a:lvl6pPr>
-            <a:lvl7pPr indent="0" lvl="6" marL="0" algn="r">
+            <a:lvl7pPr marL="0" lvl="6" indent="0" algn="r">
               <a:spcBef>
                 <a:spcPts val="0"/>
               </a:spcBef>
               <a:buNone/>
               <a:defRPr/>
             </a:lvl7pPr>
-            <a:lvl8pPr indent="0" lvl="7" marL="0" algn="r">
+            <a:lvl8pPr marL="0" lvl="7" indent="0" algn="r">
               <a:spcBef>
                 <a:spcPts val="0"/>
               </a:spcBef>
               <a:buNone/>
               <a:defRPr/>
             </a:lvl8pPr>
-            <a:lvl9pPr indent="0" lvl="8" marL="0" algn="r">
+            <a:lvl9pPr marL="0" lvl="8" indent="0" algn="r">
               <a:spcBef>
                 <a:spcPts val="0"/>
               </a:spcBef>
@@ -5152,7 +5305,7 @@
             </a:lvl9pPr>
           </a:lstStyle>
           <a:p>
-            <a:pPr indent="0" lvl="0" marL="0" rtl="0" algn="r">
+            <a:pPr marL="0" lvl="0" indent="0" algn="r" rtl="0">
               <a:spcBef>
                 <a:spcPts val="0"/>
               </a:spcBef>
@@ -5178,11 +5331,11 @@
 </file>
 
 <file path=ppt/slideLayouts/slideLayout5.xml><?xml version="1.0" encoding="utf-8"?>
-<p:sldLayout xmlns:a="http://schemas.openxmlformats.org/drawingml/2006/main" xmlns:r="http://schemas.openxmlformats.org/officeDocument/2006/relationships" xmlns:mc="http://schemas.openxmlformats.org/markup-compatibility/2006" xmlns:mv="urn:schemas-microsoft-com:mac:vml" xmlns:p="http://schemas.openxmlformats.org/presentationml/2006/main" xmlns:c="http://schemas.openxmlformats.org/drawingml/2006/chart" xmlns:dgm="http://schemas.openxmlformats.org/drawingml/2006/diagram" xmlns:o="urn:schemas-microsoft-com:office:office" xmlns:v="urn:schemas-microsoft-com:vml" xmlns:pvml="urn:schemas-microsoft-com:office:powerpoint" xmlns:com="http://schemas.openxmlformats.org/drawingml/2006/compatibility" xmlns:p14="http://schemas.microsoft.com/office/powerpoint/2010/main" xmlns:p15="http://schemas.microsoft.com/office/powerpoint/2012/main" xmlns:ahyp="http://schemas.microsoft.com/office/drawing/2018/hyperlinkcolor" matchingName="Two Content" type="twoObj">
+<p:sldLayout xmlns:a="http://schemas.openxmlformats.org/drawingml/2006/main" xmlns:r="http://schemas.openxmlformats.org/officeDocument/2006/relationships" xmlns:p="http://schemas.openxmlformats.org/presentationml/2006/main" matchingName="Two Content" type="twoObj">
   <p:cSld name="TWO_OBJECTS">
     <p:spTree>
       <p:nvGrpSpPr>
-        <p:cNvPr id="33" name="Shape 33"/>
+        <p:cNvPr id="1" name="Shape 33"/>
         <p:cNvGrpSpPr/>
         <p:nvPr/>
       </p:nvGrpSpPr>
@@ -5197,7 +5350,9 @@
       <p:sp>
         <p:nvSpPr>
           <p:cNvPr id="34" name="Google Shape;34;p6"/>
-          <p:cNvSpPr txBox="1"/>
+          <p:cNvSpPr txBox="1">
+            <a:spLocks noGrp="1"/>
+          </p:cNvSpPr>
           <p:nvPr>
             <p:ph type="title"/>
           </p:nvPr>
@@ -5216,7 +5371,7 @@
           </a:ln>
         </p:spPr>
         <p:txBody>
-          <a:bodyPr anchorCtr="0" anchor="ctr" bIns="45700" lIns="91425" spcFirstLastPara="1" rIns="91425" wrap="square" tIns="45700">
+          <a:bodyPr spcFirstLastPara="1" wrap="square" lIns="91425" tIns="45700" rIns="91425" bIns="45700" anchor="ctr" anchorCtr="0">
             <a:noAutofit/>
           </a:bodyPr>
           <a:lstStyle>
@@ -5323,15 +5478,19 @@
               <a:defRPr/>
             </a:lvl9pPr>
           </a:lstStyle>
-          <a:p/>
+          <a:p>
+            <a:endParaRPr/>
+          </a:p>
         </p:txBody>
       </p:sp>
       <p:sp>
         <p:nvSpPr>
           <p:cNvPr id="35" name="Google Shape;35;p6"/>
-          <p:cNvSpPr txBox="1"/>
+          <p:cNvSpPr txBox="1">
+            <a:spLocks noGrp="1"/>
+          </p:cNvSpPr>
           <p:nvPr>
-            <p:ph idx="1" type="body"/>
+            <p:ph type="body" idx="1"/>
           </p:nvPr>
         </p:nvSpPr>
         <p:spPr>
@@ -5348,11 +5507,11 @@
           </a:ln>
         </p:spPr>
         <p:txBody>
-          <a:bodyPr anchorCtr="0" anchor="t" bIns="45700" lIns="91425" spcFirstLastPara="1" rIns="91425" wrap="square" tIns="45700">
+          <a:bodyPr spcFirstLastPara="1" wrap="square" lIns="91425" tIns="45700" rIns="91425" bIns="45700" anchor="t" anchorCtr="0">
             <a:noAutofit/>
           </a:bodyPr>
           <a:lstStyle>
-            <a:lvl1pPr indent="-406400" lvl="0" marL="457200" algn="l">
+            <a:lvl1pPr marL="457200" lvl="0" indent="-406400" algn="l">
               <a:spcBef>
                 <a:spcPts val="560"/>
               </a:spcBef>
@@ -5366,7 +5525,7 @@
               <a:buChar char="•"/>
               <a:defRPr sz="2800"/>
             </a:lvl1pPr>
-            <a:lvl2pPr indent="-381000" lvl="1" marL="914400" algn="l">
+            <a:lvl2pPr marL="914400" lvl="1" indent="-381000" algn="l">
               <a:spcBef>
                 <a:spcPts val="480"/>
               </a:spcBef>
@@ -5380,7 +5539,7 @@
               <a:buChar char="–"/>
               <a:defRPr sz="2400"/>
             </a:lvl2pPr>
-            <a:lvl3pPr indent="-355600" lvl="2" marL="1371600" algn="l">
+            <a:lvl3pPr marL="1371600" lvl="2" indent="-355600" algn="l">
               <a:spcBef>
                 <a:spcPts val="400"/>
               </a:spcBef>
@@ -5394,7 +5553,7 @@
               <a:buChar char="•"/>
               <a:defRPr sz="2000"/>
             </a:lvl3pPr>
-            <a:lvl4pPr indent="-342900" lvl="3" marL="1828800" algn="l">
+            <a:lvl4pPr marL="1828800" lvl="3" indent="-342900" algn="l">
               <a:spcBef>
                 <a:spcPts val="360"/>
               </a:spcBef>
@@ -5408,7 +5567,7 @@
               <a:buChar char="–"/>
               <a:defRPr sz="1800"/>
             </a:lvl4pPr>
-            <a:lvl5pPr indent="-342900" lvl="4" marL="2286000" algn="l">
+            <a:lvl5pPr marL="2286000" lvl="4" indent="-342900" algn="l">
               <a:spcBef>
                 <a:spcPts val="360"/>
               </a:spcBef>
@@ -5422,7 +5581,7 @@
               <a:buChar char="»"/>
               <a:defRPr sz="1800"/>
             </a:lvl5pPr>
-            <a:lvl6pPr indent="-342900" lvl="5" marL="2743200" algn="l">
+            <a:lvl6pPr marL="2743200" lvl="5" indent="-342900" algn="l">
               <a:spcBef>
                 <a:spcPts val="360"/>
               </a:spcBef>
@@ -5436,7 +5595,7 @@
               <a:buChar char="•"/>
               <a:defRPr sz="1800"/>
             </a:lvl6pPr>
-            <a:lvl7pPr indent="-342900" lvl="6" marL="3200400" algn="l">
+            <a:lvl7pPr marL="3200400" lvl="6" indent="-342900" algn="l">
               <a:spcBef>
                 <a:spcPts val="360"/>
               </a:spcBef>
@@ -5450,7 +5609,7 @@
               <a:buChar char="•"/>
               <a:defRPr sz="1800"/>
             </a:lvl7pPr>
-            <a:lvl8pPr indent="-342900" lvl="7" marL="3657600" algn="l">
+            <a:lvl8pPr marL="3657600" lvl="7" indent="-342900" algn="l">
               <a:spcBef>
                 <a:spcPts val="360"/>
               </a:spcBef>
@@ -5464,7 +5623,7 @@
               <a:buChar char="•"/>
               <a:defRPr sz="1800"/>
             </a:lvl8pPr>
-            <a:lvl9pPr indent="-342900" lvl="8" marL="4114800" algn="l">
+            <a:lvl9pPr marL="4114800" lvl="8" indent="-342900" algn="l">
               <a:spcBef>
                 <a:spcPts val="360"/>
               </a:spcBef>
@@ -5479,15 +5638,19 @@
               <a:defRPr sz="1800"/>
             </a:lvl9pPr>
           </a:lstStyle>
-          <a:p/>
+          <a:p>
+            <a:endParaRPr/>
+          </a:p>
         </p:txBody>
       </p:sp>
       <p:sp>
         <p:nvSpPr>
           <p:cNvPr id="36" name="Google Shape;36;p6"/>
-          <p:cNvSpPr txBox="1"/>
+          <p:cNvSpPr txBox="1">
+            <a:spLocks noGrp="1"/>
+          </p:cNvSpPr>
           <p:nvPr>
-            <p:ph idx="2" type="body"/>
+            <p:ph type="body" idx="2"/>
           </p:nvPr>
         </p:nvSpPr>
         <p:spPr>
@@ -5504,11 +5667,11 @@
           </a:ln>
         </p:spPr>
         <p:txBody>
-          <a:bodyPr anchorCtr="0" anchor="t" bIns="45700" lIns="91425" spcFirstLastPara="1" rIns="91425" wrap="square" tIns="45700">
+          <a:bodyPr spcFirstLastPara="1" wrap="square" lIns="91425" tIns="45700" rIns="91425" bIns="45700" anchor="t" anchorCtr="0">
             <a:noAutofit/>
           </a:bodyPr>
           <a:lstStyle>
-            <a:lvl1pPr indent="-406400" lvl="0" marL="457200" algn="l">
+            <a:lvl1pPr marL="457200" lvl="0" indent="-406400" algn="l">
               <a:spcBef>
                 <a:spcPts val="560"/>
               </a:spcBef>
@@ -5522,7 +5685,7 @@
               <a:buChar char="•"/>
               <a:defRPr sz="2800"/>
             </a:lvl1pPr>
-            <a:lvl2pPr indent="-381000" lvl="1" marL="914400" algn="l">
+            <a:lvl2pPr marL="914400" lvl="1" indent="-381000" algn="l">
               <a:spcBef>
                 <a:spcPts val="480"/>
               </a:spcBef>
@@ -5536,7 +5699,7 @@
               <a:buChar char="–"/>
               <a:defRPr sz="2400"/>
             </a:lvl2pPr>
-            <a:lvl3pPr indent="-355600" lvl="2" marL="1371600" algn="l">
+            <a:lvl3pPr marL="1371600" lvl="2" indent="-355600" algn="l">
               <a:spcBef>
                 <a:spcPts val="400"/>
               </a:spcBef>
@@ -5550,7 +5713,7 @@
               <a:buChar char="•"/>
               <a:defRPr sz="2000"/>
             </a:lvl3pPr>
-            <a:lvl4pPr indent="-342900" lvl="3" marL="1828800" algn="l">
+            <a:lvl4pPr marL="1828800" lvl="3" indent="-342900" algn="l">
               <a:spcBef>
                 <a:spcPts val="360"/>
               </a:spcBef>
@@ -5564,7 +5727,7 @@
               <a:buChar char="–"/>
               <a:defRPr sz="1800"/>
             </a:lvl4pPr>
-            <a:lvl5pPr indent="-342900" lvl="4" marL="2286000" algn="l">
+            <a:lvl5pPr marL="2286000" lvl="4" indent="-342900" algn="l">
               <a:spcBef>
                 <a:spcPts val="360"/>
               </a:spcBef>
@@ -5578,7 +5741,7 @@
               <a:buChar char="»"/>
               <a:defRPr sz="1800"/>
             </a:lvl5pPr>
-            <a:lvl6pPr indent="-342900" lvl="5" marL="2743200" algn="l">
+            <a:lvl6pPr marL="2743200" lvl="5" indent="-342900" algn="l">
               <a:spcBef>
                 <a:spcPts val="360"/>
               </a:spcBef>
@@ -5592,7 +5755,7 @@
               <a:buChar char="•"/>
               <a:defRPr sz="1800"/>
             </a:lvl6pPr>
-            <a:lvl7pPr indent="-342900" lvl="6" marL="3200400" algn="l">
+            <a:lvl7pPr marL="3200400" lvl="6" indent="-342900" algn="l">
               <a:spcBef>
                 <a:spcPts val="360"/>
               </a:spcBef>
@@ -5606,7 +5769,7 @@
               <a:buChar char="•"/>
               <a:defRPr sz="1800"/>
             </a:lvl7pPr>
-            <a:lvl8pPr indent="-342900" lvl="7" marL="3657600" algn="l">
+            <a:lvl8pPr marL="3657600" lvl="7" indent="-342900" algn="l">
               <a:spcBef>
                 <a:spcPts val="360"/>
               </a:spcBef>
@@ -5620,7 +5783,7 @@
               <a:buChar char="•"/>
               <a:defRPr sz="1800"/>
             </a:lvl8pPr>
-            <a:lvl9pPr indent="-342900" lvl="8" marL="4114800" algn="l">
+            <a:lvl9pPr marL="4114800" lvl="8" indent="-342900" algn="l">
               <a:spcBef>
                 <a:spcPts val="360"/>
               </a:spcBef>
@@ -5635,15 +5798,19 @@
               <a:defRPr sz="1800"/>
             </a:lvl9pPr>
           </a:lstStyle>
-          <a:p/>
+          <a:p>
+            <a:endParaRPr/>
+          </a:p>
         </p:txBody>
       </p:sp>
       <p:sp>
         <p:nvSpPr>
           <p:cNvPr id="37" name="Google Shape;37;p6"/>
-          <p:cNvSpPr txBox="1"/>
+          <p:cNvSpPr txBox="1">
+            <a:spLocks noGrp="1"/>
+          </p:cNvSpPr>
           <p:nvPr>
-            <p:ph idx="10" type="dt"/>
+            <p:ph type="dt" idx="10"/>
           </p:nvPr>
         </p:nvSpPr>
         <p:spPr>
@@ -5660,7 +5827,7 @@
           </a:ln>
         </p:spPr>
         <p:txBody>
-          <a:bodyPr anchorCtr="0" anchor="ctr" bIns="45700" lIns="91425" spcFirstLastPara="1" rIns="91425" wrap="square" tIns="45700">
+          <a:bodyPr spcFirstLastPara="1" wrap="square" lIns="91425" tIns="45700" rIns="91425" bIns="45700" anchor="ctr" anchorCtr="0">
             <a:noAutofit/>
           </a:bodyPr>
           <a:lstStyle>
@@ -5764,15 +5931,19 @@
               <a:defRPr/>
             </a:lvl9pPr>
           </a:lstStyle>
-          <a:p/>
+          <a:p>
+            <a:endParaRPr/>
+          </a:p>
         </p:txBody>
       </p:sp>
       <p:sp>
         <p:nvSpPr>
           <p:cNvPr id="38" name="Google Shape;38;p6"/>
-          <p:cNvSpPr txBox="1"/>
+          <p:cNvSpPr txBox="1">
+            <a:spLocks noGrp="1"/>
+          </p:cNvSpPr>
           <p:nvPr>
-            <p:ph idx="11" type="ftr"/>
+            <p:ph type="ftr" idx="11"/>
           </p:nvPr>
         </p:nvSpPr>
         <p:spPr>
@@ -5789,7 +5960,7 @@
           </a:ln>
         </p:spPr>
         <p:txBody>
-          <a:bodyPr anchorCtr="0" anchor="ctr" bIns="45700" lIns="91425" spcFirstLastPara="1" rIns="91425" wrap="square" tIns="45700">
+          <a:bodyPr spcFirstLastPara="1" wrap="square" lIns="91425" tIns="45700" rIns="91425" bIns="45700" anchor="ctr" anchorCtr="0">
             <a:noAutofit/>
           </a:bodyPr>
           <a:lstStyle>
@@ -5893,15 +6064,19 @@
               <a:defRPr/>
             </a:lvl9pPr>
           </a:lstStyle>
-          <a:p/>
+          <a:p>
+            <a:endParaRPr/>
+          </a:p>
         </p:txBody>
       </p:sp>
       <p:sp>
         <p:nvSpPr>
           <p:cNvPr id="39" name="Google Shape;39;p6"/>
-          <p:cNvSpPr txBox="1"/>
+          <p:cNvSpPr txBox="1">
+            <a:spLocks noGrp="1"/>
+          </p:cNvSpPr>
           <p:nvPr>
-            <p:ph idx="12" type="sldNum"/>
+            <p:ph type="sldNum" idx="12"/>
           </p:nvPr>
         </p:nvSpPr>
         <p:spPr>
@@ -5918,67 +6093,67 @@
           </a:ln>
         </p:spPr>
         <p:txBody>
-          <a:bodyPr anchorCtr="0" anchor="ctr" bIns="45700" lIns="91425" spcFirstLastPara="1" rIns="91425" wrap="square" tIns="45700">
+          <a:bodyPr spcFirstLastPara="1" wrap="square" lIns="91425" tIns="45700" rIns="91425" bIns="45700" anchor="ctr" anchorCtr="0">
             <a:noAutofit/>
           </a:bodyPr>
           <a:lstStyle>
-            <a:lvl1pPr indent="0" lvl="0" marL="0" algn="r">
+            <a:lvl1pPr marL="0" lvl="0" indent="0" algn="r">
               <a:spcBef>
                 <a:spcPts val="0"/>
               </a:spcBef>
               <a:buNone/>
               <a:defRPr/>
             </a:lvl1pPr>
-            <a:lvl2pPr indent="0" lvl="1" marL="0" algn="r">
+            <a:lvl2pPr marL="0" lvl="1" indent="0" algn="r">
               <a:spcBef>
                 <a:spcPts val="0"/>
               </a:spcBef>
               <a:buNone/>
               <a:defRPr/>
             </a:lvl2pPr>
-            <a:lvl3pPr indent="0" lvl="2" marL="0" algn="r">
+            <a:lvl3pPr marL="0" lvl="2" indent="0" algn="r">
               <a:spcBef>
                 <a:spcPts val="0"/>
               </a:spcBef>
               <a:buNone/>
               <a:defRPr/>
             </a:lvl3pPr>
-            <a:lvl4pPr indent="0" lvl="3" marL="0" algn="r">
+            <a:lvl4pPr marL="0" lvl="3" indent="0" algn="r">
               <a:spcBef>
                 <a:spcPts val="0"/>
               </a:spcBef>
               <a:buNone/>
               <a:defRPr/>
             </a:lvl4pPr>
-            <a:lvl5pPr indent="0" lvl="4" marL="0" algn="r">
+            <a:lvl5pPr marL="0" lvl="4" indent="0" algn="r">
               <a:spcBef>
                 <a:spcPts val="0"/>
               </a:spcBef>
               <a:buNone/>
               <a:defRPr/>
             </a:lvl5pPr>
-            <a:lvl6pPr indent="0" lvl="5" marL="0" algn="r">
+            <a:lvl6pPr marL="0" lvl="5" indent="0" algn="r">
               <a:spcBef>
                 <a:spcPts val="0"/>
               </a:spcBef>
               <a:buNone/>
               <a:defRPr/>
             </a:lvl6pPr>
-            <a:lvl7pPr indent="0" lvl="6" marL="0" algn="r">
+            <a:lvl7pPr marL="0" lvl="6" indent="0" algn="r">
               <a:spcBef>
                 <a:spcPts val="0"/>
               </a:spcBef>
               <a:buNone/>
               <a:defRPr/>
             </a:lvl7pPr>
-            <a:lvl8pPr indent="0" lvl="7" marL="0" algn="r">
+            <a:lvl8pPr marL="0" lvl="7" indent="0" algn="r">
               <a:spcBef>
                 <a:spcPts val="0"/>
               </a:spcBef>
               <a:buNone/>
               <a:defRPr/>
             </a:lvl8pPr>
-            <a:lvl9pPr indent="0" lvl="8" marL="0" algn="r">
+            <a:lvl9pPr marL="0" lvl="8" indent="0" algn="r">
               <a:spcBef>
                 <a:spcPts val="0"/>
               </a:spcBef>
@@ -5987,7 +6162,7 @@
             </a:lvl9pPr>
           </a:lstStyle>
           <a:p>
-            <a:pPr indent="0" lvl="0" marL="0" rtl="0" algn="r">
+            <a:pPr marL="0" lvl="0" indent="0" algn="r" rtl="0">
               <a:spcBef>
                 <a:spcPts val="0"/>
               </a:spcBef>
@@ -6013,11 +6188,11 @@
 </file>
 
 <file path=ppt/slideLayouts/slideLayout6.xml><?xml version="1.0" encoding="utf-8"?>
-<p:sldLayout xmlns:a="http://schemas.openxmlformats.org/drawingml/2006/main" xmlns:r="http://schemas.openxmlformats.org/officeDocument/2006/relationships" xmlns:mc="http://schemas.openxmlformats.org/markup-compatibility/2006" xmlns:mv="urn:schemas-microsoft-com:mac:vml" xmlns:p="http://schemas.openxmlformats.org/presentationml/2006/main" xmlns:c="http://schemas.openxmlformats.org/drawingml/2006/chart" xmlns:dgm="http://schemas.openxmlformats.org/drawingml/2006/diagram" xmlns:o="urn:schemas-microsoft-com:office:office" xmlns:v="urn:schemas-microsoft-com:vml" xmlns:pvml="urn:schemas-microsoft-com:office:powerpoint" xmlns:com="http://schemas.openxmlformats.org/drawingml/2006/compatibility" xmlns:p14="http://schemas.microsoft.com/office/powerpoint/2010/main" xmlns:p15="http://schemas.microsoft.com/office/powerpoint/2012/main" xmlns:ahyp="http://schemas.microsoft.com/office/drawing/2018/hyperlinkcolor" matchingName="Comparison" type="twoTxTwoObj">
+<p:sldLayout xmlns:a="http://schemas.openxmlformats.org/drawingml/2006/main" xmlns:r="http://schemas.openxmlformats.org/officeDocument/2006/relationships" xmlns:p="http://schemas.openxmlformats.org/presentationml/2006/main" matchingName="Comparison" type="twoTxTwoObj">
   <p:cSld name="TWO_OBJECTS_WITH_TEXT">
     <p:spTree>
       <p:nvGrpSpPr>
-        <p:cNvPr id="40" name="Shape 40"/>
+        <p:cNvPr id="1" name="Shape 40"/>
         <p:cNvGrpSpPr/>
         <p:nvPr/>
       </p:nvGrpSpPr>
@@ -6032,7 +6207,9 @@
       <p:sp>
         <p:nvSpPr>
           <p:cNvPr id="41" name="Google Shape;41;p7"/>
-          <p:cNvSpPr txBox="1"/>
+          <p:cNvSpPr txBox="1">
+            <a:spLocks noGrp="1"/>
+          </p:cNvSpPr>
           <p:nvPr>
             <p:ph type="title"/>
           </p:nvPr>
@@ -6051,7 +6228,7 @@
           </a:ln>
         </p:spPr>
         <p:txBody>
-          <a:bodyPr anchorCtr="0" anchor="ctr" bIns="45700" lIns="91425" spcFirstLastPara="1" rIns="91425" wrap="square" tIns="45700">
+          <a:bodyPr spcFirstLastPara="1" wrap="square" lIns="91425" tIns="45700" rIns="91425" bIns="45700" anchor="ctr" anchorCtr="0">
             <a:noAutofit/>
           </a:bodyPr>
           <a:lstStyle>
@@ -6159,15 +6336,19 @@
               <a:defRPr/>
             </a:lvl9pPr>
           </a:lstStyle>
-          <a:p/>
+          <a:p>
+            <a:endParaRPr/>
+          </a:p>
         </p:txBody>
       </p:sp>
       <p:sp>
         <p:nvSpPr>
           <p:cNvPr id="42" name="Google Shape;42;p7"/>
-          <p:cNvSpPr txBox="1"/>
+          <p:cNvSpPr txBox="1">
+            <a:spLocks noGrp="1"/>
+          </p:cNvSpPr>
           <p:nvPr>
-            <p:ph idx="1" type="body"/>
+            <p:ph type="body" idx="1"/>
           </p:nvPr>
         </p:nvSpPr>
         <p:spPr>
@@ -6184,11 +6365,11 @@
           </a:ln>
         </p:spPr>
         <p:txBody>
-          <a:bodyPr anchorCtr="0" anchor="b" bIns="45700" lIns="91425" spcFirstLastPara="1" rIns="91425" wrap="square" tIns="45700">
+          <a:bodyPr spcFirstLastPara="1" wrap="square" lIns="91425" tIns="45700" rIns="91425" bIns="45700" anchor="b" anchorCtr="0">
             <a:noAutofit/>
           </a:bodyPr>
           <a:lstStyle>
-            <a:lvl1pPr indent="-228600" lvl="0" marL="457200" algn="l">
+            <a:lvl1pPr marL="457200" lvl="0" indent="-228600" algn="l">
               <a:spcBef>
                 <a:spcPts val="480"/>
               </a:spcBef>
@@ -6200,9 +6381,9 @@
               </a:buClr>
               <a:buSzPts val="2400"/>
               <a:buNone/>
-              <a:defRPr b="1" sz="2400"/>
+              <a:defRPr sz="2400" b="1"/>
             </a:lvl1pPr>
-            <a:lvl2pPr indent="-228600" lvl="1" marL="914400" algn="l">
+            <a:lvl2pPr marL="914400" lvl="1" indent="-228600" algn="l">
               <a:spcBef>
                 <a:spcPts val="400"/>
               </a:spcBef>
@@ -6214,9 +6395,9 @@
               </a:buClr>
               <a:buSzPts val="2000"/>
               <a:buNone/>
-              <a:defRPr b="1" sz="2000"/>
+              <a:defRPr sz="2000" b="1"/>
             </a:lvl2pPr>
-            <a:lvl3pPr indent="-228600" lvl="2" marL="1371600" algn="l">
+            <a:lvl3pPr marL="1371600" lvl="2" indent="-228600" algn="l">
               <a:spcBef>
                 <a:spcPts val="360"/>
               </a:spcBef>
@@ -6228,9 +6409,9 @@
               </a:buClr>
               <a:buSzPts val="1800"/>
               <a:buNone/>
-              <a:defRPr b="1" sz="1800"/>
+              <a:defRPr sz="1800" b="1"/>
             </a:lvl3pPr>
-            <a:lvl4pPr indent="-228600" lvl="3" marL="1828800" algn="l">
+            <a:lvl4pPr marL="1828800" lvl="3" indent="-228600" algn="l">
               <a:spcBef>
                 <a:spcPts val="320"/>
               </a:spcBef>
@@ -6242,9 +6423,9 @@
               </a:buClr>
               <a:buSzPts val="1600"/>
               <a:buNone/>
-              <a:defRPr b="1" sz="1600"/>
+              <a:defRPr sz="1600" b="1"/>
             </a:lvl4pPr>
-            <a:lvl5pPr indent="-228600" lvl="4" marL="2286000" algn="l">
+            <a:lvl5pPr marL="2286000" lvl="4" indent="-228600" algn="l">
               <a:spcBef>
                 <a:spcPts val="320"/>
               </a:spcBef>
@@ -6256,9 +6437,9 @@
               </a:buClr>
               <a:buSzPts val="1600"/>
               <a:buNone/>
-              <a:defRPr b="1" sz="1600"/>
+              <a:defRPr sz="1600" b="1"/>
             </a:lvl5pPr>
-            <a:lvl6pPr indent="-228600" lvl="5" marL="2743200" algn="l">
+            <a:lvl6pPr marL="2743200" lvl="5" indent="-228600" algn="l">
               <a:spcBef>
                 <a:spcPts val="320"/>
               </a:spcBef>
@@ -6270,9 +6451,9 @@
               </a:buClr>
               <a:buSzPts val="1600"/>
               <a:buNone/>
-              <a:defRPr b="1" sz="1600"/>
+              <a:defRPr sz="1600" b="1"/>
             </a:lvl6pPr>
-            <a:lvl7pPr indent="-228600" lvl="6" marL="3200400" algn="l">
+            <a:lvl7pPr marL="3200400" lvl="6" indent="-228600" algn="l">
               <a:spcBef>
                 <a:spcPts val="320"/>
               </a:spcBef>
@@ -6284,9 +6465,9 @@
               </a:buClr>
               <a:buSzPts val="1600"/>
               <a:buNone/>
-              <a:defRPr b="1" sz="1600"/>
+              <a:defRPr sz="1600" b="1"/>
             </a:lvl7pPr>
-            <a:lvl8pPr indent="-228600" lvl="7" marL="3657600" algn="l">
+            <a:lvl8pPr marL="3657600" lvl="7" indent="-228600" algn="l">
               <a:spcBef>
                 <a:spcPts val="320"/>
               </a:spcBef>
@@ -6298,9 +6479,9 @@
               </a:buClr>
               <a:buSzPts val="1600"/>
               <a:buNone/>
-              <a:defRPr b="1" sz="1600"/>
+              <a:defRPr sz="1600" b="1"/>
             </a:lvl8pPr>
-            <a:lvl9pPr indent="-228600" lvl="8" marL="4114800" algn="l">
+            <a:lvl9pPr marL="4114800" lvl="8" indent="-228600" algn="l">
               <a:spcBef>
                 <a:spcPts val="320"/>
               </a:spcBef>
@@ -6312,18 +6493,22 @@
               </a:buClr>
               <a:buSzPts val="1600"/>
               <a:buNone/>
-              <a:defRPr b="1" sz="1600"/>
+              <a:defRPr sz="1600" b="1"/>
             </a:lvl9pPr>
           </a:lstStyle>
-          <a:p/>
+          <a:p>
+            <a:endParaRPr/>
+          </a:p>
         </p:txBody>
       </p:sp>
       <p:sp>
         <p:nvSpPr>
           <p:cNvPr id="43" name="Google Shape;43;p7"/>
-          <p:cNvSpPr txBox="1"/>
+          <p:cNvSpPr txBox="1">
+            <a:spLocks noGrp="1"/>
+          </p:cNvSpPr>
           <p:nvPr>
-            <p:ph idx="2" type="body"/>
+            <p:ph type="body" idx="2"/>
           </p:nvPr>
         </p:nvSpPr>
         <p:spPr>
@@ -6340,11 +6525,11 @@
           </a:ln>
         </p:spPr>
         <p:txBody>
-          <a:bodyPr anchorCtr="0" anchor="t" bIns="45700" lIns="91425" spcFirstLastPara="1" rIns="91425" wrap="square" tIns="45700">
+          <a:bodyPr spcFirstLastPara="1" wrap="square" lIns="91425" tIns="45700" rIns="91425" bIns="45700" anchor="t" anchorCtr="0">
             <a:noAutofit/>
           </a:bodyPr>
           <a:lstStyle>
-            <a:lvl1pPr indent="-381000" lvl="0" marL="457200" algn="l">
+            <a:lvl1pPr marL="457200" lvl="0" indent="-381000" algn="l">
               <a:spcBef>
                 <a:spcPts val="480"/>
               </a:spcBef>
@@ -6358,7 +6543,7 @@
               <a:buChar char="•"/>
               <a:defRPr sz="2400"/>
             </a:lvl1pPr>
-            <a:lvl2pPr indent="-355600" lvl="1" marL="914400" algn="l">
+            <a:lvl2pPr marL="914400" lvl="1" indent="-355600" algn="l">
               <a:spcBef>
                 <a:spcPts val="400"/>
               </a:spcBef>
@@ -6372,7 +6557,7 @@
               <a:buChar char="–"/>
               <a:defRPr sz="2000"/>
             </a:lvl2pPr>
-            <a:lvl3pPr indent="-342900" lvl="2" marL="1371600" algn="l">
+            <a:lvl3pPr marL="1371600" lvl="2" indent="-342900" algn="l">
               <a:spcBef>
                 <a:spcPts val="360"/>
               </a:spcBef>
@@ -6386,7 +6571,7 @@
               <a:buChar char="•"/>
               <a:defRPr sz="1800"/>
             </a:lvl3pPr>
-            <a:lvl4pPr indent="-330200" lvl="3" marL="1828800" algn="l">
+            <a:lvl4pPr marL="1828800" lvl="3" indent="-330200" algn="l">
               <a:spcBef>
                 <a:spcPts val="320"/>
               </a:spcBef>
@@ -6400,7 +6585,7 @@
               <a:buChar char="–"/>
               <a:defRPr sz="1600"/>
             </a:lvl4pPr>
-            <a:lvl5pPr indent="-330200" lvl="4" marL="2286000" algn="l">
+            <a:lvl5pPr marL="2286000" lvl="4" indent="-330200" algn="l">
               <a:spcBef>
                 <a:spcPts val="320"/>
               </a:spcBef>
@@ -6414,7 +6599,7 @@
               <a:buChar char="»"/>
               <a:defRPr sz="1600"/>
             </a:lvl5pPr>
-            <a:lvl6pPr indent="-330200" lvl="5" marL="2743200" algn="l">
+            <a:lvl6pPr marL="2743200" lvl="5" indent="-330200" algn="l">
               <a:spcBef>
                 <a:spcPts val="320"/>
               </a:spcBef>
@@ -6428,7 +6613,7 @@
               <a:buChar char="•"/>
               <a:defRPr sz="1600"/>
             </a:lvl6pPr>
-            <a:lvl7pPr indent="-330200" lvl="6" marL="3200400" algn="l">
+            <a:lvl7pPr marL="3200400" lvl="6" indent="-330200" algn="l">
               <a:spcBef>
                 <a:spcPts val="320"/>
               </a:spcBef>
@@ -6442,7 +6627,7 @@
               <a:buChar char="•"/>
               <a:defRPr sz="1600"/>
             </a:lvl7pPr>
-            <a:lvl8pPr indent="-330200" lvl="7" marL="3657600" algn="l">
+            <a:lvl8pPr marL="3657600" lvl="7" indent="-330200" algn="l">
               <a:spcBef>
                 <a:spcPts val="320"/>
               </a:spcBef>
@@ -6456,7 +6641,7 @@
               <a:buChar char="•"/>
               <a:defRPr sz="1600"/>
             </a:lvl8pPr>
-            <a:lvl9pPr indent="-330200" lvl="8" marL="4114800" algn="l">
+            <a:lvl9pPr marL="4114800" lvl="8" indent="-330200" algn="l">
               <a:spcBef>
                 <a:spcPts val="320"/>
               </a:spcBef>
@@ -6471,15 +6656,19 @@
               <a:defRPr sz="1600"/>
             </a:lvl9pPr>
           </a:lstStyle>
-          <a:p/>
+          <a:p>
+            <a:endParaRPr/>
+          </a:p>
         </p:txBody>
       </p:sp>
       <p:sp>
         <p:nvSpPr>
           <p:cNvPr id="44" name="Google Shape;44;p7"/>
-          <p:cNvSpPr txBox="1"/>
+          <p:cNvSpPr txBox="1">
+            <a:spLocks noGrp="1"/>
+          </p:cNvSpPr>
           <p:nvPr>
-            <p:ph idx="3" type="body"/>
+            <p:ph type="body" idx="3"/>
           </p:nvPr>
         </p:nvSpPr>
         <p:spPr>
@@ -6496,11 +6685,11 @@
           </a:ln>
         </p:spPr>
         <p:txBody>
-          <a:bodyPr anchorCtr="0" anchor="b" bIns="45700" lIns="91425" spcFirstLastPara="1" rIns="91425" wrap="square" tIns="45700">
+          <a:bodyPr spcFirstLastPara="1" wrap="square" lIns="91425" tIns="45700" rIns="91425" bIns="45700" anchor="b" anchorCtr="0">
             <a:noAutofit/>
           </a:bodyPr>
           <a:lstStyle>
-            <a:lvl1pPr indent="-228600" lvl="0" marL="457200" algn="l">
+            <a:lvl1pPr marL="457200" lvl="0" indent="-228600" algn="l">
               <a:spcBef>
                 <a:spcPts val="480"/>
               </a:spcBef>
@@ -6512,9 +6701,9 @@
               </a:buClr>
               <a:buSzPts val="2400"/>
               <a:buNone/>
-              <a:defRPr b="1" sz="2400"/>
+              <a:defRPr sz="2400" b="1"/>
             </a:lvl1pPr>
-            <a:lvl2pPr indent="-228600" lvl="1" marL="914400" algn="l">
+            <a:lvl2pPr marL="914400" lvl="1" indent="-228600" algn="l">
               <a:spcBef>
                 <a:spcPts val="400"/>
               </a:spcBef>
@@ -6526,9 +6715,9 @@
               </a:buClr>
               <a:buSzPts val="2000"/>
               <a:buNone/>
-              <a:defRPr b="1" sz="2000"/>
+              <a:defRPr sz="2000" b="1"/>
             </a:lvl2pPr>
-            <a:lvl3pPr indent="-228600" lvl="2" marL="1371600" algn="l">
+            <a:lvl3pPr marL="1371600" lvl="2" indent="-228600" algn="l">
               <a:spcBef>
                 <a:spcPts val="360"/>
               </a:spcBef>
@@ -6540,9 +6729,9 @@
               </a:buClr>
               <a:buSzPts val="1800"/>
               <a:buNone/>
-              <a:defRPr b="1" sz="1800"/>
+              <a:defRPr sz="1800" b="1"/>
             </a:lvl3pPr>
-            <a:lvl4pPr indent="-228600" lvl="3" marL="1828800" algn="l">
+            <a:lvl4pPr marL="1828800" lvl="3" indent="-228600" algn="l">
               <a:spcBef>
                 <a:spcPts val="320"/>
               </a:spcBef>
@@ -6554,9 +6743,9 @@
               </a:buClr>
               <a:buSzPts val="1600"/>
               <a:buNone/>
-              <a:defRPr b="1" sz="1600"/>
+              <a:defRPr sz="1600" b="1"/>
             </a:lvl4pPr>
-            <a:lvl5pPr indent="-228600" lvl="4" marL="2286000" algn="l">
+            <a:lvl5pPr marL="2286000" lvl="4" indent="-228600" algn="l">
               <a:spcBef>
                 <a:spcPts val="320"/>
               </a:spcBef>
@@ -6568,9 +6757,9 @@
               </a:buClr>
               <a:buSzPts val="1600"/>
               <a:buNone/>
-              <a:defRPr b="1" sz="1600"/>
+              <a:defRPr sz="1600" b="1"/>
             </a:lvl5pPr>
-            <a:lvl6pPr indent="-228600" lvl="5" marL="2743200" algn="l">
+            <a:lvl6pPr marL="2743200" lvl="5" indent="-228600" algn="l">
               <a:spcBef>
                 <a:spcPts val="320"/>
               </a:spcBef>
@@ -6582,9 +6771,9 @@
               </a:buClr>
               <a:buSzPts val="1600"/>
               <a:buNone/>
-              <a:defRPr b="1" sz="1600"/>
+              <a:defRPr sz="1600" b="1"/>
             </a:lvl6pPr>
-            <a:lvl7pPr indent="-228600" lvl="6" marL="3200400" algn="l">
+            <a:lvl7pPr marL="3200400" lvl="6" indent="-228600" algn="l">
               <a:spcBef>
                 <a:spcPts val="320"/>
               </a:spcBef>
@@ -6596,9 +6785,9 @@
               </a:buClr>
               <a:buSzPts val="1600"/>
               <a:buNone/>
-              <a:defRPr b="1" sz="1600"/>
+              <a:defRPr sz="1600" b="1"/>
             </a:lvl7pPr>
-            <a:lvl8pPr indent="-228600" lvl="7" marL="3657600" algn="l">
+            <a:lvl8pPr marL="3657600" lvl="7" indent="-228600" algn="l">
               <a:spcBef>
                 <a:spcPts val="320"/>
               </a:spcBef>
@@ -6610,9 +6799,9 @@
               </a:buClr>
               <a:buSzPts val="1600"/>
               <a:buNone/>
-              <a:defRPr b="1" sz="1600"/>
+              <a:defRPr sz="1600" b="1"/>
             </a:lvl8pPr>
-            <a:lvl9pPr indent="-228600" lvl="8" marL="4114800" algn="l">
+            <a:lvl9pPr marL="4114800" lvl="8" indent="-228600" algn="l">
               <a:spcBef>
                 <a:spcPts val="320"/>
               </a:spcBef>
@@ -6624,18 +6813,22 @@
               </a:buClr>
               <a:buSzPts val="1600"/>
               <a:buNone/>
-              <a:defRPr b="1" sz="1600"/>
+              <a:defRPr sz="1600" b="1"/>
             </a:lvl9pPr>
           </a:lstStyle>
-          <a:p/>
+          <a:p>
+            <a:endParaRPr/>
+          </a:p>
         </p:txBody>
       </p:sp>
       <p:sp>
         <p:nvSpPr>
           <p:cNvPr id="45" name="Google Shape;45;p7"/>
-          <p:cNvSpPr txBox="1"/>
+          <p:cNvSpPr txBox="1">
+            <a:spLocks noGrp="1"/>
+          </p:cNvSpPr>
           <p:nvPr>
-            <p:ph idx="4" type="body"/>
+            <p:ph type="body" idx="4"/>
           </p:nvPr>
         </p:nvSpPr>
         <p:spPr>
@@ -6652,11 +6845,11 @@
           </a:ln>
         </p:spPr>
         <p:txBody>
-          <a:bodyPr anchorCtr="0" anchor="t" bIns="45700" lIns="91425" spcFirstLastPara="1" rIns="91425" wrap="square" tIns="45700">
+          <a:bodyPr spcFirstLastPara="1" wrap="square" lIns="91425" tIns="45700" rIns="91425" bIns="45700" anchor="t" anchorCtr="0">
             <a:noAutofit/>
           </a:bodyPr>
           <a:lstStyle>
-            <a:lvl1pPr indent="-381000" lvl="0" marL="457200" algn="l">
+            <a:lvl1pPr marL="457200" lvl="0" indent="-381000" algn="l">
               <a:spcBef>
                 <a:spcPts val="480"/>
               </a:spcBef>
@@ -6670,7 +6863,7 @@
               <a:buChar char="•"/>
               <a:defRPr sz="2400"/>
             </a:lvl1pPr>
-            <a:lvl2pPr indent="-355600" lvl="1" marL="914400" algn="l">
+            <a:lvl2pPr marL="914400" lvl="1" indent="-355600" algn="l">
               <a:spcBef>
                 <a:spcPts val="400"/>
               </a:spcBef>
@@ -6684,7 +6877,7 @@
               <a:buChar char="–"/>
               <a:defRPr sz="2000"/>
             </a:lvl2pPr>
-            <a:lvl3pPr indent="-342900" lvl="2" marL="1371600" algn="l">
+            <a:lvl3pPr marL="1371600" lvl="2" indent="-342900" algn="l">
               <a:spcBef>
                 <a:spcPts val="360"/>
               </a:spcBef>
@@ -6698,7 +6891,7 @@
               <a:buChar char="•"/>
               <a:defRPr sz="1800"/>
             </a:lvl3pPr>
-            <a:lvl4pPr indent="-330200" lvl="3" marL="1828800" algn="l">
+            <a:lvl4pPr marL="1828800" lvl="3" indent="-330200" algn="l">
               <a:spcBef>
                 <a:spcPts val="320"/>
               </a:spcBef>
@@ -6712,7 +6905,7 @@
               <a:buChar char="–"/>
               <a:defRPr sz="1600"/>
             </a:lvl4pPr>
-            <a:lvl5pPr indent="-330200" lvl="4" marL="2286000" algn="l">
+            <a:lvl5pPr marL="2286000" lvl="4" indent="-330200" algn="l">
               <a:spcBef>
                 <a:spcPts val="320"/>
               </a:spcBef>
@@ -6726,7 +6919,7 @@
               <a:buChar char="»"/>
               <a:defRPr sz="1600"/>
             </a:lvl5pPr>
-            <a:lvl6pPr indent="-330200" lvl="5" marL="2743200" algn="l">
+            <a:lvl6pPr marL="2743200" lvl="5" indent="-330200" algn="l">
               <a:spcBef>
                 <a:spcPts val="320"/>
               </a:spcBef>
@@ -6740,7 +6933,7 @@
               <a:buChar char="•"/>
               <a:defRPr sz="1600"/>
             </a:lvl6pPr>
-            <a:lvl7pPr indent="-330200" lvl="6" marL="3200400" algn="l">
+            <a:lvl7pPr marL="3200400" lvl="6" indent="-330200" algn="l">
               <a:spcBef>
                 <a:spcPts val="320"/>
               </a:spcBef>
@@ -6754,7 +6947,7 @@
               <a:buChar char="•"/>
               <a:defRPr sz="1600"/>
             </a:lvl7pPr>
-            <a:lvl8pPr indent="-330200" lvl="7" marL="3657600" algn="l">
+            <a:lvl8pPr marL="3657600" lvl="7" indent="-330200" algn="l">
               <a:spcBef>
                 <a:spcPts val="320"/>
               </a:spcBef>
@@ -6768,7 +6961,7 @@
               <a:buChar char="•"/>
               <a:defRPr sz="1600"/>
             </a:lvl8pPr>
-            <a:lvl9pPr indent="-330200" lvl="8" marL="4114800" algn="l">
+            <a:lvl9pPr marL="4114800" lvl="8" indent="-330200" algn="l">
               <a:spcBef>
                 <a:spcPts val="320"/>
               </a:spcBef>
@@ -6783,15 +6976,19 @@
               <a:defRPr sz="1600"/>
             </a:lvl9pPr>
           </a:lstStyle>
-          <a:p/>
+          <a:p>
+            <a:endParaRPr/>
+          </a:p>
         </p:txBody>
       </p:sp>
       <p:sp>
         <p:nvSpPr>
           <p:cNvPr id="46" name="Google Shape;46;p7"/>
-          <p:cNvSpPr txBox="1"/>
+          <p:cNvSpPr txBox="1">
+            <a:spLocks noGrp="1"/>
+          </p:cNvSpPr>
           <p:nvPr>
-            <p:ph idx="10" type="dt"/>
+            <p:ph type="dt" idx="10"/>
           </p:nvPr>
         </p:nvSpPr>
         <p:spPr>
@@ -6808,7 +7005,7 @@
           </a:ln>
         </p:spPr>
         <p:txBody>
-          <a:bodyPr anchorCtr="0" anchor="ctr" bIns="45700" lIns="91425" spcFirstLastPara="1" rIns="91425" wrap="square" tIns="45700">
+          <a:bodyPr spcFirstLastPara="1" wrap="square" lIns="91425" tIns="45700" rIns="91425" bIns="45700" anchor="ctr" anchorCtr="0">
             <a:noAutofit/>
           </a:bodyPr>
           <a:lstStyle>
@@ -6912,15 +7109,19 @@
               <a:defRPr/>
             </a:lvl9pPr>
           </a:lstStyle>
-          <a:p/>
+          <a:p>
+            <a:endParaRPr/>
+          </a:p>
         </p:txBody>
       </p:sp>
       <p:sp>
         <p:nvSpPr>
           <p:cNvPr id="47" name="Google Shape;47;p7"/>
-          <p:cNvSpPr txBox="1"/>
+          <p:cNvSpPr txBox="1">
+            <a:spLocks noGrp="1"/>
+          </p:cNvSpPr>
           <p:nvPr>
-            <p:ph idx="11" type="ftr"/>
+            <p:ph type="ftr" idx="11"/>
           </p:nvPr>
         </p:nvSpPr>
         <p:spPr>
@@ -6937,7 +7138,7 @@
           </a:ln>
         </p:spPr>
         <p:txBody>
-          <a:bodyPr anchorCtr="0" anchor="ctr" bIns="45700" lIns="91425" spcFirstLastPara="1" rIns="91425" wrap="square" tIns="45700">
+          <a:bodyPr spcFirstLastPara="1" wrap="square" lIns="91425" tIns="45700" rIns="91425" bIns="45700" anchor="ctr" anchorCtr="0">
             <a:noAutofit/>
           </a:bodyPr>
           <a:lstStyle>
@@ -7041,15 +7242,19 @@
               <a:defRPr/>
             </a:lvl9pPr>
           </a:lstStyle>
-          <a:p/>
+          <a:p>
+            <a:endParaRPr/>
+          </a:p>
         </p:txBody>
       </p:sp>
       <p:sp>
         <p:nvSpPr>
           <p:cNvPr id="48" name="Google Shape;48;p7"/>
-          <p:cNvSpPr txBox="1"/>
+          <p:cNvSpPr txBox="1">
+            <a:spLocks noGrp="1"/>
+          </p:cNvSpPr>
           <p:nvPr>
-            <p:ph idx="12" type="sldNum"/>
+            <p:ph type="sldNum" idx="12"/>
           </p:nvPr>
         </p:nvSpPr>
         <p:spPr>
@@ -7066,67 +7271,67 @@
           </a:ln>
         </p:spPr>
         <p:txBody>
-          <a:bodyPr anchorCtr="0" anchor="ctr" bIns="45700" lIns="91425" spcFirstLastPara="1" rIns="91425" wrap="square" tIns="45700">
+          <a:bodyPr spcFirstLastPara="1" wrap="square" lIns="91425" tIns="45700" rIns="91425" bIns="45700" anchor="ctr" anchorCtr="0">
             <a:noAutofit/>
           </a:bodyPr>
           <a:lstStyle>
-            <a:lvl1pPr indent="0" lvl="0" marL="0" algn="r">
+            <a:lvl1pPr marL="0" lvl="0" indent="0" algn="r">
               <a:spcBef>
                 <a:spcPts val="0"/>
               </a:spcBef>
               <a:buNone/>
               <a:defRPr/>
             </a:lvl1pPr>
-            <a:lvl2pPr indent="0" lvl="1" marL="0" algn="r">
+            <a:lvl2pPr marL="0" lvl="1" indent="0" algn="r">
               <a:spcBef>
                 <a:spcPts val="0"/>
               </a:spcBef>
               <a:buNone/>
               <a:defRPr/>
             </a:lvl2pPr>
-            <a:lvl3pPr indent="0" lvl="2" marL="0" algn="r">
+            <a:lvl3pPr marL="0" lvl="2" indent="0" algn="r">
               <a:spcBef>
                 <a:spcPts val="0"/>
               </a:spcBef>
               <a:buNone/>
               <a:defRPr/>
             </a:lvl3pPr>
-            <a:lvl4pPr indent="0" lvl="3" marL="0" algn="r">
+            <a:lvl4pPr marL="0" lvl="3" indent="0" algn="r">
               <a:spcBef>
                 <a:spcPts val="0"/>
               </a:spcBef>
               <a:buNone/>
               <a:defRPr/>
             </a:lvl4pPr>
-            <a:lvl5pPr indent="0" lvl="4" marL="0" algn="r">
+            <a:lvl5pPr marL="0" lvl="4" indent="0" algn="r">
               <a:spcBef>
                 <a:spcPts val="0"/>
               </a:spcBef>
               <a:buNone/>
               <a:defRPr/>
             </a:lvl5pPr>
-            <a:lvl6pPr indent="0" lvl="5" marL="0" algn="r">
+            <a:lvl6pPr marL="0" lvl="5" indent="0" algn="r">
               <a:spcBef>
                 <a:spcPts val="0"/>
               </a:spcBef>
               <a:buNone/>
               <a:defRPr/>
             </a:lvl6pPr>
-            <a:lvl7pPr indent="0" lvl="6" marL="0" algn="r">
+            <a:lvl7pPr marL="0" lvl="6" indent="0" algn="r">
               <a:spcBef>
                 <a:spcPts val="0"/>
               </a:spcBef>
               <a:buNone/>
               <a:defRPr/>
             </a:lvl7pPr>
-            <a:lvl8pPr indent="0" lvl="7" marL="0" algn="r">
+            <a:lvl8pPr marL="0" lvl="7" indent="0" algn="r">
               <a:spcBef>
                 <a:spcPts val="0"/>
               </a:spcBef>
               <a:buNone/>
               <a:defRPr/>
             </a:lvl8pPr>
-            <a:lvl9pPr indent="0" lvl="8" marL="0" algn="r">
+            <a:lvl9pPr marL="0" lvl="8" indent="0" algn="r">
               <a:spcBef>
                 <a:spcPts val="0"/>
               </a:spcBef>
@@ -7135,7 +7340,7 @@
             </a:lvl9pPr>
           </a:lstStyle>
           <a:p>
-            <a:pPr indent="0" lvl="0" marL="0" rtl="0" algn="r">
+            <a:pPr marL="0" lvl="0" indent="0" algn="r" rtl="0">
               <a:spcBef>
                 <a:spcPts val="0"/>
               </a:spcBef>
@@ -7161,11 +7366,11 @@
 </file>
 
 <file path=ppt/slideLayouts/slideLayout7.xml><?xml version="1.0" encoding="utf-8"?>
-<p:sldLayout xmlns:a="http://schemas.openxmlformats.org/drawingml/2006/main" xmlns:r="http://schemas.openxmlformats.org/officeDocument/2006/relationships" xmlns:mc="http://schemas.openxmlformats.org/markup-compatibility/2006" xmlns:mv="urn:schemas-microsoft-com:mac:vml" xmlns:p="http://schemas.openxmlformats.org/presentationml/2006/main" xmlns:c="http://schemas.openxmlformats.org/drawingml/2006/chart" xmlns:dgm="http://schemas.openxmlformats.org/drawingml/2006/diagram" xmlns:o="urn:schemas-microsoft-com:office:office" xmlns:v="urn:schemas-microsoft-com:vml" xmlns:pvml="urn:schemas-microsoft-com:office:powerpoint" xmlns:com="http://schemas.openxmlformats.org/drawingml/2006/compatibility" xmlns:p14="http://schemas.microsoft.com/office/powerpoint/2010/main" xmlns:p15="http://schemas.microsoft.com/office/powerpoint/2012/main" xmlns:ahyp="http://schemas.microsoft.com/office/drawing/2018/hyperlinkcolor" matchingName="Title Only" type="titleOnly">
+<p:sldLayout xmlns:a="http://schemas.openxmlformats.org/drawingml/2006/main" xmlns:r="http://schemas.openxmlformats.org/officeDocument/2006/relationships" xmlns:p="http://schemas.openxmlformats.org/presentationml/2006/main" matchingName="Title Only" type="titleOnly">
   <p:cSld name="TITLE_ONLY">
     <p:spTree>
       <p:nvGrpSpPr>
-        <p:cNvPr id="49" name="Shape 49"/>
+        <p:cNvPr id="1" name="Shape 49"/>
         <p:cNvGrpSpPr/>
         <p:nvPr/>
       </p:nvGrpSpPr>
@@ -7180,7 +7385,9 @@
       <p:sp>
         <p:nvSpPr>
           <p:cNvPr id="50" name="Google Shape;50;p8"/>
-          <p:cNvSpPr txBox="1"/>
+          <p:cNvSpPr txBox="1">
+            <a:spLocks noGrp="1"/>
+          </p:cNvSpPr>
           <p:nvPr>
             <p:ph type="title"/>
           </p:nvPr>
@@ -7199,7 +7406,7 @@
           </a:ln>
         </p:spPr>
         <p:txBody>
-          <a:bodyPr anchorCtr="0" anchor="ctr" bIns="45700" lIns="91425" spcFirstLastPara="1" rIns="91425" wrap="square" tIns="45700">
+          <a:bodyPr spcFirstLastPara="1" wrap="square" lIns="91425" tIns="45700" rIns="91425" bIns="45700" anchor="ctr" anchorCtr="0">
             <a:noAutofit/>
           </a:bodyPr>
           <a:lstStyle>
@@ -7306,15 +7513,19 @@
               <a:defRPr/>
             </a:lvl9pPr>
           </a:lstStyle>
-          <a:p/>
+          <a:p>
+            <a:endParaRPr/>
+          </a:p>
         </p:txBody>
       </p:sp>
       <p:sp>
         <p:nvSpPr>
           <p:cNvPr id="51" name="Google Shape;51;p8"/>
-          <p:cNvSpPr txBox="1"/>
+          <p:cNvSpPr txBox="1">
+            <a:spLocks noGrp="1"/>
+          </p:cNvSpPr>
           <p:nvPr>
-            <p:ph idx="10" type="dt"/>
+            <p:ph type="dt" idx="10"/>
           </p:nvPr>
         </p:nvSpPr>
         <p:spPr>
@@ -7331,7 +7542,7 @@
           </a:ln>
         </p:spPr>
         <p:txBody>
-          <a:bodyPr anchorCtr="0" anchor="ctr" bIns="45700" lIns="91425" spcFirstLastPara="1" rIns="91425" wrap="square" tIns="45700">
+          <a:bodyPr spcFirstLastPara="1" wrap="square" lIns="91425" tIns="45700" rIns="91425" bIns="45700" anchor="ctr" anchorCtr="0">
             <a:noAutofit/>
           </a:bodyPr>
           <a:lstStyle>
@@ -7435,15 +7646,19 @@
               <a:defRPr/>
             </a:lvl9pPr>
           </a:lstStyle>
-          <a:p/>
+          <a:p>
+            <a:endParaRPr/>
+          </a:p>
         </p:txBody>
       </p:sp>
       <p:sp>
         <p:nvSpPr>
           <p:cNvPr id="52" name="Google Shape;52;p8"/>
-          <p:cNvSpPr txBox="1"/>
+          <p:cNvSpPr txBox="1">
+            <a:spLocks noGrp="1"/>
+          </p:cNvSpPr>
           <p:nvPr>
-            <p:ph idx="11" type="ftr"/>
+            <p:ph type="ftr" idx="11"/>
           </p:nvPr>
         </p:nvSpPr>
         <p:spPr>
@@ -7460,7 +7675,7 @@
           </a:ln>
         </p:spPr>
         <p:txBody>
-          <a:bodyPr anchorCtr="0" anchor="ctr" bIns="45700" lIns="91425" spcFirstLastPara="1" rIns="91425" wrap="square" tIns="45700">
+          <a:bodyPr spcFirstLastPara="1" wrap="square" lIns="91425" tIns="45700" rIns="91425" bIns="45700" anchor="ctr" anchorCtr="0">
             <a:noAutofit/>
           </a:bodyPr>
           <a:lstStyle>
@@ -7564,15 +7779,19 @@
               <a:defRPr/>
             </a:lvl9pPr>
           </a:lstStyle>
-          <a:p/>
+          <a:p>
+            <a:endParaRPr/>
+          </a:p>
         </p:txBody>
       </p:sp>
       <p:sp>
         <p:nvSpPr>
           <p:cNvPr id="53" name="Google Shape;53;p8"/>
-          <p:cNvSpPr txBox="1"/>
+          <p:cNvSpPr txBox="1">
+            <a:spLocks noGrp="1"/>
+          </p:cNvSpPr>
           <p:nvPr>
-            <p:ph idx="12" type="sldNum"/>
+            <p:ph type="sldNum" idx="12"/>
           </p:nvPr>
         </p:nvSpPr>
         <p:spPr>
@@ -7589,67 +7808,67 @@
           </a:ln>
         </p:spPr>
         <p:txBody>
-          <a:bodyPr anchorCtr="0" anchor="ctr" bIns="45700" lIns="91425" spcFirstLastPara="1" rIns="91425" wrap="square" tIns="45700">
+          <a:bodyPr spcFirstLastPara="1" wrap="square" lIns="91425" tIns="45700" rIns="91425" bIns="45700" anchor="ctr" anchorCtr="0">
             <a:noAutofit/>
           </a:bodyPr>
           <a:lstStyle>
-            <a:lvl1pPr indent="0" lvl="0" marL="0" algn="r">
+            <a:lvl1pPr marL="0" lvl="0" indent="0" algn="r">
               <a:spcBef>
                 <a:spcPts val="0"/>
               </a:spcBef>
               <a:buNone/>
               <a:defRPr/>
             </a:lvl1pPr>
-            <a:lvl2pPr indent="0" lvl="1" marL="0" algn="r">
+            <a:lvl2pPr marL="0" lvl="1" indent="0" algn="r">
               <a:spcBef>
                 <a:spcPts val="0"/>
               </a:spcBef>
               <a:buNone/>
               <a:defRPr/>
             </a:lvl2pPr>
-            <a:lvl3pPr indent="0" lvl="2" marL="0" algn="r">
+            <a:lvl3pPr marL="0" lvl="2" indent="0" algn="r">
               <a:spcBef>
                 <a:spcPts val="0"/>
               </a:spcBef>
               <a:buNone/>
               <a:defRPr/>
             </a:lvl3pPr>
-            <a:lvl4pPr indent="0" lvl="3" marL="0" algn="r">
+            <a:lvl4pPr marL="0" lvl="3" indent="0" algn="r">
               <a:spcBef>
                 <a:spcPts val="0"/>
               </a:spcBef>
               <a:buNone/>
               <a:defRPr/>
             </a:lvl4pPr>
-            <a:lvl5pPr indent="0" lvl="4" marL="0" algn="r">
+            <a:lvl5pPr marL="0" lvl="4" indent="0" algn="r">
               <a:spcBef>
                 <a:spcPts val="0"/>
               </a:spcBef>
               <a:buNone/>
               <a:defRPr/>
             </a:lvl5pPr>
-            <a:lvl6pPr indent="0" lvl="5" marL="0" algn="r">
+            <a:lvl6pPr marL="0" lvl="5" indent="0" algn="r">
               <a:spcBef>
                 <a:spcPts val="0"/>
               </a:spcBef>
               <a:buNone/>
               <a:defRPr/>
             </a:lvl6pPr>
-            <a:lvl7pPr indent="0" lvl="6" marL="0" algn="r">
+            <a:lvl7pPr marL="0" lvl="6" indent="0" algn="r">
               <a:spcBef>
                 <a:spcPts val="0"/>
               </a:spcBef>
               <a:buNone/>
               <a:defRPr/>
             </a:lvl7pPr>
-            <a:lvl8pPr indent="0" lvl="7" marL="0" algn="r">
+            <a:lvl8pPr marL="0" lvl="7" indent="0" algn="r">
               <a:spcBef>
                 <a:spcPts val="0"/>
               </a:spcBef>
               <a:buNone/>
               <a:defRPr/>
             </a:lvl8pPr>
-            <a:lvl9pPr indent="0" lvl="8" marL="0" algn="r">
+            <a:lvl9pPr marL="0" lvl="8" indent="0" algn="r">
               <a:spcBef>
                 <a:spcPts val="0"/>
               </a:spcBef>
@@ -7658,7 +7877,7 @@
             </a:lvl9pPr>
           </a:lstStyle>
           <a:p>
-            <a:pPr indent="0" lvl="0" marL="0" rtl="0" algn="r">
+            <a:pPr marL="0" lvl="0" indent="0" algn="r" rtl="0">
               <a:spcBef>
                 <a:spcPts val="0"/>
               </a:spcBef>
@@ -7684,11 +7903,11 @@
 </file>
 
 <file path=ppt/slideLayouts/slideLayout8.xml><?xml version="1.0" encoding="utf-8"?>
-<p:sldLayout xmlns:a="http://schemas.openxmlformats.org/drawingml/2006/main" xmlns:r="http://schemas.openxmlformats.org/officeDocument/2006/relationships" xmlns:mc="http://schemas.openxmlformats.org/markup-compatibility/2006" xmlns:mv="urn:schemas-microsoft-com:mac:vml" xmlns:p="http://schemas.openxmlformats.org/presentationml/2006/main" xmlns:c="http://schemas.openxmlformats.org/drawingml/2006/chart" xmlns:dgm="http://schemas.openxmlformats.org/drawingml/2006/diagram" xmlns:o="urn:schemas-microsoft-com:office:office" xmlns:v="urn:schemas-microsoft-com:vml" xmlns:pvml="urn:schemas-microsoft-com:office:powerpoint" xmlns:com="http://schemas.openxmlformats.org/drawingml/2006/compatibility" xmlns:p14="http://schemas.microsoft.com/office/powerpoint/2010/main" xmlns:p15="http://schemas.microsoft.com/office/powerpoint/2012/main" xmlns:ahyp="http://schemas.microsoft.com/office/drawing/2018/hyperlinkcolor" matchingName="Content with Caption" type="objTx">
+<p:sldLayout xmlns:a="http://schemas.openxmlformats.org/drawingml/2006/main" xmlns:r="http://schemas.openxmlformats.org/officeDocument/2006/relationships" xmlns:p="http://schemas.openxmlformats.org/presentationml/2006/main" matchingName="Content with Caption" type="objTx">
   <p:cSld name="OBJECT_WITH_CAPTION_TEXT">
     <p:spTree>
       <p:nvGrpSpPr>
-        <p:cNvPr id="54" name="Shape 54"/>
+        <p:cNvPr id="1" name="Shape 54"/>
         <p:cNvGrpSpPr/>
         <p:nvPr/>
       </p:nvGrpSpPr>
@@ -7703,7 +7922,9 @@
       <p:sp>
         <p:nvSpPr>
           <p:cNvPr id="55" name="Google Shape;55;p9"/>
-          <p:cNvSpPr txBox="1"/>
+          <p:cNvSpPr txBox="1">
+            <a:spLocks noGrp="1"/>
+          </p:cNvSpPr>
           <p:nvPr>
             <p:ph type="title"/>
           </p:nvPr>
@@ -7722,7 +7943,7 @@
           </a:ln>
         </p:spPr>
         <p:txBody>
-          <a:bodyPr anchorCtr="0" anchor="b" bIns="45700" lIns="91425" spcFirstLastPara="1" rIns="91425" wrap="square" tIns="45700">
+          <a:bodyPr spcFirstLastPara="1" wrap="square" lIns="91425" tIns="45700" rIns="91425" bIns="45700" anchor="b" anchorCtr="0">
             <a:noAutofit/>
           </a:bodyPr>
           <a:lstStyle>
@@ -7739,7 +7960,7 @@
               <a:buSzPts val="2000"/>
               <a:buFont typeface="Calibri"/>
               <a:buNone/>
-              <a:defRPr b="1" sz="2000"/>
+              <a:defRPr sz="2000" b="1"/>
             </a:lvl1pPr>
             <a:lvl2pPr lvl="1">
               <a:spcBef>
@@ -7830,15 +8051,19 @@
               <a:defRPr/>
             </a:lvl9pPr>
           </a:lstStyle>
-          <a:p/>
+          <a:p>
+            <a:endParaRPr/>
+          </a:p>
         </p:txBody>
       </p:sp>
       <p:sp>
         <p:nvSpPr>
           <p:cNvPr id="56" name="Google Shape;56;p9"/>
-          <p:cNvSpPr txBox="1"/>
+          <p:cNvSpPr txBox="1">
+            <a:spLocks noGrp="1"/>
+          </p:cNvSpPr>
           <p:nvPr>
-            <p:ph idx="1" type="body"/>
+            <p:ph type="body" idx="1"/>
           </p:nvPr>
         </p:nvSpPr>
         <p:spPr>
@@ -7855,11 +8080,11 @@
           </a:ln>
         </p:spPr>
         <p:txBody>
-          <a:bodyPr anchorCtr="0" anchor="t" bIns="45700" lIns="91425" spcFirstLastPara="1" rIns="91425" wrap="square" tIns="45700">
+          <a:bodyPr spcFirstLastPara="1" wrap="square" lIns="91425" tIns="45700" rIns="91425" bIns="45700" anchor="t" anchorCtr="0">
             <a:noAutofit/>
           </a:bodyPr>
           <a:lstStyle>
-            <a:lvl1pPr indent="-431800" lvl="0" marL="457200" algn="l">
+            <a:lvl1pPr marL="457200" lvl="0" indent="-431800" algn="l">
               <a:spcBef>
                 <a:spcPts val="640"/>
               </a:spcBef>
@@ -7873,7 +8098,7 @@
               <a:buChar char="•"/>
               <a:defRPr sz="3200"/>
             </a:lvl1pPr>
-            <a:lvl2pPr indent="-406400" lvl="1" marL="914400" algn="l">
+            <a:lvl2pPr marL="914400" lvl="1" indent="-406400" algn="l">
               <a:spcBef>
                 <a:spcPts val="560"/>
               </a:spcBef>
@@ -7887,7 +8112,7 @@
               <a:buChar char="–"/>
               <a:defRPr sz="2800"/>
             </a:lvl2pPr>
-            <a:lvl3pPr indent="-381000" lvl="2" marL="1371600" algn="l">
+            <a:lvl3pPr marL="1371600" lvl="2" indent="-381000" algn="l">
               <a:spcBef>
                 <a:spcPts val="480"/>
               </a:spcBef>
@@ -7901,7 +8126,7 @@
               <a:buChar char="•"/>
               <a:defRPr sz="2400"/>
             </a:lvl3pPr>
-            <a:lvl4pPr indent="-355600" lvl="3" marL="1828800" algn="l">
+            <a:lvl4pPr marL="1828800" lvl="3" indent="-355600" algn="l">
               <a:spcBef>
                 <a:spcPts val="400"/>
               </a:spcBef>
@@ -7915,7 +8140,7 @@
               <a:buChar char="–"/>
               <a:defRPr sz="2000"/>
             </a:lvl4pPr>
-            <a:lvl5pPr indent="-355600" lvl="4" marL="2286000" algn="l">
+            <a:lvl5pPr marL="2286000" lvl="4" indent="-355600" algn="l">
               <a:spcBef>
                 <a:spcPts val="400"/>
               </a:spcBef>
@@ -7929,7 +8154,7 @@
               <a:buChar char="»"/>
               <a:defRPr sz="2000"/>
             </a:lvl5pPr>
-            <a:lvl6pPr indent="-355600" lvl="5" marL="2743200" algn="l">
+            <a:lvl6pPr marL="2743200" lvl="5" indent="-355600" algn="l">
               <a:spcBef>
                 <a:spcPts val="400"/>
               </a:spcBef>
@@ -7943,7 +8168,7 @@
               <a:buChar char="•"/>
               <a:defRPr sz="2000"/>
             </a:lvl6pPr>
-            <a:lvl7pPr indent="-355600" lvl="6" marL="3200400" algn="l">
+            <a:lvl7pPr marL="3200400" lvl="6" indent="-355600" algn="l">
               <a:spcBef>
                 <a:spcPts val="400"/>
               </a:spcBef>
@@ -7957,7 +8182,7 @@
               <a:buChar char="•"/>
               <a:defRPr sz="2000"/>
             </a:lvl7pPr>
-            <a:lvl8pPr indent="-355600" lvl="7" marL="3657600" algn="l">
+            <a:lvl8pPr marL="3657600" lvl="7" indent="-355600" algn="l">
               <a:spcBef>
                 <a:spcPts val="400"/>
               </a:spcBef>
@@ -7971,7 +8196,7 @@
               <a:buChar char="•"/>
               <a:defRPr sz="2000"/>
             </a:lvl8pPr>
-            <a:lvl9pPr indent="-355600" lvl="8" marL="4114800" algn="l">
+            <a:lvl9pPr marL="4114800" lvl="8" indent="-355600" algn="l">
               <a:spcBef>
                 <a:spcPts val="400"/>
               </a:spcBef>
@@ -7986,15 +8211,19 @@
               <a:defRPr sz="2000"/>
             </a:lvl9pPr>
           </a:lstStyle>
-          <a:p/>
+          <a:p>
+            <a:endParaRPr/>
+          </a:p>
         </p:txBody>
       </p:sp>
       <p:sp>
         <p:nvSpPr>
           <p:cNvPr id="57" name="Google Shape;57;p9"/>
-          <p:cNvSpPr txBox="1"/>
+          <p:cNvSpPr txBox="1">
+            <a:spLocks noGrp="1"/>
+          </p:cNvSpPr>
           <p:nvPr>
-            <p:ph idx="2" type="body"/>
+            <p:ph type="body" idx="2"/>
           </p:nvPr>
         </p:nvSpPr>
         <p:spPr>
@@ -8011,11 +8240,11 @@
           </a:ln>
         </p:spPr>
         <p:txBody>
-          <a:bodyPr anchorCtr="0" anchor="t" bIns="45700" lIns="91425" spcFirstLastPara="1" rIns="91425" wrap="square" tIns="45700">
+          <a:bodyPr spcFirstLastPara="1" wrap="square" lIns="91425" tIns="45700" rIns="91425" bIns="45700" anchor="t" anchorCtr="0">
             <a:noAutofit/>
           </a:bodyPr>
           <a:lstStyle>
-            <a:lvl1pPr indent="-228600" lvl="0" marL="457200" algn="l">
+            <a:lvl1pPr marL="457200" lvl="0" indent="-228600" algn="l">
               <a:spcBef>
                 <a:spcPts val="280"/>
               </a:spcBef>
@@ -8029,7 +8258,7 @@
               <a:buNone/>
               <a:defRPr sz="1400"/>
             </a:lvl1pPr>
-            <a:lvl2pPr indent="-228600" lvl="1" marL="914400" algn="l">
+            <a:lvl2pPr marL="914400" lvl="1" indent="-228600" algn="l">
               <a:spcBef>
                 <a:spcPts val="240"/>
               </a:spcBef>
@@ -8043,7 +8272,7 @@
               <a:buNone/>
               <a:defRPr sz="1200"/>
             </a:lvl2pPr>
-            <a:lvl3pPr indent="-228600" lvl="2" marL="1371600" algn="l">
+            <a:lvl3pPr marL="1371600" lvl="2" indent="-228600" algn="l">
               <a:spcBef>
                 <a:spcPts val="200"/>
               </a:spcBef>
@@ -8057,7 +8286,7 @@
               <a:buNone/>
               <a:defRPr sz="1000"/>
             </a:lvl3pPr>
-            <a:lvl4pPr indent="-228600" lvl="3" marL="1828800" algn="l">
+            <a:lvl4pPr marL="1828800" lvl="3" indent="-228600" algn="l">
               <a:spcBef>
                 <a:spcPts val="180"/>
               </a:spcBef>
@@ -8071,7 +8300,7 @@
               <a:buNone/>
               <a:defRPr sz="900"/>
             </a:lvl4pPr>
-            <a:lvl5pPr indent="-228600" lvl="4" marL="2286000" algn="l">
+            <a:lvl5pPr marL="2286000" lvl="4" indent="-228600" algn="l">
               <a:spcBef>
                 <a:spcPts val="180"/>
               </a:spcBef>
@@ -8085,7 +8314,7 @@
               <a:buNone/>
               <a:defRPr sz="900"/>
             </a:lvl5pPr>
-            <a:lvl6pPr indent="-228600" lvl="5" marL="2743200" algn="l">
+            <a:lvl6pPr marL="2743200" lvl="5" indent="-228600" algn="l">
               <a:spcBef>
                 <a:spcPts val="180"/>
               </a:spcBef>
@@ -8099,7 +8328,7 @@
               <a:buNone/>
               <a:defRPr sz="900"/>
             </a:lvl6pPr>
-            <a:lvl7pPr indent="-228600" lvl="6" marL="3200400" algn="l">
+            <a:lvl7pPr marL="3200400" lvl="6" indent="-228600" algn="l">
               <a:spcBef>
                 <a:spcPts val="180"/>
               </a:spcBef>
@@ -8113,7 +8342,7 @@
               <a:buNone/>
               <a:defRPr sz="900"/>
             </a:lvl7pPr>
-            <a:lvl8pPr indent="-228600" lvl="7" marL="3657600" algn="l">
+            <a:lvl8pPr marL="3657600" lvl="7" indent="-228600" algn="l">
               <a:spcBef>
                 <a:spcPts val="180"/>
               </a:spcBef>
@@ -8127,7 +8356,7 @@
               <a:buNone/>
               <a:defRPr sz="900"/>
             </a:lvl8pPr>
-            <a:lvl9pPr indent="-228600" lvl="8" marL="4114800" algn="l">
+            <a:lvl9pPr marL="4114800" lvl="8" indent="-228600" algn="l">
               <a:spcBef>
                 <a:spcPts val="180"/>
               </a:spcBef>
@@ -8142,15 +8371,19 @@
               <a:defRPr sz="900"/>
             </a:lvl9pPr>
           </a:lstStyle>
-          <a:p/>
+          <a:p>
+            <a:endParaRPr/>
+          </a:p>
         </p:txBody>
       </p:sp>
       <p:sp>
         <p:nvSpPr>
           <p:cNvPr id="58" name="Google Shape;58;p9"/>
-          <p:cNvSpPr txBox="1"/>
+          <p:cNvSpPr txBox="1">
+            <a:spLocks noGrp="1"/>
+          </p:cNvSpPr>
           <p:nvPr>
-            <p:ph idx="10" type="dt"/>
+            <p:ph type="dt" idx="10"/>
           </p:nvPr>
         </p:nvSpPr>
         <p:spPr>
@@ -8167,7 +8400,7 @@
           </a:ln>
         </p:spPr>
         <p:txBody>
-          <a:bodyPr anchorCtr="0" anchor="ctr" bIns="45700" lIns="91425" spcFirstLastPara="1" rIns="91425" wrap="square" tIns="45700">
+          <a:bodyPr spcFirstLastPara="1" wrap="square" lIns="91425" tIns="45700" rIns="91425" bIns="45700" anchor="ctr" anchorCtr="0">
             <a:noAutofit/>
           </a:bodyPr>
           <a:lstStyle>
@@ -8271,15 +8504,19 @@
               <a:defRPr/>
             </a:lvl9pPr>
           </a:lstStyle>
-          <a:p/>
+          <a:p>
+            <a:endParaRPr/>
+          </a:p>
         </p:txBody>
       </p:sp>
       <p:sp>
         <p:nvSpPr>
           <p:cNvPr id="59" name="Google Shape;59;p9"/>
-          <p:cNvSpPr txBox="1"/>
+          <p:cNvSpPr txBox="1">
+            <a:spLocks noGrp="1"/>
+          </p:cNvSpPr>
           <p:nvPr>
-            <p:ph idx="11" type="ftr"/>
+            <p:ph type="ftr" idx="11"/>
           </p:nvPr>
         </p:nvSpPr>
         <p:spPr>
@@ -8296,7 +8533,7 @@
           </a:ln>
         </p:spPr>
         <p:txBody>
-          <a:bodyPr anchorCtr="0" anchor="ctr" bIns="45700" lIns="91425" spcFirstLastPara="1" rIns="91425" wrap="square" tIns="45700">
+          <a:bodyPr spcFirstLastPara="1" wrap="square" lIns="91425" tIns="45700" rIns="91425" bIns="45700" anchor="ctr" anchorCtr="0">
             <a:noAutofit/>
           </a:bodyPr>
           <a:lstStyle>
@@ -8400,15 +8637,19 @@
               <a:defRPr/>
             </a:lvl9pPr>
           </a:lstStyle>
-          <a:p/>
+          <a:p>
+            <a:endParaRPr/>
+          </a:p>
         </p:txBody>
       </p:sp>
       <p:sp>
         <p:nvSpPr>
           <p:cNvPr id="60" name="Google Shape;60;p9"/>
-          <p:cNvSpPr txBox="1"/>
+          <p:cNvSpPr txBox="1">
+            <a:spLocks noGrp="1"/>
+          </p:cNvSpPr>
           <p:nvPr>
-            <p:ph idx="12" type="sldNum"/>
+            <p:ph type="sldNum" idx="12"/>
           </p:nvPr>
         </p:nvSpPr>
         <p:spPr>
@@ -8425,67 +8666,67 @@
           </a:ln>
         </p:spPr>
         <p:txBody>
-          <a:bodyPr anchorCtr="0" anchor="ctr" bIns="45700" lIns="91425" spcFirstLastPara="1" rIns="91425" wrap="square" tIns="45700">
+          <a:bodyPr spcFirstLastPara="1" wrap="square" lIns="91425" tIns="45700" rIns="91425" bIns="45700" anchor="ctr" anchorCtr="0">
             <a:noAutofit/>
           </a:bodyPr>
           <a:lstStyle>
-            <a:lvl1pPr indent="0" lvl="0" marL="0" algn="r">
+            <a:lvl1pPr marL="0" lvl="0" indent="0" algn="r">
               <a:spcBef>
                 <a:spcPts val="0"/>
               </a:spcBef>
               <a:buNone/>
               <a:defRPr/>
             </a:lvl1pPr>
-            <a:lvl2pPr indent="0" lvl="1" marL="0" algn="r">
+            <a:lvl2pPr marL="0" lvl="1" indent="0" algn="r">
               <a:spcBef>
                 <a:spcPts val="0"/>
               </a:spcBef>
               <a:buNone/>
               <a:defRPr/>
             </a:lvl2pPr>
-            <a:lvl3pPr indent="0" lvl="2" marL="0" algn="r">
+            <a:lvl3pPr marL="0" lvl="2" indent="0" algn="r">
               <a:spcBef>
                 <a:spcPts val="0"/>
               </a:spcBef>
               <a:buNone/>
               <a:defRPr/>
             </a:lvl3pPr>
-            <a:lvl4pPr indent="0" lvl="3" marL="0" algn="r">
+            <a:lvl4pPr marL="0" lvl="3" indent="0" algn="r">
               <a:spcBef>
                 <a:spcPts val="0"/>
               </a:spcBef>
               <a:buNone/>
               <a:defRPr/>
             </a:lvl4pPr>
-            <a:lvl5pPr indent="0" lvl="4" marL="0" algn="r">
+            <a:lvl5pPr marL="0" lvl="4" indent="0" algn="r">
               <a:spcBef>
                 <a:spcPts val="0"/>
               </a:spcBef>
               <a:buNone/>
               <a:defRPr/>
             </a:lvl5pPr>
-            <a:lvl6pPr indent="0" lvl="5" marL="0" algn="r">
+            <a:lvl6pPr marL="0" lvl="5" indent="0" algn="r">
               <a:spcBef>
                 <a:spcPts val="0"/>
               </a:spcBef>
               <a:buNone/>
               <a:defRPr/>
             </a:lvl6pPr>
-            <a:lvl7pPr indent="0" lvl="6" marL="0" algn="r">
+            <a:lvl7pPr marL="0" lvl="6" indent="0" algn="r">
               <a:spcBef>
                 <a:spcPts val="0"/>
               </a:spcBef>
               <a:buNone/>
               <a:defRPr/>
             </a:lvl7pPr>
-            <a:lvl8pPr indent="0" lvl="7" marL="0" algn="r">
+            <a:lvl8pPr marL="0" lvl="7" indent="0" algn="r">
               <a:spcBef>
                 <a:spcPts val="0"/>
               </a:spcBef>
               <a:buNone/>
               <a:defRPr/>
             </a:lvl8pPr>
-            <a:lvl9pPr indent="0" lvl="8" marL="0" algn="r">
+            <a:lvl9pPr marL="0" lvl="8" indent="0" algn="r">
               <a:spcBef>
                 <a:spcPts val="0"/>
               </a:spcBef>
@@ -8494,7 +8735,7 @@
             </a:lvl9pPr>
           </a:lstStyle>
           <a:p>
-            <a:pPr indent="0" lvl="0" marL="0" rtl="0" algn="r">
+            <a:pPr marL="0" lvl="0" indent="0" algn="r" rtl="0">
               <a:spcBef>
                 <a:spcPts val="0"/>
               </a:spcBef>
@@ -8520,11 +8761,11 @@
 </file>
 
 <file path=ppt/slideLayouts/slideLayout9.xml><?xml version="1.0" encoding="utf-8"?>
-<p:sldLayout xmlns:a="http://schemas.openxmlformats.org/drawingml/2006/main" xmlns:r="http://schemas.openxmlformats.org/officeDocument/2006/relationships" xmlns:mc="http://schemas.openxmlformats.org/markup-compatibility/2006" xmlns:mv="urn:schemas-microsoft-com:mac:vml" xmlns:p="http://schemas.openxmlformats.org/presentationml/2006/main" xmlns:c="http://schemas.openxmlformats.org/drawingml/2006/chart" xmlns:dgm="http://schemas.openxmlformats.org/drawingml/2006/diagram" xmlns:o="urn:schemas-microsoft-com:office:office" xmlns:v="urn:schemas-microsoft-com:vml" xmlns:pvml="urn:schemas-microsoft-com:office:powerpoint" xmlns:com="http://schemas.openxmlformats.org/drawingml/2006/compatibility" xmlns:p14="http://schemas.microsoft.com/office/powerpoint/2010/main" xmlns:p15="http://schemas.microsoft.com/office/powerpoint/2012/main" xmlns:ahyp="http://schemas.microsoft.com/office/drawing/2018/hyperlinkcolor" matchingName="Picture with Caption" type="picTx">
+<p:sldLayout xmlns:a="http://schemas.openxmlformats.org/drawingml/2006/main" xmlns:r="http://schemas.openxmlformats.org/officeDocument/2006/relationships" xmlns:p="http://schemas.openxmlformats.org/presentationml/2006/main" matchingName="Picture with Caption" type="picTx">
   <p:cSld name="PICTURE_WITH_CAPTION_TEXT">
     <p:spTree>
       <p:nvGrpSpPr>
-        <p:cNvPr id="61" name="Shape 61"/>
+        <p:cNvPr id="1" name="Shape 61"/>
         <p:cNvGrpSpPr/>
         <p:nvPr/>
       </p:nvGrpSpPr>
@@ -8539,7 +8780,9 @@
       <p:sp>
         <p:nvSpPr>
           <p:cNvPr id="62" name="Google Shape;62;p10"/>
-          <p:cNvSpPr txBox="1"/>
+          <p:cNvSpPr txBox="1">
+            <a:spLocks noGrp="1"/>
+          </p:cNvSpPr>
           <p:nvPr>
             <p:ph type="title"/>
           </p:nvPr>
@@ -8558,7 +8801,7 @@
           </a:ln>
         </p:spPr>
         <p:txBody>
-          <a:bodyPr anchorCtr="0" anchor="b" bIns="45700" lIns="91425" spcFirstLastPara="1" rIns="91425" wrap="square" tIns="45700">
+          <a:bodyPr spcFirstLastPara="1" wrap="square" lIns="91425" tIns="45700" rIns="91425" bIns="45700" anchor="b" anchorCtr="0">
             <a:noAutofit/>
           </a:bodyPr>
           <a:lstStyle>
@@ -8575,7 +8818,7 @@
               <a:buSzPts val="2000"/>
               <a:buFont typeface="Calibri"/>
               <a:buNone/>
-              <a:defRPr b="1" sz="2000"/>
+              <a:defRPr sz="2000" b="1"/>
             </a:lvl1pPr>
             <a:lvl2pPr lvl="1">
               <a:spcBef>
@@ -8666,15 +8909,19 @@
               <a:defRPr/>
             </a:lvl9pPr>
           </a:lstStyle>
-          <a:p/>
+          <a:p>
+            <a:endParaRPr/>
+          </a:p>
         </p:txBody>
       </p:sp>
       <p:sp>
         <p:nvSpPr>
           <p:cNvPr id="63" name="Google Shape;63;p10"/>
-          <p:cNvSpPr/>
+          <p:cNvSpPr>
+            <a:spLocks noGrp="1"/>
+          </p:cNvSpPr>
           <p:nvPr>
-            <p:ph idx="2" type="pic"/>
+            <p:ph type="pic" idx="2"/>
           </p:nvPr>
         </p:nvSpPr>
         <p:spPr>
@@ -8691,11 +8938,11 @@
           </a:ln>
         </p:spPr>
         <p:txBody>
-          <a:bodyPr anchorCtr="0" anchor="t" bIns="45700" lIns="91425" spcFirstLastPara="1" rIns="91425" wrap="square" tIns="45700">
+          <a:bodyPr spcFirstLastPara="1" wrap="square" lIns="91425" tIns="45700" rIns="91425" bIns="45700" anchor="t" anchorCtr="0">
             <a:noAutofit/>
           </a:bodyPr>
           <a:lstStyle>
-            <a:lvl1pPr lvl="0" marR="0" rtl="0" algn="l">
+            <a:lvl1pPr marR="0" lvl="0" algn="l" rtl="0">
               <a:spcBef>
                 <a:spcPts val="640"/>
               </a:spcBef>
@@ -8708,7 +8955,7 @@
               <a:buSzPts val="3200"/>
               <a:buFont typeface="Arial"/>
               <a:buNone/>
-              <a:defRPr b="0" i="0" sz="3200" u="none" cap="none" strike="noStrike">
+              <a:defRPr sz="3200" b="0" i="0" u="none" strike="noStrike" cap="none">
                 <a:solidFill>
                   <a:schemeClr val="dk1"/>
                 </a:solidFill>
@@ -8718,7 +8965,7 @@
                 <a:sym typeface="Calibri"/>
               </a:defRPr>
             </a:lvl1pPr>
-            <a:lvl2pPr lvl="1" marR="0" rtl="0" algn="l">
+            <a:lvl2pPr marR="0" lvl="1" algn="l" rtl="0">
               <a:spcBef>
                 <a:spcPts val="560"/>
               </a:spcBef>
@@ -8731,7 +8978,7 @@
               <a:buSzPts val="2800"/>
               <a:buFont typeface="Arial"/>
               <a:buNone/>
-              <a:defRPr b="0" i="0" sz="2800" u="none" cap="none" strike="noStrike">
+              <a:defRPr sz="2800" b="0" i="0" u="none" strike="noStrike" cap="none">
                 <a:solidFill>
                   <a:schemeClr val="dk1"/>
                 </a:solidFill>
@@ -8741,7 +8988,7 @@
                 <a:sym typeface="Calibri"/>
               </a:defRPr>
             </a:lvl2pPr>
-            <a:lvl3pPr lvl="2" marR="0" rtl="0" algn="l">
+            <a:lvl3pPr marR="0" lvl="2" algn="l" rtl="0">
               <a:spcBef>
                 <a:spcPts val="480"/>
               </a:spcBef>
@@ -8754,7 +9001,7 @@
               <a:buSzPts val="2400"/>
               <a:buFont typeface="Arial"/>
               <a:buNone/>
-              <a:defRPr b="0" i="0" sz="2400" u="none" cap="none" strike="noStrike">
+              <a:defRPr sz="2400" b="0" i="0" u="none" strike="noStrike" cap="none">
                 <a:solidFill>
                   <a:schemeClr val="dk1"/>
                 </a:solidFill>
@@ -8764,7 +9011,7 @@
                 <a:sym typeface="Calibri"/>
               </a:defRPr>
             </a:lvl3pPr>
-            <a:lvl4pPr lvl="3" marR="0" rtl="0" algn="l">
+            <a:lvl4pPr marR="0" lvl="3" algn="l" rtl="0">
               <a:spcBef>
                 <a:spcPts val="400"/>
               </a:spcBef>
@@ -8777,7 +9024,7 @@
               <a:buSzPts val="2000"/>
               <a:buFont typeface="Arial"/>
               <a:buNone/>
-              <a:defRPr b="0" i="0" sz="2000" u="none" cap="none" strike="noStrike">
+              <a:defRPr sz="2000" b="0" i="0" u="none" strike="noStrike" cap="none">
                 <a:solidFill>
                   <a:schemeClr val="dk1"/>
                 </a:solidFill>
@@ -8787,7 +9034,7 @@
                 <a:sym typeface="Calibri"/>
               </a:defRPr>
             </a:lvl4pPr>
-            <a:lvl5pPr lvl="4" marR="0" rtl="0" algn="l">
+            <a:lvl5pPr marR="0" lvl="4" algn="l" rtl="0">
               <a:spcBef>
                 <a:spcPts val="400"/>
               </a:spcBef>
@@ -8800,7 +9047,7 @@
               <a:buSzPts val="2000"/>
               <a:buFont typeface="Arial"/>
               <a:buNone/>
-              <a:defRPr b="0" i="0" sz="2000" u="none" cap="none" strike="noStrike">
+              <a:defRPr sz="2000" b="0" i="0" u="none" strike="noStrike" cap="none">
                 <a:solidFill>
                   <a:schemeClr val="dk1"/>
                 </a:solidFill>
@@ -8810,7 +9057,7 @@
                 <a:sym typeface="Calibri"/>
               </a:defRPr>
             </a:lvl5pPr>
-            <a:lvl6pPr lvl="5" marR="0" rtl="0" algn="l">
+            <a:lvl6pPr marR="0" lvl="5" algn="l" rtl="0">
               <a:spcBef>
                 <a:spcPts val="400"/>
               </a:spcBef>
@@ -8823,7 +9070,7 @@
               <a:buSzPts val="2000"/>
               <a:buFont typeface="Arial"/>
               <a:buNone/>
-              <a:defRPr b="0" i="0" sz="2000" u="none" cap="none" strike="noStrike">
+              <a:defRPr sz="2000" b="0" i="0" u="none" strike="noStrike" cap="none">
                 <a:solidFill>
                   <a:schemeClr val="dk1"/>
                 </a:solidFill>
@@ -8833,7 +9080,7 @@
                 <a:sym typeface="Calibri"/>
               </a:defRPr>
             </a:lvl6pPr>
-            <a:lvl7pPr lvl="6" marR="0" rtl="0" algn="l">
+            <a:lvl7pPr marR="0" lvl="6" algn="l" rtl="0">
               <a:spcBef>
                 <a:spcPts val="400"/>
               </a:spcBef>
@@ -8846,7 +9093,7 @@
               <a:buSzPts val="2000"/>
               <a:buFont typeface="Arial"/>
               <a:buNone/>
-              <a:defRPr b="0" i="0" sz="2000" u="none" cap="none" strike="noStrike">
+              <a:defRPr sz="2000" b="0" i="0" u="none" strike="noStrike" cap="none">
                 <a:solidFill>
                   <a:schemeClr val="dk1"/>
                 </a:solidFill>
@@ -8856,7 +9103,7 @@
                 <a:sym typeface="Calibri"/>
               </a:defRPr>
             </a:lvl7pPr>
-            <a:lvl8pPr lvl="7" marR="0" rtl="0" algn="l">
+            <a:lvl8pPr marR="0" lvl="7" algn="l" rtl="0">
               <a:spcBef>
                 <a:spcPts val="400"/>
               </a:spcBef>
@@ -8869,7 +9116,7 @@
               <a:buSzPts val="2000"/>
               <a:buFont typeface="Arial"/>
               <a:buNone/>
-              <a:defRPr b="0" i="0" sz="2000" u="none" cap="none" strike="noStrike">
+              <a:defRPr sz="2000" b="0" i="0" u="none" strike="noStrike" cap="none">
                 <a:solidFill>
                   <a:schemeClr val="dk1"/>
                 </a:solidFill>
@@ -8879,7 +9126,7 @@
                 <a:sym typeface="Calibri"/>
               </a:defRPr>
             </a:lvl8pPr>
-            <a:lvl9pPr lvl="8" marR="0" rtl="0" algn="l">
+            <a:lvl9pPr marR="0" lvl="8" algn="l" rtl="0">
               <a:spcBef>
                 <a:spcPts val="400"/>
               </a:spcBef>
@@ -8892,7 +9139,7 @@
               <a:buSzPts val="2000"/>
               <a:buFont typeface="Arial"/>
               <a:buNone/>
-              <a:defRPr b="0" i="0" sz="2000" u="none" cap="none" strike="noStrike">
+              <a:defRPr sz="2000" b="0" i="0" u="none" strike="noStrike" cap="none">
                 <a:solidFill>
                   <a:schemeClr val="dk1"/>
                 </a:solidFill>
@@ -8903,15 +9150,19 @@
               </a:defRPr>
             </a:lvl9pPr>
           </a:lstStyle>
-          <a:p/>
+          <a:p>
+            <a:endParaRPr/>
+          </a:p>
         </p:txBody>
       </p:sp>
       <p:sp>
         <p:nvSpPr>
           <p:cNvPr id="64" name="Google Shape;64;p10"/>
-          <p:cNvSpPr txBox="1"/>
+          <p:cNvSpPr txBox="1">
+            <a:spLocks noGrp="1"/>
+          </p:cNvSpPr>
           <p:nvPr>
-            <p:ph idx="1" type="body"/>
+            <p:ph type="body" idx="1"/>
           </p:nvPr>
         </p:nvSpPr>
         <p:spPr>
@@ -8928,11 +9179,11 @@
           </a:ln>
         </p:spPr>
         <p:txBody>
-          <a:bodyPr anchorCtr="0" anchor="t" bIns="45700" lIns="91425" spcFirstLastPara="1" rIns="91425" wrap="square" tIns="45700">
+          <a:bodyPr spcFirstLastPara="1" wrap="square" lIns="91425" tIns="45700" rIns="91425" bIns="45700" anchor="t" anchorCtr="0">
             <a:noAutofit/>
           </a:bodyPr>
           <a:lstStyle>
-            <a:lvl1pPr indent="-228600" lvl="0" marL="457200" algn="l">
+            <a:lvl1pPr marL="457200" lvl="0" indent="-228600" algn="l">
               <a:spcBef>
                 <a:spcPts val="280"/>
               </a:spcBef>
@@ -8946,7 +9197,7 @@
               <a:buNone/>
               <a:defRPr sz="1400"/>
             </a:lvl1pPr>
-            <a:lvl2pPr indent="-228600" lvl="1" marL="914400" algn="l">
+            <a:lvl2pPr marL="914400" lvl="1" indent="-228600" algn="l">
               <a:spcBef>
                 <a:spcPts val="240"/>
               </a:spcBef>
@@ -8960,7 +9211,7 @@
               <a:buNone/>
               <a:defRPr sz="1200"/>
             </a:lvl2pPr>
-            <a:lvl3pPr indent="-228600" lvl="2" marL="1371600" algn="l">
+            <a:lvl3pPr marL="1371600" lvl="2" indent="-228600" algn="l">
               <a:spcBef>
                 <a:spcPts val="200"/>
               </a:spcBef>
@@ -8974,7 +9225,7 @@
               <a:buNone/>
               <a:defRPr sz="1000"/>
             </a:lvl3pPr>
-            <a:lvl4pPr indent="-228600" lvl="3" marL="1828800" algn="l">
+            <a:lvl4pPr marL="1828800" lvl="3" indent="-228600" algn="l">
               <a:spcBef>
                 <a:spcPts val="180"/>
               </a:spcBef>
@@ -8988,7 +9239,7 @@
               <a:buNone/>
               <a:defRPr sz="900"/>
             </a:lvl4pPr>
-            <a:lvl5pPr indent="-228600" lvl="4" marL="2286000" algn="l">
+            <a:lvl5pPr marL="2286000" lvl="4" indent="-228600" algn="l">
               <a:spcBef>
                 <a:spcPts val="180"/>
               </a:spcBef>
@@ -9002,7 +9253,7 @@
               <a:buNone/>
               <a:defRPr sz="900"/>
             </a:lvl5pPr>
-            <a:lvl6pPr indent="-228600" lvl="5" marL="2743200" algn="l">
+            <a:lvl6pPr marL="2743200" lvl="5" indent="-228600" algn="l">
               <a:spcBef>
                 <a:spcPts val="180"/>
               </a:spcBef>
@@ -9016,7 +9267,7 @@
               <a:buNone/>
               <a:defRPr sz="900"/>
             </a:lvl6pPr>
-            <a:lvl7pPr indent="-228600" lvl="6" marL="3200400" algn="l">
+            <a:lvl7pPr marL="3200400" lvl="6" indent="-228600" algn="l">
               <a:spcBef>
                 <a:spcPts val="180"/>
               </a:spcBef>
@@ -9030,7 +9281,7 @@
               <a:buNone/>
               <a:defRPr sz="900"/>
             </a:lvl7pPr>
-            <a:lvl8pPr indent="-228600" lvl="7" marL="3657600" algn="l">
+            <a:lvl8pPr marL="3657600" lvl="7" indent="-228600" algn="l">
               <a:spcBef>
                 <a:spcPts val="180"/>
               </a:spcBef>
@@ -9044,7 +9295,7 @@
               <a:buNone/>
               <a:defRPr sz="900"/>
             </a:lvl8pPr>
-            <a:lvl9pPr indent="-228600" lvl="8" marL="4114800" algn="l">
+            <a:lvl9pPr marL="4114800" lvl="8" indent="-228600" algn="l">
               <a:spcBef>
                 <a:spcPts val="180"/>
               </a:spcBef>
@@ -9059,15 +9310,19 @@
               <a:defRPr sz="900"/>
             </a:lvl9pPr>
           </a:lstStyle>
-          <a:p/>
+          <a:p>
+            <a:endParaRPr/>
+          </a:p>
         </p:txBody>
       </p:sp>
       <p:sp>
         <p:nvSpPr>
           <p:cNvPr id="65" name="Google Shape;65;p10"/>
-          <p:cNvSpPr txBox="1"/>
+          <p:cNvSpPr txBox="1">
+            <a:spLocks noGrp="1"/>
+          </p:cNvSpPr>
           <p:nvPr>
-            <p:ph idx="10" type="dt"/>
+            <p:ph type="dt" idx="10"/>
           </p:nvPr>
         </p:nvSpPr>
         <p:spPr>
@@ -9084,7 +9339,7 @@
           </a:ln>
         </p:spPr>
         <p:txBody>
-          <a:bodyPr anchorCtr="0" anchor="ctr" bIns="45700" lIns="91425" spcFirstLastPara="1" rIns="91425" wrap="square" tIns="45700">
+          <a:bodyPr spcFirstLastPara="1" wrap="square" lIns="91425" tIns="45700" rIns="91425" bIns="45700" anchor="ctr" anchorCtr="0">
             <a:noAutofit/>
           </a:bodyPr>
           <a:lstStyle>
@@ -9188,15 +9443,19 @@
               <a:defRPr/>
             </a:lvl9pPr>
           </a:lstStyle>
-          <a:p/>
+          <a:p>
+            <a:endParaRPr/>
+          </a:p>
         </p:txBody>
       </p:sp>
       <p:sp>
         <p:nvSpPr>
           <p:cNvPr id="66" name="Google Shape;66;p10"/>
-          <p:cNvSpPr txBox="1"/>
+          <p:cNvSpPr txBox="1">
+            <a:spLocks noGrp="1"/>
+          </p:cNvSpPr>
           <p:nvPr>
-            <p:ph idx="11" type="ftr"/>
+            <p:ph type="ftr" idx="11"/>
           </p:nvPr>
         </p:nvSpPr>
         <p:spPr>
@@ -9213,7 +9472,7 @@
           </a:ln>
         </p:spPr>
         <p:txBody>
-          <a:bodyPr anchorCtr="0" anchor="ctr" bIns="45700" lIns="91425" spcFirstLastPara="1" rIns="91425" wrap="square" tIns="45700">
+          <a:bodyPr spcFirstLastPara="1" wrap="square" lIns="91425" tIns="45700" rIns="91425" bIns="45700" anchor="ctr" anchorCtr="0">
             <a:noAutofit/>
           </a:bodyPr>
           <a:lstStyle>
@@ -9317,15 +9576,19 @@
               <a:defRPr/>
             </a:lvl9pPr>
           </a:lstStyle>
-          <a:p/>
+          <a:p>
+            <a:endParaRPr/>
+          </a:p>
         </p:txBody>
       </p:sp>
       <p:sp>
         <p:nvSpPr>
           <p:cNvPr id="67" name="Google Shape;67;p10"/>
-          <p:cNvSpPr txBox="1"/>
+          <p:cNvSpPr txBox="1">
+            <a:spLocks noGrp="1"/>
+          </p:cNvSpPr>
           <p:nvPr>
-            <p:ph idx="12" type="sldNum"/>
+            <p:ph type="sldNum" idx="12"/>
           </p:nvPr>
         </p:nvSpPr>
         <p:spPr>
@@ -9342,67 +9605,67 @@
           </a:ln>
         </p:spPr>
         <p:txBody>
-          <a:bodyPr anchorCtr="0" anchor="ctr" bIns="45700" lIns="91425" spcFirstLastPara="1" rIns="91425" wrap="square" tIns="45700">
+          <a:bodyPr spcFirstLastPara="1" wrap="square" lIns="91425" tIns="45700" rIns="91425" bIns="45700" anchor="ctr" anchorCtr="0">
             <a:noAutofit/>
           </a:bodyPr>
           <a:lstStyle>
-            <a:lvl1pPr indent="0" lvl="0" marL="0" algn="r">
+            <a:lvl1pPr marL="0" lvl="0" indent="0" algn="r">
               <a:spcBef>
                 <a:spcPts val="0"/>
               </a:spcBef>
               <a:buNone/>
               <a:defRPr/>
             </a:lvl1pPr>
-            <a:lvl2pPr indent="0" lvl="1" marL="0" algn="r">
+            <a:lvl2pPr marL="0" lvl="1" indent="0" algn="r">
               <a:spcBef>
                 <a:spcPts val="0"/>
               </a:spcBef>
               <a:buNone/>
               <a:defRPr/>
             </a:lvl2pPr>
-            <a:lvl3pPr indent="0" lvl="2" marL="0" algn="r">
+            <a:lvl3pPr marL="0" lvl="2" indent="0" algn="r">
               <a:spcBef>
                 <a:spcPts val="0"/>
               </a:spcBef>
               <a:buNone/>
               <a:defRPr/>
             </a:lvl3pPr>
-            <a:lvl4pPr indent="0" lvl="3" marL="0" algn="r">
+            <a:lvl4pPr marL="0" lvl="3" indent="0" algn="r">
               <a:spcBef>
                 <a:spcPts val="0"/>
               </a:spcBef>
               <a:buNone/>
               <a:defRPr/>
             </a:lvl4pPr>
-            <a:lvl5pPr indent="0" lvl="4" marL="0" algn="r">
+            <a:lvl5pPr marL="0" lvl="4" indent="0" algn="r">
               <a:spcBef>
                 <a:spcPts val="0"/>
               </a:spcBef>
               <a:buNone/>
               <a:defRPr/>
             </a:lvl5pPr>
-            <a:lvl6pPr indent="0" lvl="5" marL="0" algn="r">
+            <a:lvl6pPr marL="0" lvl="5" indent="0" algn="r">
               <a:spcBef>
                 <a:spcPts val="0"/>
               </a:spcBef>
               <a:buNone/>
               <a:defRPr/>
             </a:lvl6pPr>
-            <a:lvl7pPr indent="0" lvl="6" marL="0" algn="r">
+            <a:lvl7pPr marL="0" lvl="6" indent="0" algn="r">
               <a:spcBef>
                 <a:spcPts val="0"/>
               </a:spcBef>
               <a:buNone/>
               <a:defRPr/>
             </a:lvl7pPr>
-            <a:lvl8pPr indent="0" lvl="7" marL="0" algn="r">
+            <a:lvl8pPr marL="0" lvl="7" indent="0" algn="r">
               <a:spcBef>
                 <a:spcPts val="0"/>
               </a:spcBef>
               <a:buNone/>
               <a:defRPr/>
             </a:lvl8pPr>
-            <a:lvl9pPr indent="0" lvl="8" marL="0" algn="r">
+            <a:lvl9pPr marL="0" lvl="8" indent="0" algn="r">
               <a:spcBef>
                 <a:spcPts val="0"/>
               </a:spcBef>
@@ -9411,7 +9674,7 @@
             </a:lvl9pPr>
           </a:lstStyle>
           <a:p>
-            <a:pPr indent="0" lvl="0" marL="0" rtl="0" algn="r">
+            <a:pPr marL="0" lvl="0" indent="0" algn="r" rtl="0">
               <a:spcBef>
                 <a:spcPts val="0"/>
               </a:spcBef>
@@ -9437,18 +9700,19 @@
 </file>
 
 <file path=ppt/slideMasters/slideMaster1.xml><?xml version="1.0" encoding="utf-8"?>
-<p:sldMaster xmlns:a="http://schemas.openxmlformats.org/drawingml/2006/main" xmlns:r="http://schemas.openxmlformats.org/officeDocument/2006/relationships" xmlns:mc="http://schemas.openxmlformats.org/markup-compatibility/2006" xmlns:mv="urn:schemas-microsoft-com:mac:vml" xmlns:p="http://schemas.openxmlformats.org/presentationml/2006/main" xmlns:c="http://schemas.openxmlformats.org/drawingml/2006/chart" xmlns:dgm="http://schemas.openxmlformats.org/drawingml/2006/diagram" xmlns:o="urn:schemas-microsoft-com:office:office" xmlns:v="urn:schemas-microsoft-com:vml" xmlns:pvml="urn:schemas-microsoft-com:office:powerpoint" xmlns:com="http://schemas.openxmlformats.org/drawingml/2006/compatibility" xmlns:p14="http://schemas.microsoft.com/office/powerpoint/2010/main" xmlns:p15="http://schemas.microsoft.com/office/powerpoint/2012/main" xmlns:ahyp="http://schemas.microsoft.com/office/drawing/2018/hyperlinkcolor">
+<p:sldMaster xmlns:a="http://schemas.openxmlformats.org/drawingml/2006/main" xmlns:r="http://schemas.openxmlformats.org/officeDocument/2006/relationships" xmlns:p="http://schemas.openxmlformats.org/presentationml/2006/main">
   <p:cSld>
     <p:bg>
       <p:bgPr>
         <a:solidFill>
           <a:schemeClr val="lt1"/>
         </a:solidFill>
+        <a:effectLst/>
       </p:bgPr>
     </p:bg>
     <p:spTree>
       <p:nvGrpSpPr>
-        <p:cNvPr id="5" name="Shape 5"/>
+        <p:cNvPr id="1" name="Shape 5"/>
         <p:cNvGrpSpPr/>
         <p:nvPr/>
       </p:nvGrpSpPr>
@@ -9463,7 +9727,9 @@
       <p:sp>
         <p:nvSpPr>
           <p:cNvPr id="6" name="Google Shape;6;p1"/>
-          <p:cNvSpPr txBox="1"/>
+          <p:cNvSpPr txBox="1">
+            <a:spLocks noGrp="1"/>
+          </p:cNvSpPr>
           <p:nvPr>
             <p:ph type="title"/>
           </p:nvPr>
@@ -9482,11 +9748,11 @@
           </a:ln>
         </p:spPr>
         <p:txBody>
-          <a:bodyPr anchorCtr="0" anchor="ctr" bIns="45700" lIns="91425" spcFirstLastPara="1" rIns="91425" wrap="square" tIns="45700">
+          <a:bodyPr spcFirstLastPara="1" wrap="square" lIns="91425" tIns="45700" rIns="91425" bIns="45700" anchor="ctr" anchorCtr="0">
             <a:noAutofit/>
           </a:bodyPr>
           <a:lstStyle>
-            <a:lvl1pPr lvl="0" marR="0" rtl="0" algn="ctr">
+            <a:lvl1pPr marR="0" lvl="0" algn="ctr" rtl="0">
               <a:spcBef>
                 <a:spcPts val="0"/>
               </a:spcBef>
@@ -9499,7 +9765,7 @@
               <a:buSzPts val="4400"/>
               <a:buFont typeface="Calibri"/>
               <a:buNone/>
-              <a:defRPr b="0" i="0" sz="4400" u="none" cap="none" strike="noStrike">
+              <a:defRPr sz="4400" b="0" i="0" u="none" strike="noStrike" cap="none">
                 <a:solidFill>
                   <a:schemeClr val="dk1"/>
                 </a:solidFill>
@@ -9598,15 +9864,19 @@
               <a:defRPr sz="1800"/>
             </a:lvl9pPr>
           </a:lstStyle>
-          <a:p/>
+          <a:p>
+            <a:endParaRPr/>
+          </a:p>
         </p:txBody>
       </p:sp>
       <p:sp>
         <p:nvSpPr>
           <p:cNvPr id="7" name="Google Shape;7;p1"/>
-          <p:cNvSpPr txBox="1"/>
+          <p:cNvSpPr txBox="1">
+            <a:spLocks noGrp="1"/>
+          </p:cNvSpPr>
           <p:nvPr>
-            <p:ph idx="1" type="body"/>
+            <p:ph type="body" idx="1"/>
           </p:nvPr>
         </p:nvSpPr>
         <p:spPr>
@@ -9623,11 +9893,11 @@
           </a:ln>
         </p:spPr>
         <p:txBody>
-          <a:bodyPr anchorCtr="0" anchor="t" bIns="45700" lIns="91425" spcFirstLastPara="1" rIns="91425" wrap="square" tIns="45700">
+          <a:bodyPr spcFirstLastPara="1" wrap="square" lIns="91425" tIns="45700" rIns="91425" bIns="45700" anchor="t" anchorCtr="0">
             <a:noAutofit/>
           </a:bodyPr>
           <a:lstStyle>
-            <a:lvl1pPr indent="-431800" lvl="0" marL="457200" marR="0" rtl="0" algn="l">
+            <a:lvl1pPr marL="457200" marR="0" lvl="0" indent="-431800" algn="l" rtl="0">
               <a:spcBef>
                 <a:spcPts val="640"/>
               </a:spcBef>
@@ -9640,7 +9910,7 @@
               <a:buSzPts val="3200"/>
               <a:buFont typeface="Arial"/>
               <a:buChar char="•"/>
-              <a:defRPr b="0" i="0" sz="3200" u="none" cap="none" strike="noStrike">
+              <a:defRPr sz="3200" b="0" i="0" u="none" strike="noStrike" cap="none">
                 <a:solidFill>
                   <a:schemeClr val="dk1"/>
                 </a:solidFill>
@@ -9650,7 +9920,7 @@
                 <a:sym typeface="Calibri"/>
               </a:defRPr>
             </a:lvl1pPr>
-            <a:lvl2pPr indent="-406400" lvl="1" marL="914400" marR="0" rtl="0" algn="l">
+            <a:lvl2pPr marL="914400" marR="0" lvl="1" indent="-406400" algn="l" rtl="0">
               <a:spcBef>
                 <a:spcPts val="560"/>
               </a:spcBef>
@@ -9663,7 +9933,7 @@
               <a:buSzPts val="2800"/>
               <a:buFont typeface="Arial"/>
               <a:buChar char="–"/>
-              <a:defRPr b="0" i="0" sz="2800" u="none" cap="none" strike="noStrike">
+              <a:defRPr sz="2800" b="0" i="0" u="none" strike="noStrike" cap="none">
                 <a:solidFill>
                   <a:schemeClr val="dk1"/>
                 </a:solidFill>
@@ -9673,7 +9943,7 @@
                 <a:sym typeface="Calibri"/>
               </a:defRPr>
             </a:lvl2pPr>
-            <a:lvl3pPr indent="-381000" lvl="2" marL="1371600" marR="0" rtl="0" algn="l">
+            <a:lvl3pPr marL="1371600" marR="0" lvl="2" indent="-381000" algn="l" rtl="0">
               <a:spcBef>
                 <a:spcPts val="480"/>
               </a:spcBef>
@@ -9686,7 +9956,7 @@
               <a:buSzPts val="2400"/>
               <a:buFont typeface="Arial"/>
               <a:buChar char="•"/>
-              <a:defRPr b="0" i="0" sz="2400" u="none" cap="none" strike="noStrike">
+              <a:defRPr sz="2400" b="0" i="0" u="none" strike="noStrike" cap="none">
                 <a:solidFill>
                   <a:schemeClr val="dk1"/>
                 </a:solidFill>
@@ -9696,7 +9966,7 @@
                 <a:sym typeface="Calibri"/>
               </a:defRPr>
             </a:lvl3pPr>
-            <a:lvl4pPr indent="-355600" lvl="3" marL="1828800" marR="0" rtl="0" algn="l">
+            <a:lvl4pPr marL="1828800" marR="0" lvl="3" indent="-355600" algn="l" rtl="0">
               <a:spcBef>
                 <a:spcPts val="400"/>
               </a:spcBef>
@@ -9709,7 +9979,7 @@
               <a:buSzPts val="2000"/>
               <a:buFont typeface="Arial"/>
               <a:buChar char="–"/>
-              <a:defRPr b="0" i="0" sz="2000" u="none" cap="none" strike="noStrike">
+              <a:defRPr sz="2000" b="0" i="0" u="none" strike="noStrike" cap="none">
                 <a:solidFill>
                   <a:schemeClr val="dk1"/>
                 </a:solidFill>
@@ -9719,7 +9989,7 @@
                 <a:sym typeface="Calibri"/>
               </a:defRPr>
             </a:lvl4pPr>
-            <a:lvl5pPr indent="-355600" lvl="4" marL="2286000" marR="0" rtl="0" algn="l">
+            <a:lvl5pPr marL="2286000" marR="0" lvl="4" indent="-355600" algn="l" rtl="0">
               <a:spcBef>
                 <a:spcPts val="400"/>
               </a:spcBef>
@@ -9732,7 +10002,7 @@
               <a:buSzPts val="2000"/>
               <a:buFont typeface="Arial"/>
               <a:buChar char="»"/>
-              <a:defRPr b="0" i="0" sz="2000" u="none" cap="none" strike="noStrike">
+              <a:defRPr sz="2000" b="0" i="0" u="none" strike="noStrike" cap="none">
                 <a:solidFill>
                   <a:schemeClr val="dk1"/>
                 </a:solidFill>
@@ -9742,7 +10012,7 @@
                 <a:sym typeface="Calibri"/>
               </a:defRPr>
             </a:lvl5pPr>
-            <a:lvl6pPr indent="-355600" lvl="5" marL="2743200" marR="0" rtl="0" algn="l">
+            <a:lvl6pPr marL="2743200" marR="0" lvl="5" indent="-355600" algn="l" rtl="0">
               <a:spcBef>
                 <a:spcPts val="400"/>
               </a:spcBef>
@@ -9755,7 +10025,7 @@
               <a:buSzPts val="2000"/>
               <a:buFont typeface="Arial"/>
               <a:buChar char="•"/>
-              <a:defRPr b="0" i="0" sz="2000" u="none" cap="none" strike="noStrike">
+              <a:defRPr sz="2000" b="0" i="0" u="none" strike="noStrike" cap="none">
                 <a:solidFill>
                   <a:schemeClr val="dk1"/>
                 </a:solidFill>
@@ -9765,7 +10035,7 @@
                 <a:sym typeface="Calibri"/>
               </a:defRPr>
             </a:lvl6pPr>
-            <a:lvl7pPr indent="-355600" lvl="6" marL="3200400" marR="0" rtl="0" algn="l">
+            <a:lvl7pPr marL="3200400" marR="0" lvl="6" indent="-355600" algn="l" rtl="0">
               <a:spcBef>
                 <a:spcPts val="400"/>
               </a:spcBef>
@@ -9778,7 +10048,7 @@
               <a:buSzPts val="2000"/>
               <a:buFont typeface="Arial"/>
               <a:buChar char="•"/>
-              <a:defRPr b="0" i="0" sz="2000" u="none" cap="none" strike="noStrike">
+              <a:defRPr sz="2000" b="0" i="0" u="none" strike="noStrike" cap="none">
                 <a:solidFill>
                   <a:schemeClr val="dk1"/>
                 </a:solidFill>
@@ -9788,7 +10058,7 @@
                 <a:sym typeface="Calibri"/>
               </a:defRPr>
             </a:lvl7pPr>
-            <a:lvl8pPr indent="-355600" lvl="7" marL="3657600" marR="0" rtl="0" algn="l">
+            <a:lvl8pPr marL="3657600" marR="0" lvl="7" indent="-355600" algn="l" rtl="0">
               <a:spcBef>
                 <a:spcPts val="400"/>
               </a:spcBef>
@@ -9801,7 +10071,7 @@
               <a:buSzPts val="2000"/>
               <a:buFont typeface="Arial"/>
               <a:buChar char="•"/>
-              <a:defRPr b="0" i="0" sz="2000" u="none" cap="none" strike="noStrike">
+              <a:defRPr sz="2000" b="0" i="0" u="none" strike="noStrike" cap="none">
                 <a:solidFill>
                   <a:schemeClr val="dk1"/>
                 </a:solidFill>
@@ -9811,7 +10081,7 @@
                 <a:sym typeface="Calibri"/>
               </a:defRPr>
             </a:lvl8pPr>
-            <a:lvl9pPr indent="-355600" lvl="8" marL="4114800" marR="0" rtl="0" algn="l">
+            <a:lvl9pPr marL="4114800" marR="0" lvl="8" indent="-355600" algn="l" rtl="0">
               <a:spcBef>
                 <a:spcPts val="400"/>
               </a:spcBef>
@@ -9824,7 +10094,7 @@
               <a:buSzPts val="2000"/>
               <a:buFont typeface="Arial"/>
               <a:buChar char="•"/>
-              <a:defRPr b="0" i="0" sz="2000" u="none" cap="none" strike="noStrike">
+              <a:defRPr sz="2000" b="0" i="0" u="none" strike="noStrike" cap="none">
                 <a:solidFill>
                   <a:schemeClr val="dk1"/>
                 </a:solidFill>
@@ -9835,15 +10105,19 @@
               </a:defRPr>
             </a:lvl9pPr>
           </a:lstStyle>
-          <a:p/>
+          <a:p>
+            <a:endParaRPr/>
+          </a:p>
         </p:txBody>
       </p:sp>
       <p:sp>
         <p:nvSpPr>
           <p:cNvPr id="8" name="Google Shape;8;p1"/>
-          <p:cNvSpPr txBox="1"/>
+          <p:cNvSpPr txBox="1">
+            <a:spLocks noGrp="1"/>
+          </p:cNvSpPr>
           <p:nvPr>
-            <p:ph idx="10" type="dt"/>
+            <p:ph type="dt" idx="10"/>
           </p:nvPr>
         </p:nvSpPr>
         <p:spPr>
@@ -9860,20 +10134,20 @@
           </a:ln>
         </p:spPr>
         <p:txBody>
-          <a:bodyPr anchorCtr="0" anchor="ctr" bIns="45700" lIns="91425" spcFirstLastPara="1" rIns="91425" wrap="square" tIns="45700">
+          <a:bodyPr spcFirstLastPara="1" wrap="square" lIns="91425" tIns="45700" rIns="91425" bIns="45700" anchor="ctr" anchorCtr="0">
             <a:noAutofit/>
           </a:bodyPr>
           <a:lstStyle>
-            <a:lvl1pPr lvl="0" marR="0" rtl="0" algn="l">
-              <a:spcBef>
-                <a:spcPts val="0"/>
-              </a:spcBef>
-              <a:spcAft>
-                <a:spcPts val="0"/>
-              </a:spcAft>
-              <a:buSzPts val="1400"/>
-              <a:buNone/>
-              <a:defRPr b="0" i="0" sz="1200" u="none" cap="none" strike="noStrike">
+            <a:lvl1pPr marR="0" lvl="0" algn="l" rtl="0">
+              <a:spcBef>
+                <a:spcPts val="0"/>
+              </a:spcBef>
+              <a:spcAft>
+                <a:spcPts val="0"/>
+              </a:spcAft>
+              <a:buSzPts val="1400"/>
+              <a:buNone/>
+              <a:defRPr sz="1200" b="0" i="0" u="none" strike="noStrike" cap="none">
                 <a:solidFill>
                   <a:srgbClr val="888888"/>
                 </a:solidFill>
@@ -9883,16 +10157,16 @@
                 <a:sym typeface="Calibri"/>
               </a:defRPr>
             </a:lvl1pPr>
-            <a:lvl2pPr lvl="1" marR="0" rtl="0" algn="l">
-              <a:spcBef>
-                <a:spcPts val="0"/>
-              </a:spcBef>
-              <a:spcAft>
-                <a:spcPts val="0"/>
-              </a:spcAft>
-              <a:buSzPts val="1400"/>
-              <a:buNone/>
-              <a:defRPr b="0" i="0" sz="1800" u="none" cap="none" strike="noStrike">
+            <a:lvl2pPr marR="0" lvl="1" algn="l" rtl="0">
+              <a:spcBef>
+                <a:spcPts val="0"/>
+              </a:spcBef>
+              <a:spcAft>
+                <a:spcPts val="0"/>
+              </a:spcAft>
+              <a:buSzPts val="1400"/>
+              <a:buNone/>
+              <a:defRPr sz="1800" b="0" i="0" u="none" strike="noStrike" cap="none">
                 <a:solidFill>
                   <a:schemeClr val="dk1"/>
                 </a:solidFill>
@@ -9902,16 +10176,16 @@
                 <a:sym typeface="Calibri"/>
               </a:defRPr>
             </a:lvl2pPr>
-            <a:lvl3pPr lvl="2" marR="0" rtl="0" algn="l">
-              <a:spcBef>
-                <a:spcPts val="0"/>
-              </a:spcBef>
-              <a:spcAft>
-                <a:spcPts val="0"/>
-              </a:spcAft>
-              <a:buSzPts val="1400"/>
-              <a:buNone/>
-              <a:defRPr b="0" i="0" sz="1800" u="none" cap="none" strike="noStrike">
+            <a:lvl3pPr marR="0" lvl="2" algn="l" rtl="0">
+              <a:spcBef>
+                <a:spcPts val="0"/>
+              </a:spcBef>
+              <a:spcAft>
+                <a:spcPts val="0"/>
+              </a:spcAft>
+              <a:buSzPts val="1400"/>
+              <a:buNone/>
+              <a:defRPr sz="1800" b="0" i="0" u="none" strike="noStrike" cap="none">
                 <a:solidFill>
                   <a:schemeClr val="dk1"/>
                 </a:solidFill>
@@ -9921,16 +10195,16 @@
                 <a:sym typeface="Calibri"/>
               </a:defRPr>
             </a:lvl3pPr>
-            <a:lvl4pPr lvl="3" marR="0" rtl="0" algn="l">
-              <a:spcBef>
-                <a:spcPts val="0"/>
-              </a:spcBef>
-              <a:spcAft>
-                <a:spcPts val="0"/>
-              </a:spcAft>
-              <a:buSzPts val="1400"/>
-              <a:buNone/>
-              <a:defRPr b="0" i="0" sz="1800" u="none" cap="none" strike="noStrike">
+            <a:lvl4pPr marR="0" lvl="3" algn="l" rtl="0">
+              <a:spcBef>
+                <a:spcPts val="0"/>
+              </a:spcBef>
+              <a:spcAft>
+                <a:spcPts val="0"/>
+              </a:spcAft>
+              <a:buSzPts val="1400"/>
+              <a:buNone/>
+              <a:defRPr sz="1800" b="0" i="0" u="none" strike="noStrike" cap="none">
                 <a:solidFill>
                   <a:schemeClr val="dk1"/>
                 </a:solidFill>
@@ -9940,16 +10214,16 @@
                 <a:sym typeface="Calibri"/>
               </a:defRPr>
             </a:lvl4pPr>
-            <a:lvl5pPr lvl="4" marR="0" rtl="0" algn="l">
-              <a:spcBef>
-                <a:spcPts val="0"/>
-              </a:spcBef>
-              <a:spcAft>
-                <a:spcPts val="0"/>
-              </a:spcAft>
-              <a:buSzPts val="1400"/>
-              <a:buNone/>
-              <a:defRPr b="0" i="0" sz="1800" u="none" cap="none" strike="noStrike">
+            <a:lvl5pPr marR="0" lvl="4" algn="l" rtl="0">
+              <a:spcBef>
+                <a:spcPts val="0"/>
+              </a:spcBef>
+              <a:spcAft>
+                <a:spcPts val="0"/>
+              </a:spcAft>
+              <a:buSzPts val="1400"/>
+              <a:buNone/>
+              <a:defRPr sz="1800" b="0" i="0" u="none" strike="noStrike" cap="none">
                 <a:solidFill>
                   <a:schemeClr val="dk1"/>
                 </a:solidFill>
@@ -9959,16 +10233,16 @@
                 <a:sym typeface="Calibri"/>
               </a:defRPr>
             </a:lvl5pPr>
-            <a:lvl6pPr lvl="5" marR="0" rtl="0" algn="l">
-              <a:spcBef>
-                <a:spcPts val="0"/>
-              </a:spcBef>
-              <a:spcAft>
-                <a:spcPts val="0"/>
-              </a:spcAft>
-              <a:buSzPts val="1400"/>
-              <a:buNone/>
-              <a:defRPr b="0" i="0" sz="1800" u="none" cap="none" strike="noStrike">
+            <a:lvl6pPr marR="0" lvl="5" algn="l" rtl="0">
+              <a:spcBef>
+                <a:spcPts val="0"/>
+              </a:spcBef>
+              <a:spcAft>
+                <a:spcPts val="0"/>
+              </a:spcAft>
+              <a:buSzPts val="1400"/>
+              <a:buNone/>
+              <a:defRPr sz="1800" b="0" i="0" u="none" strike="noStrike" cap="none">
                 <a:solidFill>
                   <a:schemeClr val="dk1"/>
                 </a:solidFill>
@@ -9978,16 +10252,16 @@
                 <a:sym typeface="Calibri"/>
               </a:defRPr>
             </a:lvl6pPr>
-            <a:lvl7pPr lvl="6" marR="0" rtl="0" algn="l">
-              <a:spcBef>
-                <a:spcPts val="0"/>
-              </a:spcBef>
-              <a:spcAft>
-                <a:spcPts val="0"/>
-              </a:spcAft>
-              <a:buSzPts val="1400"/>
-              <a:buNone/>
-              <a:defRPr b="0" i="0" sz="1800" u="none" cap="none" strike="noStrike">
+            <a:lvl7pPr marR="0" lvl="6" algn="l" rtl="0">
+              <a:spcBef>
+                <a:spcPts val="0"/>
+              </a:spcBef>
+              <a:spcAft>
+                <a:spcPts val="0"/>
+              </a:spcAft>
+              <a:buSzPts val="1400"/>
+              <a:buNone/>
+              <a:defRPr sz="1800" b="0" i="0" u="none" strike="noStrike" cap="none">
                 <a:solidFill>
                   <a:schemeClr val="dk1"/>
                 </a:solidFill>
@@ -9997,16 +10271,16 @@
                 <a:sym typeface="Calibri"/>
               </a:defRPr>
             </a:lvl7pPr>
-            <a:lvl8pPr lvl="7" marR="0" rtl="0" algn="l">
-              <a:spcBef>
-                <a:spcPts val="0"/>
-              </a:spcBef>
-              <a:spcAft>
-                <a:spcPts val="0"/>
-              </a:spcAft>
-              <a:buSzPts val="1400"/>
-              <a:buNone/>
-              <a:defRPr b="0" i="0" sz="1800" u="none" cap="none" strike="noStrike">
+            <a:lvl8pPr marR="0" lvl="7" algn="l" rtl="0">
+              <a:spcBef>
+                <a:spcPts val="0"/>
+              </a:spcBef>
+              <a:spcAft>
+                <a:spcPts val="0"/>
+              </a:spcAft>
+              <a:buSzPts val="1400"/>
+              <a:buNone/>
+              <a:defRPr sz="1800" b="0" i="0" u="none" strike="noStrike" cap="none">
                 <a:solidFill>
                   <a:schemeClr val="dk1"/>
                 </a:solidFill>
@@ -10016,16 +10290,16 @@
                 <a:sym typeface="Calibri"/>
               </a:defRPr>
             </a:lvl8pPr>
-            <a:lvl9pPr lvl="8" marR="0" rtl="0" algn="l">
-              <a:spcBef>
-                <a:spcPts val="0"/>
-              </a:spcBef>
-              <a:spcAft>
-                <a:spcPts val="0"/>
-              </a:spcAft>
-              <a:buSzPts val="1400"/>
-              <a:buNone/>
-              <a:defRPr b="0" i="0" sz="1800" u="none" cap="none" strike="noStrike">
+            <a:lvl9pPr marR="0" lvl="8" algn="l" rtl="0">
+              <a:spcBef>
+                <a:spcPts val="0"/>
+              </a:spcBef>
+              <a:spcAft>
+                <a:spcPts val="0"/>
+              </a:spcAft>
+              <a:buSzPts val="1400"/>
+              <a:buNone/>
+              <a:defRPr sz="1800" b="0" i="0" u="none" strike="noStrike" cap="none">
                 <a:solidFill>
                   <a:schemeClr val="dk1"/>
                 </a:solidFill>
@@ -10036,15 +10310,19 @@
               </a:defRPr>
             </a:lvl9pPr>
           </a:lstStyle>
-          <a:p/>
+          <a:p>
+            <a:endParaRPr/>
+          </a:p>
         </p:txBody>
       </p:sp>
       <p:sp>
         <p:nvSpPr>
           <p:cNvPr id="9" name="Google Shape;9;p1"/>
-          <p:cNvSpPr txBox="1"/>
+          <p:cNvSpPr txBox="1">
+            <a:spLocks noGrp="1"/>
+          </p:cNvSpPr>
           <p:nvPr>
-            <p:ph idx="11" type="ftr"/>
+            <p:ph type="ftr" idx="11"/>
           </p:nvPr>
         </p:nvSpPr>
         <p:spPr>
@@ -10061,20 +10339,20 @@
           </a:ln>
         </p:spPr>
         <p:txBody>
-          <a:bodyPr anchorCtr="0" anchor="ctr" bIns="45700" lIns="91425" spcFirstLastPara="1" rIns="91425" wrap="square" tIns="45700">
+          <a:bodyPr spcFirstLastPara="1" wrap="square" lIns="91425" tIns="45700" rIns="91425" bIns="45700" anchor="ctr" anchorCtr="0">
             <a:noAutofit/>
           </a:bodyPr>
           <a:lstStyle>
-            <a:lvl1pPr lvl="0" marR="0" rtl="0" algn="ctr">
-              <a:spcBef>
-                <a:spcPts val="0"/>
-              </a:spcBef>
-              <a:spcAft>
-                <a:spcPts val="0"/>
-              </a:spcAft>
-              <a:buSzPts val="1400"/>
-              <a:buNone/>
-              <a:defRPr b="0" i="0" sz="1200" u="none" cap="none" strike="noStrike">
+            <a:lvl1pPr marR="0" lvl="0" algn="ctr" rtl="0">
+              <a:spcBef>
+                <a:spcPts val="0"/>
+              </a:spcBef>
+              <a:spcAft>
+                <a:spcPts val="0"/>
+              </a:spcAft>
+              <a:buSzPts val="1400"/>
+              <a:buNone/>
+              <a:defRPr sz="1200" b="0" i="0" u="none" strike="noStrike" cap="none">
                 <a:solidFill>
                   <a:srgbClr val="888888"/>
                 </a:solidFill>
@@ -10084,16 +10362,16 @@
                 <a:sym typeface="Calibri"/>
               </a:defRPr>
             </a:lvl1pPr>
-            <a:lvl2pPr lvl="1" marR="0" rtl="0" algn="l">
-              <a:spcBef>
-                <a:spcPts val="0"/>
-              </a:spcBef>
-              <a:spcAft>
-                <a:spcPts val="0"/>
-              </a:spcAft>
-              <a:buSzPts val="1400"/>
-              <a:buNone/>
-              <a:defRPr b="0" i="0" sz="1800" u="none" cap="none" strike="noStrike">
+            <a:lvl2pPr marR="0" lvl="1" algn="l" rtl="0">
+              <a:spcBef>
+                <a:spcPts val="0"/>
+              </a:spcBef>
+              <a:spcAft>
+                <a:spcPts val="0"/>
+              </a:spcAft>
+              <a:buSzPts val="1400"/>
+              <a:buNone/>
+              <a:defRPr sz="1800" b="0" i="0" u="none" strike="noStrike" cap="none">
                 <a:solidFill>
                   <a:schemeClr val="dk1"/>
                 </a:solidFill>
@@ -10103,16 +10381,16 @@
                 <a:sym typeface="Calibri"/>
               </a:defRPr>
             </a:lvl2pPr>
-            <a:lvl3pPr lvl="2" marR="0" rtl="0" algn="l">
-              <a:spcBef>
-                <a:spcPts val="0"/>
-              </a:spcBef>
-              <a:spcAft>
-                <a:spcPts val="0"/>
-              </a:spcAft>
-              <a:buSzPts val="1400"/>
-              <a:buNone/>
-              <a:defRPr b="0" i="0" sz="1800" u="none" cap="none" strike="noStrike">
+            <a:lvl3pPr marR="0" lvl="2" algn="l" rtl="0">
+              <a:spcBef>
+                <a:spcPts val="0"/>
+              </a:spcBef>
+              <a:spcAft>
+                <a:spcPts val="0"/>
+              </a:spcAft>
+              <a:buSzPts val="1400"/>
+              <a:buNone/>
+              <a:defRPr sz="1800" b="0" i="0" u="none" strike="noStrike" cap="none">
                 <a:solidFill>
                   <a:schemeClr val="dk1"/>
                 </a:solidFill>
@@ -10122,16 +10400,16 @@
                 <a:sym typeface="Calibri"/>
               </a:defRPr>
             </a:lvl3pPr>
-            <a:lvl4pPr lvl="3" marR="0" rtl="0" algn="l">
-              <a:spcBef>
-                <a:spcPts val="0"/>
-              </a:spcBef>
-              <a:spcAft>
-                <a:spcPts val="0"/>
-              </a:spcAft>
-              <a:buSzPts val="1400"/>
-              <a:buNone/>
-              <a:defRPr b="0" i="0" sz="1800" u="none" cap="none" strike="noStrike">
+            <a:lvl4pPr marR="0" lvl="3" algn="l" rtl="0">
+              <a:spcBef>
+                <a:spcPts val="0"/>
+              </a:spcBef>
+              <a:spcAft>
+                <a:spcPts val="0"/>
+              </a:spcAft>
+              <a:buSzPts val="1400"/>
+              <a:buNone/>
+              <a:defRPr sz="1800" b="0" i="0" u="none" strike="noStrike" cap="none">
                 <a:solidFill>
                   <a:schemeClr val="dk1"/>
                 </a:solidFill>
@@ -10141,16 +10419,16 @@
                 <a:sym typeface="Calibri"/>
               </a:defRPr>
             </a:lvl4pPr>
-            <a:lvl5pPr lvl="4" marR="0" rtl="0" algn="l">
-              <a:spcBef>
-                <a:spcPts val="0"/>
-              </a:spcBef>
-              <a:spcAft>
-                <a:spcPts val="0"/>
-              </a:spcAft>
-              <a:buSzPts val="1400"/>
-              <a:buNone/>
-              <a:defRPr b="0" i="0" sz="1800" u="none" cap="none" strike="noStrike">
+            <a:lvl5pPr marR="0" lvl="4" algn="l" rtl="0">
+              <a:spcBef>
+                <a:spcPts val="0"/>
+              </a:spcBef>
+              <a:spcAft>
+                <a:spcPts val="0"/>
+              </a:spcAft>
+              <a:buSzPts val="1400"/>
+              <a:buNone/>
+              <a:defRPr sz="1800" b="0" i="0" u="none" strike="noStrike" cap="none">
                 <a:solidFill>
                   <a:schemeClr val="dk1"/>
                 </a:solidFill>
@@ -10160,16 +10438,16 @@
                 <a:sym typeface="Calibri"/>
               </a:defRPr>
             </a:lvl5pPr>
-            <a:lvl6pPr lvl="5" marR="0" rtl="0" algn="l">
-              <a:spcBef>
-                <a:spcPts val="0"/>
-              </a:spcBef>
-              <a:spcAft>
-                <a:spcPts val="0"/>
-              </a:spcAft>
-              <a:buSzPts val="1400"/>
-              <a:buNone/>
-              <a:defRPr b="0" i="0" sz="1800" u="none" cap="none" strike="noStrike">
+            <a:lvl6pPr marR="0" lvl="5" algn="l" rtl="0">
+              <a:spcBef>
+                <a:spcPts val="0"/>
+              </a:spcBef>
+              <a:spcAft>
+                <a:spcPts val="0"/>
+              </a:spcAft>
+              <a:buSzPts val="1400"/>
+              <a:buNone/>
+              <a:defRPr sz="1800" b="0" i="0" u="none" strike="noStrike" cap="none">
                 <a:solidFill>
                   <a:schemeClr val="dk1"/>
                 </a:solidFill>
@@ -10179,16 +10457,16 @@
                 <a:sym typeface="Calibri"/>
               </a:defRPr>
             </a:lvl6pPr>
-            <a:lvl7pPr lvl="6" marR="0" rtl="0" algn="l">
-              <a:spcBef>
-                <a:spcPts val="0"/>
-              </a:spcBef>
-              <a:spcAft>
-                <a:spcPts val="0"/>
-              </a:spcAft>
-              <a:buSzPts val="1400"/>
-              <a:buNone/>
-              <a:defRPr b="0" i="0" sz="1800" u="none" cap="none" strike="noStrike">
+            <a:lvl7pPr marR="0" lvl="6" algn="l" rtl="0">
+              <a:spcBef>
+                <a:spcPts val="0"/>
+              </a:spcBef>
+              <a:spcAft>
+                <a:spcPts val="0"/>
+              </a:spcAft>
+              <a:buSzPts val="1400"/>
+              <a:buNone/>
+              <a:defRPr sz="1800" b="0" i="0" u="none" strike="noStrike" cap="none">
                 <a:solidFill>
                   <a:schemeClr val="dk1"/>
                 </a:solidFill>
@@ -10198,16 +10476,16 @@
                 <a:sym typeface="Calibri"/>
               </a:defRPr>
             </a:lvl7pPr>
-            <a:lvl8pPr lvl="7" marR="0" rtl="0" algn="l">
-              <a:spcBef>
-                <a:spcPts val="0"/>
-              </a:spcBef>
-              <a:spcAft>
-                <a:spcPts val="0"/>
-              </a:spcAft>
-              <a:buSzPts val="1400"/>
-              <a:buNone/>
-              <a:defRPr b="0" i="0" sz="1800" u="none" cap="none" strike="noStrike">
+            <a:lvl8pPr marR="0" lvl="7" algn="l" rtl="0">
+              <a:spcBef>
+                <a:spcPts val="0"/>
+              </a:spcBef>
+              <a:spcAft>
+                <a:spcPts val="0"/>
+              </a:spcAft>
+              <a:buSzPts val="1400"/>
+              <a:buNone/>
+              <a:defRPr sz="1800" b="0" i="0" u="none" strike="noStrike" cap="none">
                 <a:solidFill>
                   <a:schemeClr val="dk1"/>
                 </a:solidFill>
@@ -10217,16 +10495,16 @@
                 <a:sym typeface="Calibri"/>
               </a:defRPr>
             </a:lvl8pPr>
-            <a:lvl9pPr lvl="8" marR="0" rtl="0" algn="l">
-              <a:spcBef>
-                <a:spcPts val="0"/>
-              </a:spcBef>
-              <a:spcAft>
-                <a:spcPts val="0"/>
-              </a:spcAft>
-              <a:buSzPts val="1400"/>
-              <a:buNone/>
-              <a:defRPr b="0" i="0" sz="1800" u="none" cap="none" strike="noStrike">
+            <a:lvl9pPr marR="0" lvl="8" algn="l" rtl="0">
+              <a:spcBef>
+                <a:spcPts val="0"/>
+              </a:spcBef>
+              <a:spcAft>
+                <a:spcPts val="0"/>
+              </a:spcAft>
+              <a:buSzPts val="1400"/>
+              <a:buNone/>
+              <a:defRPr sz="1800" b="0" i="0" u="none" strike="noStrike" cap="none">
                 <a:solidFill>
                   <a:schemeClr val="dk1"/>
                 </a:solidFill>
@@ -10237,15 +10515,19 @@
               </a:defRPr>
             </a:lvl9pPr>
           </a:lstStyle>
-          <a:p/>
+          <a:p>
+            <a:endParaRPr/>
+          </a:p>
         </p:txBody>
       </p:sp>
       <p:sp>
         <p:nvSpPr>
           <p:cNvPr id="10" name="Google Shape;10;p1"/>
-          <p:cNvSpPr txBox="1"/>
+          <p:cNvSpPr txBox="1">
+            <a:spLocks noGrp="1"/>
+          </p:cNvSpPr>
           <p:nvPr>
-            <p:ph idx="12" type="sldNum"/>
+            <p:ph type="sldNum" idx="12"/>
           </p:nvPr>
         </p:nvSpPr>
         <p:spPr>
@@ -10262,16 +10544,16 @@
           </a:ln>
         </p:spPr>
         <p:txBody>
-          <a:bodyPr anchorCtr="0" anchor="ctr" bIns="45700" lIns="91425" spcFirstLastPara="1" rIns="91425" wrap="square" tIns="45700">
+          <a:bodyPr spcFirstLastPara="1" wrap="square" lIns="91425" tIns="45700" rIns="91425" bIns="45700" anchor="ctr" anchorCtr="0">
             <a:noAutofit/>
           </a:bodyPr>
           <a:lstStyle>
-            <a:lvl1pPr indent="0" lvl="0" marL="0" marR="0" rtl="0" algn="r">
-              <a:spcBef>
-                <a:spcPts val="0"/>
-              </a:spcBef>
-              <a:buNone/>
-              <a:defRPr b="0" i="0" sz="1200" u="none" cap="none" strike="noStrike">
+            <a:lvl1pPr marL="0" marR="0" lvl="0" indent="0" algn="r" rtl="0">
+              <a:spcBef>
+                <a:spcPts val="0"/>
+              </a:spcBef>
+              <a:buNone/>
+              <a:defRPr sz="1200" b="0" i="0" u="none" strike="noStrike" cap="none">
                 <a:solidFill>
                   <a:srgbClr val="888888"/>
                 </a:solidFill>
@@ -10281,12 +10563,12 @@
                 <a:sym typeface="Calibri"/>
               </a:defRPr>
             </a:lvl1pPr>
-            <a:lvl2pPr indent="0" lvl="1" marL="0" marR="0" rtl="0" algn="r">
-              <a:spcBef>
-                <a:spcPts val="0"/>
-              </a:spcBef>
-              <a:buNone/>
-              <a:defRPr b="0" i="0" sz="1200" u="none" cap="none" strike="noStrike">
+            <a:lvl2pPr marL="0" marR="0" lvl="1" indent="0" algn="r" rtl="0">
+              <a:spcBef>
+                <a:spcPts val="0"/>
+              </a:spcBef>
+              <a:buNone/>
+              <a:defRPr sz="1200" b="0" i="0" u="none" strike="noStrike" cap="none">
                 <a:solidFill>
                   <a:srgbClr val="888888"/>
                 </a:solidFill>
@@ -10296,12 +10578,12 @@
                 <a:sym typeface="Calibri"/>
               </a:defRPr>
             </a:lvl2pPr>
-            <a:lvl3pPr indent="0" lvl="2" marL="0" marR="0" rtl="0" algn="r">
-              <a:spcBef>
-                <a:spcPts val="0"/>
-              </a:spcBef>
-              <a:buNone/>
-              <a:defRPr b="0" i="0" sz="1200" u="none" cap="none" strike="noStrike">
+            <a:lvl3pPr marL="0" marR="0" lvl="2" indent="0" algn="r" rtl="0">
+              <a:spcBef>
+                <a:spcPts val="0"/>
+              </a:spcBef>
+              <a:buNone/>
+              <a:defRPr sz="1200" b="0" i="0" u="none" strike="noStrike" cap="none">
                 <a:solidFill>
                   <a:srgbClr val="888888"/>
                 </a:solidFill>
@@ -10311,12 +10593,12 @@
                 <a:sym typeface="Calibri"/>
               </a:defRPr>
             </a:lvl3pPr>
-            <a:lvl4pPr indent="0" lvl="3" marL="0" marR="0" rtl="0" algn="r">
-              <a:spcBef>
-                <a:spcPts val="0"/>
-              </a:spcBef>
-              <a:buNone/>
-              <a:defRPr b="0" i="0" sz="1200" u="none" cap="none" strike="noStrike">
+            <a:lvl4pPr marL="0" marR="0" lvl="3" indent="0" algn="r" rtl="0">
+              <a:spcBef>
+                <a:spcPts val="0"/>
+              </a:spcBef>
+              <a:buNone/>
+              <a:defRPr sz="1200" b="0" i="0" u="none" strike="noStrike" cap="none">
                 <a:solidFill>
                   <a:srgbClr val="888888"/>
                 </a:solidFill>
@@ -10326,12 +10608,12 @@
                 <a:sym typeface="Calibri"/>
               </a:defRPr>
             </a:lvl4pPr>
-            <a:lvl5pPr indent="0" lvl="4" marL="0" marR="0" rtl="0" algn="r">
-              <a:spcBef>
-                <a:spcPts val="0"/>
-              </a:spcBef>
-              <a:buNone/>
-              <a:defRPr b="0" i="0" sz="1200" u="none" cap="none" strike="noStrike">
+            <a:lvl5pPr marL="0" marR="0" lvl="4" indent="0" algn="r" rtl="0">
+              <a:spcBef>
+                <a:spcPts val="0"/>
+              </a:spcBef>
+              <a:buNone/>
+              <a:defRPr sz="1200" b="0" i="0" u="none" strike="noStrike" cap="none">
                 <a:solidFill>
                   <a:srgbClr val="888888"/>
                 </a:solidFill>
@@ -10341,12 +10623,12 @@
                 <a:sym typeface="Calibri"/>
               </a:defRPr>
             </a:lvl5pPr>
-            <a:lvl6pPr indent="0" lvl="5" marL="0" marR="0" rtl="0" algn="r">
-              <a:spcBef>
-                <a:spcPts val="0"/>
-              </a:spcBef>
-              <a:buNone/>
-              <a:defRPr b="0" i="0" sz="1200" u="none" cap="none" strike="noStrike">
+            <a:lvl6pPr marL="0" marR="0" lvl="5" indent="0" algn="r" rtl="0">
+              <a:spcBef>
+                <a:spcPts val="0"/>
+              </a:spcBef>
+              <a:buNone/>
+              <a:defRPr sz="1200" b="0" i="0" u="none" strike="noStrike" cap="none">
                 <a:solidFill>
                   <a:srgbClr val="888888"/>
                 </a:solidFill>
@@ -10356,12 +10638,12 @@
                 <a:sym typeface="Calibri"/>
               </a:defRPr>
             </a:lvl6pPr>
-            <a:lvl7pPr indent="0" lvl="6" marL="0" marR="0" rtl="0" algn="r">
-              <a:spcBef>
-                <a:spcPts val="0"/>
-              </a:spcBef>
-              <a:buNone/>
-              <a:defRPr b="0" i="0" sz="1200" u="none" cap="none" strike="noStrike">
+            <a:lvl7pPr marL="0" marR="0" lvl="6" indent="0" algn="r" rtl="0">
+              <a:spcBef>
+                <a:spcPts val="0"/>
+              </a:spcBef>
+              <a:buNone/>
+              <a:defRPr sz="1200" b="0" i="0" u="none" strike="noStrike" cap="none">
                 <a:solidFill>
                   <a:srgbClr val="888888"/>
                 </a:solidFill>
@@ -10371,12 +10653,12 @@
                 <a:sym typeface="Calibri"/>
               </a:defRPr>
             </a:lvl7pPr>
-            <a:lvl8pPr indent="0" lvl="7" marL="0" marR="0" rtl="0" algn="r">
-              <a:spcBef>
-                <a:spcPts val="0"/>
-              </a:spcBef>
-              <a:buNone/>
-              <a:defRPr b="0" i="0" sz="1200" u="none" cap="none" strike="noStrike">
+            <a:lvl8pPr marL="0" marR="0" lvl="7" indent="0" algn="r" rtl="0">
+              <a:spcBef>
+                <a:spcPts val="0"/>
+              </a:spcBef>
+              <a:buNone/>
+              <a:defRPr sz="1200" b="0" i="0" u="none" strike="noStrike" cap="none">
                 <a:solidFill>
                   <a:srgbClr val="888888"/>
                 </a:solidFill>
@@ -10386,12 +10668,12 @@
                 <a:sym typeface="Calibri"/>
               </a:defRPr>
             </a:lvl8pPr>
-            <a:lvl9pPr indent="0" lvl="8" marL="0" marR="0" rtl="0" algn="r">
-              <a:spcBef>
-                <a:spcPts val="0"/>
-              </a:spcBef>
-              <a:buNone/>
-              <a:defRPr b="0" i="0" sz="1200" u="none" cap="none" strike="noStrike">
+            <a:lvl9pPr marL="0" marR="0" lvl="8" indent="0" algn="r" rtl="0">
+              <a:spcBef>
+                <a:spcPts val="0"/>
+              </a:spcBef>
+              <a:buNone/>
+              <a:defRPr sz="1200" b="0" i="0" u="none" strike="noStrike" cap="none">
                 <a:solidFill>
                   <a:srgbClr val="888888"/>
                 </a:solidFill>
@@ -10403,7 +10685,7 @@
             </a:lvl9pPr>
           </a:lstStyle>
           <a:p>
-            <a:pPr indent="0" lvl="0" marL="0" rtl="0" algn="r">
+            <a:pPr marL="0" lvl="0" indent="0" algn="r" rtl="0">
               <a:spcBef>
                 <a:spcPts val="0"/>
               </a:spcBef>
@@ -10422,7 +10704,7 @@
       </p:sp>
     </p:spTree>
   </p:cSld>
-  <p:clrMap accent1="accent1" accent2="accent2" accent3="accent3" accent4="accent4" accent5="accent5" accent6="accent6" bg1="lt1" bg2="dk2" tx1="dk1" tx2="lt2" folHlink="folHlink" hlink="hlink"/>
+  <p:clrMap bg1="lt1" tx1="dk1" bg2="dk2" tx2="lt2" accent1="accent1" accent2="accent2" accent3="accent3" accent4="accent4" accent5="accent5" accent6="accent6" hlink="hlink" folHlink="folHlink"/>
   <p:sldLayoutIdLst>
     <p:sldLayoutId id="2147483648" r:id="rId1"/>
     <p:sldLayoutId id="2147483649" r:id="rId2"/>
@@ -10436,10 +10718,10 @@
     <p:sldLayoutId id="2147483657" r:id="rId10"/>
     <p:sldLayoutId id="2147483658" r:id="rId11"/>
   </p:sldLayoutIdLst>
-  <p:hf dt="0" ftr="0" hdr="0" sldNum="0"/>
+  <p:hf sldNum="0" hdr="0" ftr="0" dt="0"/>
   <p:txStyles>
     <p:titleStyle>
-      <a:defPPr lvl="0" marR="0" rtl="0" algn="l">
+      <a:defPPr marR="0" lvl="0" algn="l" rtl="0">
         <a:lnSpc>
           <a:spcPct val="100000"/>
         </a:lnSpc>
@@ -10450,7 +10732,7 @@
           <a:spcPts val="0"/>
         </a:spcAft>
       </a:defPPr>
-      <a:lvl1pPr lvl="0" marR="0" rtl="0" algn="l">
+      <a:lvl1pPr marR="0" lvl="0" algn="l" rtl="0">
         <a:lnSpc>
           <a:spcPct val="100000"/>
         </a:lnSpc>
@@ -10464,7 +10746,7 @@
           <a:srgbClr val="000000"/>
         </a:buClr>
         <a:buFont typeface="Arial"/>
-        <a:defRPr b="0" i="0" sz="1400" u="none" cap="none" strike="noStrike">
+        <a:defRPr sz="1400" b="0" i="0" u="none" strike="noStrike" cap="none">
           <a:solidFill>
             <a:srgbClr val="000000"/>
           </a:solidFill>
@@ -10474,7 +10756,7 @@
           <a:sym typeface="Arial"/>
         </a:defRPr>
       </a:lvl1pPr>
-      <a:lvl2pPr lvl="1" marR="0" rtl="0" algn="l">
+      <a:lvl2pPr marR="0" lvl="1" algn="l" rtl="0">
         <a:lnSpc>
           <a:spcPct val="100000"/>
         </a:lnSpc>
@@ -10488,7 +10770,7 @@
           <a:srgbClr val="000000"/>
         </a:buClr>
         <a:buFont typeface="Arial"/>
-        <a:defRPr b="0" i="0" sz="1400" u="none" cap="none" strike="noStrike">
+        <a:defRPr sz="1400" b="0" i="0" u="none" strike="noStrike" cap="none">
           <a:solidFill>
             <a:srgbClr val="000000"/>
           </a:solidFill>
@@ -10498,7 +10780,7 @@
           <a:sym typeface="Arial"/>
         </a:defRPr>
       </a:lvl2pPr>
-      <a:lvl3pPr lvl="2" marR="0" rtl="0" algn="l">
+      <a:lvl3pPr marR="0" lvl="2" algn="l" rtl="0">
         <a:lnSpc>
           <a:spcPct val="100000"/>
         </a:lnSpc>
@@ -10512,7 +10794,7 @@
           <a:srgbClr val="000000"/>
         </a:buClr>
         <a:buFont typeface="Arial"/>
-        <a:defRPr b="0" i="0" sz="1400" u="none" cap="none" strike="noStrike">
+        <a:defRPr sz="1400" b="0" i="0" u="none" strike="noStrike" cap="none">
           <a:solidFill>
             <a:srgbClr val="000000"/>
           </a:solidFill>
@@ -10522,7 +10804,7 @@
           <a:sym typeface="Arial"/>
         </a:defRPr>
       </a:lvl3pPr>
-      <a:lvl4pPr lvl="3" marR="0" rtl="0" algn="l">
+      <a:lvl4pPr marR="0" lvl="3" algn="l" rtl="0">
         <a:lnSpc>
           <a:spcPct val="100000"/>
         </a:lnSpc>
@@ -10536,7 +10818,7 @@
           <a:srgbClr val="000000"/>
         </a:buClr>
         <a:buFont typeface="Arial"/>
-        <a:defRPr b="0" i="0" sz="1400" u="none" cap="none" strike="noStrike">
+        <a:defRPr sz="1400" b="0" i="0" u="none" strike="noStrike" cap="none">
           <a:solidFill>
             <a:srgbClr val="000000"/>
           </a:solidFill>
@@ -10546,7 +10828,7 @@
           <a:sym typeface="Arial"/>
         </a:defRPr>
       </a:lvl4pPr>
-      <a:lvl5pPr lvl="4" marR="0" rtl="0" algn="l">
+      <a:lvl5pPr marR="0" lvl="4" algn="l" rtl="0">
         <a:lnSpc>
           <a:spcPct val="100000"/>
         </a:lnSpc>
@@ -10560,7 +10842,7 @@
           <a:srgbClr val="000000"/>
         </a:buClr>
         <a:buFont typeface="Arial"/>
-        <a:defRPr b="0" i="0" sz="1400" u="none" cap="none" strike="noStrike">
+        <a:defRPr sz="1400" b="0" i="0" u="none" strike="noStrike" cap="none">
           <a:solidFill>
             <a:srgbClr val="000000"/>
           </a:solidFill>
@@ -10570,7 +10852,7 @@
           <a:sym typeface="Arial"/>
         </a:defRPr>
       </a:lvl5pPr>
-      <a:lvl6pPr lvl="5" marR="0" rtl="0" algn="l">
+      <a:lvl6pPr marR="0" lvl="5" algn="l" rtl="0">
         <a:lnSpc>
           <a:spcPct val="100000"/>
         </a:lnSpc>
@@ -10584,7 +10866,7 @@
           <a:srgbClr val="000000"/>
         </a:buClr>
         <a:buFont typeface="Arial"/>
-        <a:defRPr b="0" i="0" sz="1400" u="none" cap="none" strike="noStrike">
+        <a:defRPr sz="1400" b="0" i="0" u="none" strike="noStrike" cap="none">
           <a:solidFill>
             <a:srgbClr val="000000"/>
           </a:solidFill>
@@ -10594,7 +10876,7 @@
           <a:sym typeface="Arial"/>
         </a:defRPr>
       </a:lvl6pPr>
-      <a:lvl7pPr lvl="6" marR="0" rtl="0" algn="l">
+      <a:lvl7pPr marR="0" lvl="6" algn="l" rtl="0">
         <a:lnSpc>
           <a:spcPct val="100000"/>
         </a:lnSpc>
@@ -10608,7 +10890,7 @@
           <a:srgbClr val="000000"/>
         </a:buClr>
         <a:buFont typeface="Arial"/>
-        <a:defRPr b="0" i="0" sz="1400" u="none" cap="none" strike="noStrike">
+        <a:defRPr sz="1400" b="0" i="0" u="none" strike="noStrike" cap="none">
           <a:solidFill>
             <a:srgbClr val="000000"/>
           </a:solidFill>
@@ -10618,7 +10900,7 @@
           <a:sym typeface="Arial"/>
         </a:defRPr>
       </a:lvl7pPr>
-      <a:lvl8pPr lvl="7" marR="0" rtl="0" algn="l">
+      <a:lvl8pPr marR="0" lvl="7" algn="l" rtl="0">
         <a:lnSpc>
           <a:spcPct val="100000"/>
         </a:lnSpc>
@@ -10632,7 +10914,7 @@
           <a:srgbClr val="000000"/>
         </a:buClr>
         <a:buFont typeface="Arial"/>
-        <a:defRPr b="0" i="0" sz="1400" u="none" cap="none" strike="noStrike">
+        <a:defRPr sz="1400" b="0" i="0" u="none" strike="noStrike" cap="none">
           <a:solidFill>
             <a:srgbClr val="000000"/>
           </a:solidFill>
@@ -10642,7 +10924,7 @@
           <a:sym typeface="Arial"/>
         </a:defRPr>
       </a:lvl8pPr>
-      <a:lvl9pPr lvl="8" marR="0" rtl="0" algn="l">
+      <a:lvl9pPr marR="0" lvl="8" algn="l" rtl="0">
         <a:lnSpc>
           <a:spcPct val="100000"/>
         </a:lnSpc>
@@ -10656,7 +10938,7 @@
           <a:srgbClr val="000000"/>
         </a:buClr>
         <a:buFont typeface="Arial"/>
-        <a:defRPr b="0" i="0" sz="1400" u="none" cap="none" strike="noStrike">
+        <a:defRPr sz="1400" b="0" i="0" u="none" strike="noStrike" cap="none">
           <a:solidFill>
             <a:srgbClr val="000000"/>
           </a:solidFill>
@@ -10668,7 +10950,7 @@
       </a:lvl9pPr>
     </p:titleStyle>
     <p:bodyStyle>
-      <a:defPPr lvl="0" marR="0" rtl="0" algn="l">
+      <a:defPPr marR="0" lvl="0" algn="l" rtl="0">
         <a:lnSpc>
           <a:spcPct val="100000"/>
         </a:lnSpc>
@@ -10679,7 +10961,7 @@
           <a:spcPts val="0"/>
         </a:spcAft>
       </a:defPPr>
-      <a:lvl1pPr lvl="0" marR="0" rtl="0" algn="l">
+      <a:lvl1pPr marR="0" lvl="0" algn="l" rtl="0">
         <a:lnSpc>
           <a:spcPct val="100000"/>
         </a:lnSpc>
@@ -10693,7 +10975,7 @@
           <a:srgbClr val="000000"/>
         </a:buClr>
         <a:buFont typeface="Arial"/>
-        <a:defRPr b="0" i="0" sz="1400" u="none" cap="none" strike="noStrike">
+        <a:defRPr sz="1400" b="0" i="0" u="none" strike="noStrike" cap="none">
           <a:solidFill>
             <a:srgbClr val="000000"/>
           </a:solidFill>
@@ -10703,7 +10985,7 @@
           <a:sym typeface="Arial"/>
         </a:defRPr>
       </a:lvl1pPr>
-      <a:lvl2pPr lvl="1" marR="0" rtl="0" algn="l">
+      <a:lvl2pPr marR="0" lvl="1" algn="l" rtl="0">
         <a:lnSpc>
           <a:spcPct val="100000"/>
         </a:lnSpc>
@@ -10717,7 +10999,7 @@
           <a:srgbClr val="000000"/>
         </a:buClr>
         <a:buFont typeface="Arial"/>
-        <a:defRPr b="0" i="0" sz="1400" u="none" cap="none" strike="noStrike">
+        <a:defRPr sz="1400" b="0" i="0" u="none" strike="noStrike" cap="none">
           <a:solidFill>
             <a:srgbClr val="000000"/>
           </a:solidFill>
@@ -10727,7 +11009,7 @@
           <a:sym typeface="Arial"/>
         </a:defRPr>
       </a:lvl2pPr>
-      <a:lvl3pPr lvl="2" marR="0" rtl="0" algn="l">
+      <a:lvl3pPr marR="0" lvl="2" algn="l" rtl="0">
         <a:lnSpc>
           <a:spcPct val="100000"/>
         </a:lnSpc>
@@ -10741,7 +11023,7 @@
           <a:srgbClr val="000000"/>
         </a:buClr>
         <a:buFont typeface="Arial"/>
-        <a:defRPr b="0" i="0" sz="1400" u="none" cap="none" strike="noStrike">
+        <a:defRPr sz="1400" b="0" i="0" u="none" strike="noStrike" cap="none">
           <a:solidFill>
             <a:srgbClr val="000000"/>
           </a:solidFill>
@@ -10751,7 +11033,7 @@
           <a:sym typeface="Arial"/>
         </a:defRPr>
       </a:lvl3pPr>
-      <a:lvl4pPr lvl="3" marR="0" rtl="0" algn="l">
+      <a:lvl4pPr marR="0" lvl="3" algn="l" rtl="0">
         <a:lnSpc>
           <a:spcPct val="100000"/>
         </a:lnSpc>
@@ -10765,7 +11047,7 @@
           <a:srgbClr val="000000"/>
         </a:buClr>
         <a:buFont typeface="Arial"/>
-        <a:defRPr b="0" i="0" sz="1400" u="none" cap="none" strike="noStrike">
+        <a:defRPr sz="1400" b="0" i="0" u="none" strike="noStrike" cap="none">
           <a:solidFill>
             <a:srgbClr val="000000"/>
           </a:solidFill>
@@ -10775,7 +11057,7 @@
           <a:sym typeface="Arial"/>
         </a:defRPr>
       </a:lvl4pPr>
-      <a:lvl5pPr lvl="4" marR="0" rtl="0" algn="l">
+      <a:lvl5pPr marR="0" lvl="4" algn="l" rtl="0">
         <a:lnSpc>
           <a:spcPct val="100000"/>
         </a:lnSpc>
@@ -10789,7 +11071,7 @@
           <a:srgbClr val="000000"/>
         </a:buClr>
         <a:buFont typeface="Arial"/>
-        <a:defRPr b="0" i="0" sz="1400" u="none" cap="none" strike="noStrike">
+        <a:defRPr sz="1400" b="0" i="0" u="none" strike="noStrike" cap="none">
           <a:solidFill>
             <a:srgbClr val="000000"/>
           </a:solidFill>
@@ -10799,7 +11081,7 @@
           <a:sym typeface="Arial"/>
         </a:defRPr>
       </a:lvl5pPr>
-      <a:lvl6pPr lvl="5" marR="0" rtl="0" algn="l">
+      <a:lvl6pPr marR="0" lvl="5" algn="l" rtl="0">
         <a:lnSpc>
           <a:spcPct val="100000"/>
         </a:lnSpc>
@@ -10813,7 +11095,7 @@
           <a:srgbClr val="000000"/>
         </a:buClr>
         <a:buFont typeface="Arial"/>
-        <a:defRPr b="0" i="0" sz="1400" u="none" cap="none" strike="noStrike">
+        <a:defRPr sz="1400" b="0" i="0" u="none" strike="noStrike" cap="none">
           <a:solidFill>
             <a:srgbClr val="000000"/>
           </a:solidFill>
@@ -10823,7 +11105,7 @@
           <a:sym typeface="Arial"/>
         </a:defRPr>
       </a:lvl6pPr>
-      <a:lvl7pPr lvl="6" marR="0" rtl="0" algn="l">
+      <a:lvl7pPr marR="0" lvl="6" algn="l" rtl="0">
         <a:lnSpc>
           <a:spcPct val="100000"/>
         </a:lnSpc>
@@ -10837,7 +11119,7 @@
           <a:srgbClr val="000000"/>
         </a:buClr>
         <a:buFont typeface="Arial"/>
-        <a:defRPr b="0" i="0" sz="1400" u="none" cap="none" strike="noStrike">
+        <a:defRPr sz="1400" b="0" i="0" u="none" strike="noStrike" cap="none">
           <a:solidFill>
             <a:srgbClr val="000000"/>
           </a:solidFill>
@@ -10847,7 +11129,7 @@
           <a:sym typeface="Arial"/>
         </a:defRPr>
       </a:lvl7pPr>
-      <a:lvl8pPr lvl="7" marR="0" rtl="0" algn="l">
+      <a:lvl8pPr marR="0" lvl="7" algn="l" rtl="0">
         <a:lnSpc>
           <a:spcPct val="100000"/>
         </a:lnSpc>
@@ -10861,7 +11143,7 @@
           <a:srgbClr val="000000"/>
         </a:buClr>
         <a:buFont typeface="Arial"/>
-        <a:defRPr b="0" i="0" sz="1400" u="none" cap="none" strike="noStrike">
+        <a:defRPr sz="1400" b="0" i="0" u="none" strike="noStrike" cap="none">
           <a:solidFill>
             <a:srgbClr val="000000"/>
           </a:solidFill>
@@ -10871,7 +11153,7 @@
           <a:sym typeface="Arial"/>
         </a:defRPr>
       </a:lvl8pPr>
-      <a:lvl9pPr lvl="8" marR="0" rtl="0" algn="l">
+      <a:lvl9pPr marR="0" lvl="8" algn="l" rtl="0">
         <a:lnSpc>
           <a:spcPct val="100000"/>
         </a:lnSpc>
@@ -10885,7 +11167,7 @@
           <a:srgbClr val="000000"/>
         </a:buClr>
         <a:buFont typeface="Arial"/>
-        <a:defRPr b="0" i="0" sz="1400" u="none" cap="none" strike="noStrike">
+        <a:defRPr sz="1400" b="0" i="0" u="none" strike="noStrike" cap="none">
           <a:solidFill>
             <a:srgbClr val="000000"/>
           </a:solidFill>
@@ -10897,7 +11179,7 @@
       </a:lvl9pPr>
     </p:bodyStyle>
     <p:otherStyle>
-      <a:defPPr lvl="0" marR="0" rtl="0" algn="l">
+      <a:defPPr marR="0" lvl="0" algn="l" rtl="0">
         <a:lnSpc>
           <a:spcPct val="100000"/>
         </a:lnSpc>
@@ -10908,7 +11190,7 @@
           <a:spcPts val="0"/>
         </a:spcAft>
       </a:defPPr>
-      <a:lvl1pPr lvl="0" marR="0" rtl="0" algn="l">
+      <a:lvl1pPr marR="0" lvl="0" algn="l" rtl="0">
         <a:lnSpc>
           <a:spcPct val="100000"/>
         </a:lnSpc>
@@ -10922,7 +11204,7 @@
           <a:srgbClr val="000000"/>
         </a:buClr>
         <a:buFont typeface="Arial"/>
-        <a:defRPr b="0" i="0" sz="1400" u="none" cap="none" strike="noStrike">
+        <a:defRPr sz="1400" b="0" i="0" u="none" strike="noStrike" cap="none">
           <a:solidFill>
             <a:srgbClr val="000000"/>
           </a:solidFill>
@@ -10932,7 +11214,7 @@
           <a:sym typeface="Arial"/>
         </a:defRPr>
       </a:lvl1pPr>
-      <a:lvl2pPr lvl="1" marR="0" rtl="0" algn="l">
+      <a:lvl2pPr marR="0" lvl="1" algn="l" rtl="0">
         <a:lnSpc>
           <a:spcPct val="100000"/>
         </a:lnSpc>
@@ -10946,7 +11228,7 @@
           <a:srgbClr val="000000"/>
         </a:buClr>
         <a:buFont typeface="Arial"/>
-        <a:defRPr b="0" i="0" sz="1400" u="none" cap="none" strike="noStrike">
+        <a:defRPr sz="1400" b="0" i="0" u="none" strike="noStrike" cap="none">
           <a:solidFill>
             <a:srgbClr val="000000"/>
           </a:solidFill>
@@ -10956,7 +11238,7 @@
           <a:sym typeface="Arial"/>
         </a:defRPr>
       </a:lvl2pPr>
-      <a:lvl3pPr lvl="2" marR="0" rtl="0" algn="l">
+      <a:lvl3pPr marR="0" lvl="2" algn="l" rtl="0">
         <a:lnSpc>
           <a:spcPct val="100000"/>
         </a:lnSpc>
@@ -10970,7 +11252,7 @@
           <a:srgbClr val="000000"/>
         </a:buClr>
         <a:buFont typeface="Arial"/>
-        <a:defRPr b="0" i="0" sz="1400" u="none" cap="none" strike="noStrike">
+        <a:defRPr sz="1400" b="0" i="0" u="none" strike="noStrike" cap="none">
           <a:solidFill>
             <a:srgbClr val="000000"/>
           </a:solidFill>
@@ -10980,7 +11262,7 @@
           <a:sym typeface="Arial"/>
         </a:defRPr>
       </a:lvl3pPr>
-      <a:lvl4pPr lvl="3" marR="0" rtl="0" algn="l">
+      <a:lvl4pPr marR="0" lvl="3" algn="l" rtl="0">
         <a:lnSpc>
           <a:spcPct val="100000"/>
         </a:lnSpc>
@@ -10994,7 +11276,7 @@
           <a:srgbClr val="000000"/>
         </a:buClr>
         <a:buFont typeface="Arial"/>
-        <a:defRPr b="0" i="0" sz="1400" u="none" cap="none" strike="noStrike">
+        <a:defRPr sz="1400" b="0" i="0" u="none" strike="noStrike" cap="none">
           <a:solidFill>
             <a:srgbClr val="000000"/>
           </a:solidFill>
@@ -11004,7 +11286,7 @@
           <a:sym typeface="Arial"/>
         </a:defRPr>
       </a:lvl4pPr>
-      <a:lvl5pPr lvl="4" marR="0" rtl="0" algn="l">
+      <a:lvl5pPr marR="0" lvl="4" algn="l" rtl="0">
         <a:lnSpc>
           <a:spcPct val="100000"/>
         </a:lnSpc>
@@ -11018,7 +11300,7 @@
           <a:srgbClr val="000000"/>
         </a:buClr>
         <a:buFont typeface="Arial"/>
-        <a:defRPr b="0" i="0" sz="1400" u="none" cap="none" strike="noStrike">
+        <a:defRPr sz="1400" b="0" i="0" u="none" strike="noStrike" cap="none">
           <a:solidFill>
             <a:srgbClr val="000000"/>
           </a:solidFill>
@@ -11028,7 +11310,7 @@
           <a:sym typeface="Arial"/>
         </a:defRPr>
       </a:lvl5pPr>
-      <a:lvl6pPr lvl="5" marR="0" rtl="0" algn="l">
+      <a:lvl6pPr marR="0" lvl="5" algn="l" rtl="0">
         <a:lnSpc>
           <a:spcPct val="100000"/>
         </a:lnSpc>
@@ -11042,7 +11324,7 @@
           <a:srgbClr val="000000"/>
         </a:buClr>
         <a:buFont typeface="Arial"/>
-        <a:defRPr b="0" i="0" sz="1400" u="none" cap="none" strike="noStrike">
+        <a:defRPr sz="1400" b="0" i="0" u="none" strike="noStrike" cap="none">
           <a:solidFill>
             <a:srgbClr val="000000"/>
           </a:solidFill>
@@ -11052,7 +11334,7 @@
           <a:sym typeface="Arial"/>
         </a:defRPr>
       </a:lvl6pPr>
-      <a:lvl7pPr lvl="6" marR="0" rtl="0" algn="l">
+      <a:lvl7pPr marR="0" lvl="6" algn="l" rtl="0">
         <a:lnSpc>
           <a:spcPct val="100000"/>
         </a:lnSpc>
@@ -11066,7 +11348,7 @@
           <a:srgbClr val="000000"/>
         </a:buClr>
         <a:buFont typeface="Arial"/>
-        <a:defRPr b="0" i="0" sz="1400" u="none" cap="none" strike="noStrike">
+        <a:defRPr sz="1400" b="0" i="0" u="none" strike="noStrike" cap="none">
           <a:solidFill>
             <a:srgbClr val="000000"/>
           </a:solidFill>
@@ -11076,7 +11358,7 @@
           <a:sym typeface="Arial"/>
         </a:defRPr>
       </a:lvl7pPr>
-      <a:lvl8pPr lvl="7" marR="0" rtl="0" algn="l">
+      <a:lvl8pPr marR="0" lvl="7" algn="l" rtl="0">
         <a:lnSpc>
           <a:spcPct val="100000"/>
         </a:lnSpc>
@@ -11090,7 +11372,7 @@
           <a:srgbClr val="000000"/>
         </a:buClr>
         <a:buFont typeface="Arial"/>
-        <a:defRPr b="0" i="0" sz="1400" u="none" cap="none" strike="noStrike">
+        <a:defRPr sz="1400" b="0" i="0" u="none" strike="noStrike" cap="none">
           <a:solidFill>
             <a:srgbClr val="000000"/>
           </a:solidFill>
@@ -11100,7 +11382,7 @@
           <a:sym typeface="Arial"/>
         </a:defRPr>
       </a:lvl8pPr>
-      <a:lvl9pPr lvl="8" marR="0" rtl="0" algn="l">
+      <a:lvl9pPr marR="0" lvl="8" algn="l" rtl="0">
         <a:lnSpc>
           <a:spcPct val="100000"/>
         </a:lnSpc>
@@ -11114,7 +11396,7 @@
           <a:srgbClr val="000000"/>
         </a:buClr>
         <a:buFont typeface="Arial"/>
-        <a:defRPr b="0" i="0" sz="1400" u="none" cap="none" strike="noStrike">
+        <a:defRPr sz="1400" b="0" i="0" u="none" strike="noStrike" cap="none">
           <a:solidFill>
             <a:srgbClr val="000000"/>
           </a:solidFill>
@@ -11130,18 +11412,19 @@
 </file>
 
 <file path=ppt/slides/slide1.xml><?xml version="1.0" encoding="utf-8"?>
-<p:sld xmlns:a="http://schemas.openxmlformats.org/drawingml/2006/main" xmlns:r="http://schemas.openxmlformats.org/officeDocument/2006/relationships" xmlns:mc="http://schemas.openxmlformats.org/markup-compatibility/2006" xmlns:mv="urn:schemas-microsoft-com:mac:vml" xmlns:p="http://schemas.openxmlformats.org/presentationml/2006/main" xmlns:c="http://schemas.openxmlformats.org/drawingml/2006/chart" xmlns:dgm="http://schemas.openxmlformats.org/drawingml/2006/diagram" xmlns:o="urn:schemas-microsoft-com:office:office" xmlns:v="urn:schemas-microsoft-com:vml" xmlns:pvml="urn:schemas-microsoft-com:office:powerpoint" xmlns:com="http://schemas.openxmlformats.org/drawingml/2006/compatibility" xmlns:p14="http://schemas.microsoft.com/office/powerpoint/2010/main" xmlns:p15="http://schemas.microsoft.com/office/powerpoint/2012/main" xmlns:ahyp="http://schemas.microsoft.com/office/drawing/2018/hyperlinkcolor">
+<p:sld xmlns:a="http://schemas.openxmlformats.org/drawingml/2006/main" xmlns:r="http://schemas.openxmlformats.org/officeDocument/2006/relationships" xmlns:p="http://schemas.openxmlformats.org/presentationml/2006/main">
   <p:cSld>
     <p:bg>
       <p:bgPr>
         <a:solidFill>
           <a:srgbClr val="F5D50F"/>
         </a:solidFill>
+        <a:effectLst/>
       </p:bgPr>
     </p:bg>
     <p:spTree>
       <p:nvGrpSpPr>
-        <p:cNvPr id="83" name="Shape 83"/>
+        <p:cNvPr id="1" name="Shape 83"/>
         <p:cNvGrpSpPr/>
         <p:nvPr/>
       </p:nvGrpSpPr>
@@ -11163,7 +11446,7 @@
           <a:blip r:embed="rId3">
             <a:alphaModFix/>
           </a:blip>
-          <a:srcRect b="0" l="0" r="0" t="0"/>
+          <a:srcRect/>
           <a:stretch/>
         </p:blipFill>
         <p:spPr>
@@ -11200,12 +11483,12 @@
           </a:ln>
         </p:spPr>
         <p:txBody>
-          <a:bodyPr anchorCtr="0" anchor="t" bIns="0" lIns="0" spcFirstLastPara="1" rIns="0" wrap="square" tIns="0">
+          <a:bodyPr spcFirstLastPara="1" wrap="square" lIns="0" tIns="0" rIns="0" bIns="0" anchor="t" anchorCtr="0">
             <a:noAutofit/>
           </a:bodyPr>
           <a:lstStyle/>
           <a:p>
-            <a:pPr indent="0" lvl="0" marL="0" marR="0" rtl="0" algn="r">
+            <a:pPr marL="0" marR="0" lvl="0" indent="0" algn="r" rtl="0">
               <a:lnSpc>
                 <a:spcPct val="100000"/>
               </a:lnSpc>
@@ -11218,7 +11501,7 @@
               <a:buNone/>
             </a:pPr>
             <a:r>
-              <a:rPr b="1" lang="en-US" sz="12000">
+              <a:rPr lang="en-US" sz="12000" b="1">
                 <a:solidFill>
                   <a:srgbClr val="141414"/>
                 </a:solidFill>
@@ -11245,9 +11528,13 @@
             <a:ext cx="1806504" cy="1806504"/>
           </a:xfrm>
           <a:custGeom>
-            <a:rect b="b" l="l" r="r" t="t"/>
+            <a:avLst/>
+            <a:gdLst/>
+            <a:ahLst/>
+            <a:cxnLst/>
+            <a:rect l="l" t="t" r="r" b="b"/>
             <a:pathLst>
-              <a:path extrusionOk="0" h="1913890" w="1913890">
+              <a:path w="1913890" h="1913890" extrusionOk="0">
                 <a:moveTo>
                   <a:pt x="1789430" y="1913890"/>
                 </a:moveTo>
@@ -11295,12 +11582,12 @@
           </a:ln>
         </p:spPr>
         <p:txBody>
-          <a:bodyPr anchorCtr="0" anchor="ctr" bIns="91425" lIns="91425" spcFirstLastPara="1" rIns="91425" wrap="square" tIns="91425">
+          <a:bodyPr spcFirstLastPara="1" wrap="square" lIns="91425" tIns="91425" rIns="91425" bIns="91425" anchor="ctr" anchorCtr="0">
             <a:noAutofit/>
           </a:bodyPr>
           <a:lstStyle/>
           <a:p>
-            <a:pPr indent="0" lvl="0" marL="0" rtl="0" algn="l">
+            <a:pPr marL="0" lvl="0" indent="0" algn="l" rtl="0">
               <a:spcBef>
                 <a:spcPts val="0"/>
               </a:spcBef>
@@ -11309,9 +11596,6 @@
               </a:spcAft>
               <a:buNone/>
             </a:pPr>
-            <a:r>
-              <a:t/>
-            </a:r>
             <a:endParaRPr/>
           </a:p>
         </p:txBody>
@@ -11350,12 +11634,12 @@
             </a:ln>
           </p:spPr>
           <p:txBody>
-            <a:bodyPr anchorCtr="0" anchor="t" bIns="0" lIns="0" spcFirstLastPara="1" rIns="0" wrap="square" tIns="0">
+            <a:bodyPr spcFirstLastPara="1" wrap="square" lIns="0" tIns="0" rIns="0" bIns="0" anchor="t" anchorCtr="0">
               <a:noAutofit/>
             </a:bodyPr>
             <a:lstStyle/>
             <a:p>
-              <a:pPr indent="0" lvl="0" marL="0" marR="0" rtl="0" algn="r">
+              <a:pPr marL="0" marR="0" lvl="0" indent="0" algn="r" rtl="0">
                 <a:lnSpc>
                   <a:spcPct val="140000"/>
                 </a:lnSpc>
@@ -11380,7 +11664,7 @@
                 <a:t>HackOFiesta</a:t>
               </a:r>
               <a:r>
-                <a:rPr b="0" i="0" lang="en-US" sz="2100" u="none" cap="none" strike="noStrike">
+                <a:rPr lang="en-US" sz="2100" b="0" i="0" u="none" strike="noStrike" cap="none">
                   <a:solidFill>
                     <a:srgbClr val="141414"/>
                   </a:solidFill>
@@ -11427,12 +11711,12 @@
             </a:ln>
           </p:spPr>
           <p:txBody>
-            <a:bodyPr anchorCtr="0" anchor="t" bIns="0" lIns="0" spcFirstLastPara="1" rIns="0" wrap="square" tIns="0">
+            <a:bodyPr spcFirstLastPara="1" wrap="square" lIns="0" tIns="0" rIns="0" bIns="0" anchor="t" anchorCtr="0">
               <a:noAutofit/>
             </a:bodyPr>
             <a:lstStyle/>
             <a:p>
-              <a:pPr indent="0" lvl="0" marL="0" marR="0" rtl="0" algn="r">
+              <a:pPr marL="0" marR="0" lvl="0" indent="0" algn="r" rtl="0">
                 <a:lnSpc>
                   <a:spcPct val="140000"/>
                 </a:lnSpc>
@@ -11445,7 +11729,7 @@
                 <a:buNone/>
               </a:pPr>
               <a:r>
-                <a:rPr b="1" i="0" lang="en-US" sz="3000" u="none" cap="none" strike="noStrike">
+                <a:rPr lang="en-US" sz="3000" b="1" i="0" u="none" strike="noStrike" cap="none">
                   <a:solidFill>
                     <a:srgbClr val="141414"/>
                   </a:solidFill>
@@ -11481,12 +11765,12 @@
           </a:ln>
         </p:spPr>
         <p:txBody>
-          <a:bodyPr anchorCtr="0" anchor="t" bIns="0" lIns="0" spcFirstLastPara="1" rIns="0" wrap="square" tIns="0">
+          <a:bodyPr spcFirstLastPara="1" wrap="square" lIns="0" tIns="0" rIns="0" bIns="0" anchor="t" anchorCtr="0">
             <a:noAutofit/>
           </a:bodyPr>
           <a:lstStyle/>
           <a:p>
-            <a:pPr indent="0" lvl="0" marL="0" rtl="0" algn="l">
+            <a:pPr marL="0" lvl="0" indent="0" algn="l" rtl="0">
               <a:lnSpc>
                 <a:spcPct val="125000"/>
               </a:lnSpc>
@@ -11504,7 +11788,7 @@
               <a:buNone/>
             </a:pPr>
             <a:r>
-              <a:rPr b="1" lang="en-US" sz="2700">
+              <a:rPr lang="en-US" sz="2700" b="1">
                 <a:latin typeface="Teko"/>
                 <a:ea typeface="Teko"/>
                 <a:cs typeface="Teko"/>
@@ -11512,7 +11796,7 @@
               </a:rPr>
               <a:t>								          Translate and summarize to 100+ languages</a:t>
             </a:r>
-            <a:endParaRPr b="1" sz="2700">
+            <a:endParaRPr sz="2700" b="1">
               <a:latin typeface="Teko"/>
               <a:ea typeface="Teko"/>
               <a:cs typeface="Teko"/>
@@ -11520,7 +11804,7 @@
             </a:endParaRPr>
           </a:p>
           <a:p>
-            <a:pPr indent="0" lvl="0" marL="0" marR="0" rtl="0" algn="r">
+            <a:pPr marL="0" marR="0" lvl="0" indent="0" algn="r" rtl="0">
               <a:lnSpc>
                 <a:spcPct val="100000"/>
               </a:lnSpc>
@@ -11532,10 +11816,7 @@
               </a:spcAft>
               <a:buNone/>
             </a:pPr>
-            <a:r>
-              <a:t/>
-            </a:r>
-            <a:endParaRPr b="1" sz="5700">
+            <a:endParaRPr sz="5700" b="1">
               <a:latin typeface="Teko"/>
               <a:ea typeface="Teko"/>
               <a:cs typeface="Teko"/>
@@ -11564,12 +11845,12 @@
           </a:ln>
         </p:spPr>
         <p:txBody>
-          <a:bodyPr anchorCtr="0" anchor="t" bIns="0" lIns="0" spcFirstLastPara="1" rIns="0" wrap="square" tIns="0">
+          <a:bodyPr spcFirstLastPara="1" wrap="square" lIns="0" tIns="0" rIns="0" bIns="0" anchor="t" anchorCtr="0">
             <a:noAutofit/>
           </a:bodyPr>
           <a:lstStyle/>
           <a:p>
-            <a:pPr indent="0" lvl="0" marL="0" marR="0" rtl="0" algn="r">
+            <a:pPr marL="0" marR="0" lvl="0" indent="0" algn="r" rtl="0">
               <a:lnSpc>
                 <a:spcPct val="100000"/>
               </a:lnSpc>
@@ -11582,7 +11863,7 @@
               <a:buNone/>
             </a:pPr>
             <a:r>
-              <a:rPr b="1" lang="en-US" sz="8000">
+              <a:rPr lang="en-US" sz="8000" b="1">
                 <a:solidFill>
                   <a:srgbClr val="141414"/>
                 </a:solidFill>
@@ -11617,12 +11898,12 @@
           </a:ln>
         </p:spPr>
         <p:txBody>
-          <a:bodyPr anchorCtr="0" anchor="t" bIns="0" lIns="0" spcFirstLastPara="1" rIns="0" wrap="square" tIns="0">
+          <a:bodyPr spcFirstLastPara="1" wrap="square" lIns="0" tIns="0" rIns="0" bIns="0" anchor="t" anchorCtr="0">
             <a:noAutofit/>
           </a:bodyPr>
           <a:lstStyle/>
           <a:p>
-            <a:pPr indent="0" lvl="0" marL="0" marR="0" rtl="0" algn="r">
+            <a:pPr marL="0" marR="0" lvl="0" indent="0" algn="r" rtl="0">
               <a:lnSpc>
                 <a:spcPct val="100000"/>
               </a:lnSpc>
@@ -11635,7 +11916,7 @@
               <a:buNone/>
             </a:pPr>
             <a:r>
-              <a:rPr b="1" lang="en-US" sz="4200">
+              <a:rPr lang="en-US" sz="4200" b="1" dirty="0">
                 <a:solidFill>
                   <a:srgbClr val="141414"/>
                 </a:solidFill>
@@ -11646,7 +11927,7 @@
               </a:rPr>
               <a:t>Yuvaraj Tankala</a:t>
             </a:r>
-            <a:endParaRPr b="1" sz="4200">
+            <a:endParaRPr sz="4200" b="1" dirty="0">
               <a:solidFill>
                 <a:srgbClr val="141414"/>
               </a:solidFill>
@@ -11657,7 +11938,7 @@
             </a:endParaRPr>
           </a:p>
           <a:p>
-            <a:pPr indent="0" lvl="0" marL="0" marR="0" rtl="0" algn="r">
+            <a:pPr marL="0" marR="0" lvl="0" indent="0" algn="r" rtl="0">
               <a:lnSpc>
                 <a:spcPct val="100000"/>
               </a:lnSpc>
@@ -11669,19 +11950,7 @@
               </a:spcAft>
               <a:buNone/>
             </a:pPr>
-            <a:r>
-              <a:rPr b="1" lang="en-US" sz="4200">
-                <a:solidFill>
-                  <a:srgbClr val="141414"/>
-                </a:solidFill>
-                <a:latin typeface="Barlow"/>
-                <a:ea typeface="Barlow"/>
-                <a:cs typeface="Barlow"/>
-                <a:sym typeface="Barlow"/>
-              </a:rPr>
-              <a:t>Subrahmanyam Konakanchi</a:t>
-            </a:r>
-            <a:endParaRPr b="1" sz="4200">
+            <a:endParaRPr sz="4200" b="1" dirty="0">
               <a:solidFill>
                 <a:srgbClr val="141414"/>
               </a:solidFill>
@@ -11692,7 +11961,7 @@
             </a:endParaRPr>
           </a:p>
           <a:p>
-            <a:pPr indent="0" lvl="0" marL="0" marR="0" rtl="0" algn="r">
+            <a:pPr marL="0" marR="0" lvl="0" indent="0" algn="r" rtl="0">
               <a:lnSpc>
                 <a:spcPct val="100000"/>
               </a:lnSpc>
@@ -11704,10 +11973,7 @@
               </a:spcAft>
               <a:buNone/>
             </a:pPr>
-            <a:r>
-              <a:t/>
-            </a:r>
-            <a:endParaRPr b="1" sz="4200">
+            <a:endParaRPr sz="4200" b="1" dirty="0">
               <a:solidFill>
                 <a:srgbClr val="141414"/>
               </a:solidFill>
@@ -11756,18 +12022,19 @@
 </file>
 
 <file path=ppt/slides/slide2.xml><?xml version="1.0" encoding="utf-8"?>
-<p:sld xmlns:a="http://schemas.openxmlformats.org/drawingml/2006/main" xmlns:r="http://schemas.openxmlformats.org/officeDocument/2006/relationships" xmlns:mc="http://schemas.openxmlformats.org/markup-compatibility/2006" xmlns:mv="urn:schemas-microsoft-com:mac:vml" xmlns:p="http://schemas.openxmlformats.org/presentationml/2006/main" xmlns:c="http://schemas.openxmlformats.org/drawingml/2006/chart" xmlns:dgm="http://schemas.openxmlformats.org/drawingml/2006/diagram" xmlns:o="urn:schemas-microsoft-com:office:office" xmlns:v="urn:schemas-microsoft-com:vml" xmlns:pvml="urn:schemas-microsoft-com:office:powerpoint" xmlns:com="http://schemas.openxmlformats.org/drawingml/2006/compatibility" xmlns:p14="http://schemas.microsoft.com/office/powerpoint/2010/main" xmlns:p15="http://schemas.microsoft.com/office/powerpoint/2012/main" xmlns:ahyp="http://schemas.microsoft.com/office/drawing/2018/hyperlinkcolor">
+<p:sld xmlns:a="http://schemas.openxmlformats.org/drawingml/2006/main" xmlns:r="http://schemas.openxmlformats.org/officeDocument/2006/relationships" xmlns:p="http://schemas.openxmlformats.org/presentationml/2006/main">
   <p:cSld>
     <p:bg>
       <p:bgPr>
         <a:solidFill>
           <a:srgbClr val="3CDA7D"/>
         </a:solidFill>
+        <a:effectLst/>
       </p:bgPr>
     </p:bg>
     <p:spTree>
       <p:nvGrpSpPr>
-        <p:cNvPr id="97" name="Shape 97"/>
+        <p:cNvPr id="1" name="Shape 97"/>
         <p:cNvGrpSpPr/>
         <p:nvPr/>
       </p:nvGrpSpPr>
@@ -11799,12 +12066,12 @@
           </a:ln>
         </p:spPr>
         <p:txBody>
-          <a:bodyPr anchorCtr="0" anchor="t" bIns="0" lIns="0" spcFirstLastPara="1" rIns="0" wrap="square" tIns="0">
+          <a:bodyPr spcFirstLastPara="1" wrap="square" lIns="0" tIns="0" rIns="0" bIns="0" anchor="t" anchorCtr="0">
             <a:noAutofit/>
           </a:bodyPr>
           <a:lstStyle/>
           <a:p>
-            <a:pPr indent="0" lvl="0" marL="0" marR="0" rtl="0" algn="l">
+            <a:pPr marL="0" marR="0" lvl="0" indent="0" algn="l" rtl="0">
               <a:lnSpc>
                 <a:spcPct val="100000"/>
               </a:lnSpc>
@@ -11817,7 +12084,7 @@
               <a:buNone/>
             </a:pPr>
             <a:r>
-              <a:rPr b="1" i="0" lang="en-US" sz="8800" u="none" cap="none" strike="noStrike">
+              <a:rPr lang="en-US" sz="8800" b="1" i="0" u="none" strike="noStrike" cap="none">
                 <a:solidFill>
                   <a:srgbClr val="F6F6F6"/>
                 </a:solidFill>
@@ -11866,12 +12133,12 @@
             </a:ln>
           </p:spPr>
           <p:txBody>
-            <a:bodyPr anchorCtr="0" anchor="t" bIns="0" lIns="0" spcFirstLastPara="1" rIns="0" wrap="square" tIns="0">
+            <a:bodyPr spcFirstLastPara="1" wrap="square" lIns="0" tIns="0" rIns="0" bIns="0" anchor="t" anchorCtr="0">
               <a:noAutofit/>
             </a:bodyPr>
             <a:lstStyle/>
             <a:p>
-              <a:pPr indent="0" lvl="0" marL="0" marR="0" rtl="0" algn="l">
+              <a:pPr marL="0" marR="0" lvl="0" indent="0" algn="l" rtl="0">
                 <a:lnSpc>
                   <a:spcPct val="202222"/>
                 </a:lnSpc>
@@ -11883,10 +12150,7 @@
                 </a:spcAft>
                 <a:buNone/>
               </a:pPr>
-              <a:r>
-                <a:t/>
-              </a:r>
-              <a:endParaRPr b="0" i="0" sz="1800" u="none" cap="none" strike="noStrike">
+              <a:endParaRPr sz="1800" b="0" i="0" u="none" strike="noStrike" cap="none">
                 <a:solidFill>
                   <a:schemeClr val="dk1"/>
                 </a:solidFill>
@@ -11918,12 +12182,12 @@
             </a:ln>
           </p:spPr>
           <p:txBody>
-            <a:bodyPr anchorCtr="0" anchor="t" bIns="0" lIns="0" spcFirstLastPara="1" rIns="0" wrap="square" tIns="0">
+            <a:bodyPr spcFirstLastPara="1" wrap="square" lIns="0" tIns="0" rIns="0" bIns="0" anchor="t" anchorCtr="0">
               <a:noAutofit/>
             </a:bodyPr>
             <a:lstStyle/>
             <a:p>
-              <a:pPr indent="0" lvl="0" marL="0" marR="0" rtl="0" algn="l">
+              <a:pPr marL="0" marR="0" lvl="0" indent="0" algn="l" rtl="0">
                 <a:lnSpc>
                   <a:spcPct val="150000"/>
                 </a:lnSpc>
@@ -11935,9 +12199,6 @@
                 </a:spcAft>
                 <a:buNone/>
               </a:pPr>
-              <a:r>
-                <a:t/>
-              </a:r>
               <a:endParaRPr sz="2800">
                 <a:solidFill>
                   <a:srgbClr val="141414"/>
@@ -11949,7 +12210,7 @@
               </a:endParaRPr>
             </a:p>
             <a:p>
-              <a:pPr indent="0" lvl="0" marL="0" marR="0" rtl="0" algn="l">
+              <a:pPr marL="0" marR="0" lvl="0" indent="0" algn="l" rtl="0">
                 <a:lnSpc>
                   <a:spcPct val="150000"/>
                 </a:lnSpc>
@@ -11961,9 +12222,6 @@
                 </a:spcAft>
                 <a:buNone/>
               </a:pPr>
-              <a:r>
-                <a:t/>
-              </a:r>
               <a:endParaRPr sz="2800">
                 <a:solidFill>
                   <a:srgbClr val="141414"/>
@@ -11975,7 +12233,7 @@
               </a:endParaRPr>
             </a:p>
             <a:p>
-              <a:pPr indent="0" lvl="0" marL="0" marR="0" rtl="0" algn="l">
+              <a:pPr marL="0" marR="0" lvl="0" indent="0" algn="l" rtl="0">
                 <a:lnSpc>
                   <a:spcPct val="150000"/>
                 </a:lnSpc>
@@ -12010,7 +12268,7 @@
               </a:endParaRPr>
             </a:p>
             <a:p>
-              <a:pPr indent="0" lvl="0" marL="0" marR="0" rtl="0" algn="l">
+              <a:pPr marL="0" marR="0" lvl="0" indent="0" algn="l" rtl="0">
                 <a:lnSpc>
                   <a:spcPct val="150000"/>
                 </a:lnSpc>
@@ -12022,9 +12280,6 @@
                 </a:spcAft>
                 <a:buNone/>
               </a:pPr>
-              <a:r>
-                <a:t/>
-              </a:r>
               <a:endParaRPr sz="2800">
                 <a:solidFill>
                   <a:srgbClr val="141414"/>
@@ -12036,7 +12291,7 @@
               </a:endParaRPr>
             </a:p>
             <a:p>
-              <a:pPr indent="0" lvl="0" marL="0" marR="0" rtl="0" algn="l">
+              <a:pPr marL="0" marR="0" lvl="0" indent="0" algn="l" rtl="0">
                 <a:lnSpc>
                   <a:spcPct val="150000"/>
                 </a:lnSpc>
@@ -12071,7 +12326,7 @@
               </a:endParaRPr>
             </a:p>
             <a:p>
-              <a:pPr indent="0" lvl="0" marL="0" marR="0" rtl="0" algn="l">
+              <a:pPr marL="0" marR="0" lvl="0" indent="0" algn="l" rtl="0">
                 <a:lnSpc>
                   <a:spcPct val="150000"/>
                 </a:lnSpc>
@@ -12083,9 +12338,6 @@
                 </a:spcAft>
                 <a:buNone/>
               </a:pPr>
-              <a:r>
-                <a:t/>
-              </a:r>
               <a:endParaRPr sz="2800">
                 <a:solidFill>
                   <a:srgbClr val="141414"/>
@@ -12097,7 +12349,7 @@
               </a:endParaRPr>
             </a:p>
             <a:p>
-              <a:pPr indent="0" lvl="0" marL="0" marR="0" rtl="0" algn="l">
+              <a:pPr marL="0" marR="0" lvl="0" indent="0" algn="l" rtl="0">
                 <a:lnSpc>
                   <a:spcPct val="150000"/>
                 </a:lnSpc>
@@ -12144,7 +12396,7 @@
           <a:blip r:embed="rId3">
             <a:alphaModFix/>
           </a:blip>
-          <a:srcRect b="0" l="0" r="0" t="0"/>
+          <a:srcRect/>
           <a:stretch/>
         </p:blipFill>
         <p:spPr>
@@ -12171,7 +12423,7 @@
           <a:blip r:embed="rId4">
             <a:alphaModFix/>
           </a:blip>
-          <a:srcRect b="0" l="5003" r="5003" t="0"/>
+          <a:srcRect l="5003" r="5003"/>
           <a:stretch/>
         </p:blipFill>
         <p:spPr>
@@ -12225,18 +12477,19 @@
 </file>
 
 <file path=ppt/slides/slide3.xml><?xml version="1.0" encoding="utf-8"?>
-<p:sld xmlns:a="http://schemas.openxmlformats.org/drawingml/2006/main" xmlns:r="http://schemas.openxmlformats.org/officeDocument/2006/relationships" xmlns:mc="http://schemas.openxmlformats.org/markup-compatibility/2006" xmlns:mv="urn:schemas-microsoft-com:mac:vml" xmlns:p="http://schemas.openxmlformats.org/presentationml/2006/main" xmlns:c="http://schemas.openxmlformats.org/drawingml/2006/chart" xmlns:dgm="http://schemas.openxmlformats.org/drawingml/2006/diagram" xmlns:o="urn:schemas-microsoft-com:office:office" xmlns:v="urn:schemas-microsoft-com:vml" xmlns:pvml="urn:schemas-microsoft-com:office:powerpoint" xmlns:com="http://schemas.openxmlformats.org/drawingml/2006/compatibility" xmlns:p14="http://schemas.microsoft.com/office/powerpoint/2010/main" xmlns:p15="http://schemas.microsoft.com/office/powerpoint/2012/main" xmlns:ahyp="http://schemas.microsoft.com/office/drawing/2018/hyperlinkcolor">
+<p:sld xmlns:a="http://schemas.openxmlformats.org/drawingml/2006/main" xmlns:r="http://schemas.openxmlformats.org/officeDocument/2006/relationships" xmlns:p="http://schemas.openxmlformats.org/presentationml/2006/main">
   <p:cSld>
     <p:bg>
       <p:bgPr>
         <a:solidFill>
           <a:srgbClr val="F6F6F6"/>
         </a:solidFill>
+        <a:effectLst/>
       </p:bgPr>
     </p:bg>
     <p:spTree>
       <p:nvGrpSpPr>
-        <p:cNvPr id="108" name="Shape 108"/>
+        <p:cNvPr id="1" name="Shape 108"/>
         <p:cNvGrpSpPr/>
         <p:nvPr/>
       </p:nvGrpSpPr>
@@ -12268,12 +12521,12 @@
           </a:ln>
         </p:spPr>
         <p:txBody>
-          <a:bodyPr anchorCtr="0" anchor="t" bIns="0" lIns="0" spcFirstLastPara="1" rIns="0" wrap="square" tIns="0">
+          <a:bodyPr spcFirstLastPara="1" wrap="square" lIns="0" tIns="0" rIns="0" bIns="0" anchor="t" anchorCtr="0">
             <a:noAutofit/>
           </a:bodyPr>
           <a:lstStyle/>
           <a:p>
-            <a:pPr indent="0" lvl="0" marL="0" marR="0" rtl="0" algn="l">
+            <a:pPr marL="0" marR="0" lvl="0" indent="0" algn="l" rtl="0">
               <a:lnSpc>
                 <a:spcPct val="100000"/>
               </a:lnSpc>
@@ -12286,7 +12539,7 @@
               <a:buNone/>
             </a:pPr>
             <a:r>
-              <a:rPr b="1" i="0" lang="en-US" sz="8800" u="none" cap="none" strike="noStrike">
+              <a:rPr lang="en-US" sz="8800" b="1" i="0" u="none" strike="noStrike" cap="none">
                 <a:solidFill>
                   <a:srgbClr val="141414"/>
                 </a:solidFill>
@@ -12321,12 +12574,12 @@
           </a:ln>
         </p:spPr>
         <p:txBody>
-          <a:bodyPr anchorCtr="0" anchor="t" bIns="0" lIns="0" spcFirstLastPara="1" rIns="0" wrap="square" tIns="0">
+          <a:bodyPr spcFirstLastPara="1" wrap="square" lIns="0" tIns="0" rIns="0" bIns="0" anchor="t" anchorCtr="0">
             <a:noAutofit/>
           </a:bodyPr>
           <a:lstStyle/>
           <a:p>
-            <a:pPr indent="0" lvl="0" marL="0" marR="0" rtl="0" algn="l">
+            <a:pPr marL="0" marR="0" lvl="0" indent="0" algn="l" rtl="0">
               <a:lnSpc>
                 <a:spcPct val="150000"/>
               </a:lnSpc>
@@ -12338,9 +12591,6 @@
               </a:spcAft>
               <a:buNone/>
             </a:pPr>
-            <a:r>
-              <a:t/>
-            </a:r>
             <a:endParaRPr sz="2400">
               <a:solidFill>
                 <a:srgbClr val="141414"/>
@@ -12352,7 +12602,7 @@
             </a:endParaRPr>
           </a:p>
           <a:p>
-            <a:pPr indent="0" lvl="0" marL="0" marR="0" rtl="0" algn="l">
+            <a:pPr marL="0" marR="0" lvl="0" indent="0" algn="l" rtl="0">
               <a:lnSpc>
                 <a:spcPct val="150000"/>
               </a:lnSpc>
@@ -12387,7 +12637,7 @@
             </a:endParaRPr>
           </a:p>
           <a:p>
-            <a:pPr indent="0" lvl="0" marL="0" marR="0" rtl="0" algn="l">
+            <a:pPr marL="0" marR="0" lvl="0" indent="0" algn="l" rtl="0">
               <a:lnSpc>
                 <a:spcPct val="150000"/>
               </a:lnSpc>
@@ -12422,7 +12672,7 @@
             </a:endParaRPr>
           </a:p>
           <a:p>
-            <a:pPr indent="0" lvl="0" marL="0" marR="0" rtl="0" algn="l">
+            <a:pPr marL="0" marR="0" lvl="0" indent="0" algn="l" rtl="0">
               <a:lnSpc>
                 <a:spcPct val="150000"/>
               </a:lnSpc>
@@ -12457,7 +12707,7 @@
             </a:endParaRPr>
           </a:p>
           <a:p>
-            <a:pPr indent="0" lvl="0" marL="0" marR="0" rtl="0" algn="l">
+            <a:pPr marL="0" marR="0" lvl="0" indent="0" algn="l" rtl="0">
               <a:lnSpc>
                 <a:spcPct val="150000"/>
               </a:lnSpc>
@@ -12492,7 +12742,7 @@
             </a:endParaRPr>
           </a:p>
           <a:p>
-            <a:pPr indent="0" lvl="0" marL="0" marR="0" rtl="0" algn="l">
+            <a:pPr marL="0" marR="0" lvl="0" indent="0" algn="l" rtl="0">
               <a:lnSpc>
                 <a:spcPct val="150000"/>
               </a:lnSpc>
@@ -12527,7 +12777,7 @@
             </a:endParaRPr>
           </a:p>
           <a:p>
-            <a:pPr indent="0" lvl="0" marL="0" marR="0" rtl="0" algn="l">
+            <a:pPr marL="0" marR="0" lvl="0" indent="0" algn="l" rtl="0">
               <a:lnSpc>
                 <a:spcPct val="150000"/>
               </a:lnSpc>
@@ -12573,7 +12823,7 @@
           <a:blip r:embed="rId3">
             <a:alphaModFix/>
           </a:blip>
-          <a:srcRect b="0" l="0" r="0" t="0"/>
+          <a:srcRect/>
           <a:stretch/>
         </p:blipFill>
         <p:spPr>
@@ -12600,7 +12850,7 @@
           <a:blip r:embed="rId4">
             <a:alphaModFix/>
           </a:blip>
-          <a:srcRect b="0" l="5003" r="5003" t="0"/>
+          <a:srcRect l="5003" r="5003"/>
           <a:stretch/>
         </p:blipFill>
         <p:spPr>
@@ -12626,18 +12876,19 @@
 </file>
 
 <file path=ppt/slides/slide4.xml><?xml version="1.0" encoding="utf-8"?>
-<p:sld xmlns:a="http://schemas.openxmlformats.org/drawingml/2006/main" xmlns:r="http://schemas.openxmlformats.org/officeDocument/2006/relationships" xmlns:mc="http://schemas.openxmlformats.org/markup-compatibility/2006" xmlns:mv="urn:schemas-microsoft-com:mac:vml" xmlns:p="http://schemas.openxmlformats.org/presentationml/2006/main" xmlns:c="http://schemas.openxmlformats.org/drawingml/2006/chart" xmlns:dgm="http://schemas.openxmlformats.org/drawingml/2006/diagram" xmlns:o="urn:schemas-microsoft-com:office:office" xmlns:v="urn:schemas-microsoft-com:vml" xmlns:pvml="urn:schemas-microsoft-com:office:powerpoint" xmlns:com="http://schemas.openxmlformats.org/drawingml/2006/compatibility" xmlns:p14="http://schemas.microsoft.com/office/powerpoint/2010/main" xmlns:p15="http://schemas.microsoft.com/office/powerpoint/2012/main" xmlns:ahyp="http://schemas.microsoft.com/office/drawing/2018/hyperlinkcolor">
+<p:sld xmlns:a="http://schemas.openxmlformats.org/drawingml/2006/main" xmlns:r="http://schemas.openxmlformats.org/officeDocument/2006/relationships" xmlns:p="http://schemas.openxmlformats.org/presentationml/2006/main">
   <p:cSld>
     <p:bg>
       <p:bgPr>
         <a:solidFill>
           <a:srgbClr val="141414"/>
         </a:solidFill>
+        <a:effectLst/>
       </p:bgPr>
     </p:bg>
     <p:spTree>
       <p:nvGrpSpPr>
-        <p:cNvPr id="116" name="Shape 116"/>
+        <p:cNvPr id="1" name="Shape 116"/>
         <p:cNvGrpSpPr/>
         <p:nvPr/>
       </p:nvGrpSpPr>
@@ -12669,12 +12920,12 @@
           </a:ln>
         </p:spPr>
         <p:txBody>
-          <a:bodyPr anchorCtr="0" anchor="t" bIns="0" lIns="0" spcFirstLastPara="1" rIns="0" wrap="square" tIns="0">
+          <a:bodyPr spcFirstLastPara="1" wrap="square" lIns="0" tIns="0" rIns="0" bIns="0" anchor="t" anchorCtr="0">
             <a:noAutofit/>
           </a:bodyPr>
           <a:lstStyle/>
           <a:p>
-            <a:pPr indent="0" lvl="0" marL="0" marR="0" rtl="0" algn="l">
+            <a:pPr marL="0" marR="0" lvl="0" indent="0" algn="l" rtl="0">
               <a:lnSpc>
                 <a:spcPct val="100000"/>
               </a:lnSpc>
@@ -12687,7 +12938,7 @@
               <a:buNone/>
             </a:pPr>
             <a:r>
-              <a:rPr b="1" i="0" lang="en-US" sz="4800" u="none" cap="none" strike="noStrike">
+              <a:rPr lang="en-US" sz="4800" b="1" i="0" u="none" strike="noStrike" cap="none">
                 <a:solidFill>
                   <a:srgbClr val="FFFFFF"/>
                 </a:solidFill>
@@ -12722,12 +12973,12 @@
           </a:ln>
         </p:spPr>
         <p:txBody>
-          <a:bodyPr anchorCtr="0" anchor="t" bIns="0" lIns="0" spcFirstLastPara="1" rIns="0" wrap="square" tIns="0">
+          <a:bodyPr spcFirstLastPara="1" wrap="square" lIns="0" tIns="0" rIns="0" bIns="0" anchor="t" anchorCtr="0">
             <a:noAutofit/>
           </a:bodyPr>
           <a:lstStyle/>
           <a:p>
-            <a:pPr indent="0" lvl="0" marL="0" rtl="0" algn="l">
+            <a:pPr marL="0" lvl="0" indent="0" algn="l" rtl="0">
               <a:lnSpc>
                 <a:spcPct val="238235"/>
               </a:lnSpc>
@@ -12741,7 +12992,7 @@
               <a:buNone/>
             </a:pPr>
             <a:r>
-              <a:rPr b="1" lang="en-US" sz="3000">
+              <a:rPr lang="en-US" sz="3000" b="1">
                 <a:solidFill>
                   <a:srgbClr val="FFFFFF"/>
                 </a:solidFill>
@@ -12750,21 +13001,9 @@
                 <a:cs typeface="Spectral"/>
                 <a:sym typeface="Spectral"/>
               </a:rPr>
-              <a:t>Engage with your Audience on Social Media Channels worldwid</a:t>
+              <a:t>Engage with your Audience on Social Media Channels worldwide</a:t>
             </a:r>
-            <a:r>
-              <a:rPr b="1" lang="en-US" sz="3000">
-                <a:solidFill>
-                  <a:srgbClr val="FFFFFF"/>
-                </a:solidFill>
-                <a:latin typeface="Spectral"/>
-                <a:ea typeface="Spectral"/>
-                <a:cs typeface="Spectral"/>
-                <a:sym typeface="Spectral"/>
-              </a:rPr>
-              <a:t>e</a:t>
-            </a:r>
-            <a:endParaRPr b="1" sz="3000">
+            <a:endParaRPr sz="3000" b="1">
               <a:solidFill>
                 <a:srgbClr val="FFFFFF"/>
               </a:solidFill>
@@ -12775,7 +13014,7 @@
             </a:endParaRPr>
           </a:p>
           <a:p>
-            <a:pPr indent="0" lvl="0" marL="0" rtl="0" algn="l">
+            <a:pPr marL="0" lvl="0" indent="0" algn="l" rtl="0">
               <a:lnSpc>
                 <a:spcPct val="238235"/>
               </a:lnSpc>
@@ -12789,7 +13028,7 @@
               <a:buNone/>
             </a:pPr>
             <a:r>
-              <a:rPr b="1" lang="en-US" sz="3000">
+              <a:rPr lang="en-US" sz="3000" b="1">
                 <a:solidFill>
                   <a:srgbClr val="FFFFFF"/>
                 </a:solidFill>
@@ -12800,7 +13039,7 @@
               </a:rPr>
               <a:t>- Save more than 50,000 INR</a:t>
             </a:r>
-            <a:endParaRPr b="1" sz="3600">
+            <a:endParaRPr sz="3600" b="1">
               <a:solidFill>
                 <a:srgbClr val="FFFFFF"/>
               </a:solidFill>
@@ -12811,7 +13050,7 @@
             </a:endParaRPr>
           </a:p>
           <a:p>
-            <a:pPr indent="0" lvl="0" marL="0" rtl="0" algn="l">
+            <a:pPr marL="0" lvl="0" indent="0" algn="l" rtl="0">
               <a:lnSpc>
                 <a:spcPct val="150000"/>
               </a:lnSpc>
@@ -12828,7 +13067,7 @@
               <a:buNone/>
             </a:pPr>
             <a:r>
-              <a:rPr b="1" lang="en-US" sz="3000">
+              <a:rPr lang="en-US" sz="3000" b="1">
                 <a:solidFill>
                   <a:srgbClr val="FFFFFF"/>
                 </a:solidFill>
@@ -12837,21 +13076,9 @@
                 <a:cs typeface="Spectral"/>
                 <a:sym typeface="Spectral"/>
               </a:rPr>
-              <a:t>- </a:t>
+              <a:t>- Accelerate content reach to 8 billion people with just 1-click. </a:t>
             </a:r>
-            <a:r>
-              <a:rPr b="1" lang="en-US" sz="3000">
-                <a:solidFill>
-                  <a:srgbClr val="FFFFFF"/>
-                </a:solidFill>
-                <a:latin typeface="Spectral"/>
-                <a:ea typeface="Spectral"/>
-                <a:cs typeface="Spectral"/>
-                <a:sym typeface="Spectral"/>
-              </a:rPr>
-              <a:t>Accelerate content reach to 8 billion people with just 1-click. </a:t>
-            </a:r>
-            <a:endParaRPr b="1" sz="3000">
+            <a:endParaRPr sz="3000" b="1">
               <a:solidFill>
                 <a:srgbClr val="FFFFFF"/>
               </a:solidFill>
@@ -12862,7 +13089,7 @@
             </a:endParaRPr>
           </a:p>
           <a:p>
-            <a:pPr indent="0" lvl="0" marL="0" rtl="0" algn="l">
+            <a:pPr marL="0" lvl="0" indent="0" algn="l" rtl="0">
               <a:lnSpc>
                 <a:spcPct val="150000"/>
               </a:lnSpc>
@@ -12879,7 +13106,7 @@
               <a:buNone/>
             </a:pPr>
             <a:r>
-              <a:rPr b="1" lang="en-US" sz="3000">
+              <a:rPr lang="en-US" sz="3000" b="1">
                 <a:solidFill>
                   <a:srgbClr val="FFFFFF"/>
                 </a:solidFill>
@@ -12890,7 +13117,7 @@
               </a:rPr>
               <a:t>- Save more than 50,000 INR</a:t>
             </a:r>
-            <a:endParaRPr b="1" sz="2600">
+            <a:endParaRPr sz="2600" b="1">
               <a:solidFill>
                 <a:srgbClr val="FFFFFF"/>
               </a:solidFill>
@@ -12922,12 +13149,12 @@
           </a:ln>
         </p:spPr>
         <p:txBody>
-          <a:bodyPr anchorCtr="0" anchor="t" bIns="0" lIns="0" spcFirstLastPara="1" rIns="0" wrap="square" tIns="0">
+          <a:bodyPr spcFirstLastPara="1" wrap="square" lIns="0" tIns="0" rIns="0" bIns="0" anchor="t" anchorCtr="0">
             <a:noAutofit/>
           </a:bodyPr>
           <a:lstStyle/>
           <a:p>
-            <a:pPr indent="0" lvl="0" marL="0" marR="0" rtl="0" algn="l">
+            <a:pPr marL="0" marR="0" lvl="0" indent="0" algn="l" rtl="0">
               <a:lnSpc>
                 <a:spcPct val="100000"/>
               </a:lnSpc>
@@ -12940,7 +13167,7 @@
               <a:buNone/>
             </a:pPr>
             <a:r>
-              <a:rPr b="1" lang="en-US" sz="5600">
+              <a:rPr lang="en-US" sz="5600" b="1">
                 <a:solidFill>
                   <a:srgbClr val="3CDA7D"/>
                 </a:solidFill>
@@ -12952,7 +13179,7 @@
               <a:t>2</a:t>
             </a:r>
             <a:r>
-              <a:rPr b="1" i="0" lang="en-US" sz="5600" u="none" cap="none" strike="noStrike">
+              <a:rPr lang="en-US" sz="5600" b="1" i="0" u="none" strike="noStrike" cap="none">
                 <a:solidFill>
                   <a:srgbClr val="3CDA7D"/>
                 </a:solidFill>
@@ -12977,7 +13204,7 @@
           <a:blip r:embed="rId3">
             <a:alphaModFix/>
           </a:blip>
-          <a:srcRect b="0" l="5003" r="5003" t="0"/>
+          <a:srcRect l="5003" r="5003"/>
           <a:stretch/>
         </p:blipFill>
         <p:spPr>
@@ -13014,12 +13241,12 @@
           </a:ln>
         </p:spPr>
         <p:txBody>
-          <a:bodyPr anchorCtr="0" anchor="t" bIns="0" lIns="0" spcFirstLastPara="1" rIns="0" wrap="square" tIns="0">
+          <a:bodyPr spcFirstLastPara="1" wrap="square" lIns="0" tIns="0" rIns="0" bIns="0" anchor="t" anchorCtr="0">
             <a:noAutofit/>
           </a:bodyPr>
           <a:lstStyle/>
           <a:p>
-            <a:pPr indent="0" lvl="0" marL="0" rtl="0" algn="l">
+            <a:pPr marL="0" lvl="0" indent="0" algn="l" rtl="0">
               <a:lnSpc>
                 <a:spcPct val="238235"/>
               </a:lnSpc>
@@ -13037,7 +13264,7 @@
               <a:buNone/>
             </a:pPr>
             <a:r>
-              <a:rPr b="1" lang="en-US" sz="3100">
+              <a:rPr lang="en-US" sz="3100" b="1">
                 <a:solidFill>
                   <a:srgbClr val="FFFFFF"/>
                 </a:solidFill>
@@ -13048,7 +13275,7 @@
               </a:rPr>
               <a:t>Interact and Engage With Your	Customers across the World</a:t>
             </a:r>
-            <a:endParaRPr b="1" sz="3100">
+            <a:endParaRPr sz="3100" b="1">
               <a:solidFill>
                 <a:srgbClr val="FFFFFF"/>
               </a:solidFill>
@@ -13059,7 +13286,7 @@
             </a:endParaRPr>
           </a:p>
           <a:p>
-            <a:pPr indent="0" lvl="0" marL="0" marR="0" rtl="0" algn="l">
+            <a:pPr marL="0" marR="0" lvl="0" indent="0" algn="l" rtl="0">
               <a:lnSpc>
                 <a:spcPct val="150000"/>
               </a:lnSpc>
@@ -13071,9 +13298,6 @@
               </a:spcAft>
               <a:buNone/>
             </a:pPr>
-            <a:r>
-              <a:t/>
-            </a:r>
             <a:endParaRPr sz="2100">
               <a:solidFill>
                 <a:srgbClr val="FFFFFF"/>
@@ -13106,12 +13330,12 @@
           </a:ln>
         </p:spPr>
         <p:txBody>
-          <a:bodyPr anchorCtr="0" anchor="t" bIns="0" lIns="0" spcFirstLastPara="1" rIns="0" wrap="square" tIns="0">
+          <a:bodyPr spcFirstLastPara="1" wrap="square" lIns="0" tIns="0" rIns="0" bIns="0" anchor="t" anchorCtr="0">
             <a:noAutofit/>
           </a:bodyPr>
           <a:lstStyle/>
           <a:p>
-            <a:pPr indent="0" lvl="0" marL="0" marR="0" rtl="0" algn="l">
+            <a:pPr marL="0" marR="0" lvl="0" indent="0" algn="l" rtl="0">
               <a:lnSpc>
                 <a:spcPct val="100000"/>
               </a:lnSpc>
@@ -13124,7 +13348,7 @@
               <a:buNone/>
             </a:pPr>
             <a:r>
-              <a:rPr b="1" i="0" lang="en-US" sz="5600" u="none" cap="none" strike="noStrike">
+              <a:rPr lang="en-US" sz="5600" b="1" i="0" u="none" strike="noStrike" cap="none">
                 <a:solidFill>
                   <a:srgbClr val="3CDA7D"/>
                 </a:solidFill>
@@ -13149,7 +13373,7 @@
           <a:blip r:embed="rId4">
             <a:alphaModFix/>
           </a:blip>
-          <a:srcRect b="0" l="0" r="0" t="0"/>
+          <a:srcRect/>
           <a:stretch/>
         </p:blipFill>
         <p:spPr>
@@ -13175,18 +13399,19 @@
 </file>
 
 <file path=ppt/slides/slide5.xml><?xml version="1.0" encoding="utf-8"?>
-<p:sld xmlns:a="http://schemas.openxmlformats.org/drawingml/2006/main" xmlns:r="http://schemas.openxmlformats.org/officeDocument/2006/relationships" xmlns:mc="http://schemas.openxmlformats.org/markup-compatibility/2006" xmlns:mv="urn:schemas-microsoft-com:mac:vml" xmlns:p="http://schemas.openxmlformats.org/presentationml/2006/main" xmlns:c="http://schemas.openxmlformats.org/drawingml/2006/chart" xmlns:dgm="http://schemas.openxmlformats.org/drawingml/2006/diagram" xmlns:o="urn:schemas-microsoft-com:office:office" xmlns:v="urn:schemas-microsoft-com:vml" xmlns:pvml="urn:schemas-microsoft-com:office:powerpoint" xmlns:com="http://schemas.openxmlformats.org/drawingml/2006/compatibility" xmlns:p14="http://schemas.microsoft.com/office/powerpoint/2010/main" xmlns:p15="http://schemas.microsoft.com/office/powerpoint/2012/main" xmlns:ahyp="http://schemas.microsoft.com/office/drawing/2018/hyperlinkcolor">
+<p:sld xmlns:a="http://schemas.openxmlformats.org/drawingml/2006/main" xmlns:r="http://schemas.openxmlformats.org/officeDocument/2006/relationships" xmlns:p="http://schemas.openxmlformats.org/presentationml/2006/main">
   <p:cSld>
     <p:bg>
       <p:bgPr>
         <a:solidFill>
           <a:srgbClr val="F6F6F6"/>
         </a:solidFill>
+        <a:effectLst/>
       </p:bgPr>
     </p:bg>
     <p:spTree>
       <p:nvGrpSpPr>
-        <p:cNvPr id="127" name="Shape 127"/>
+        <p:cNvPr id="1" name="Shape 127"/>
         <p:cNvGrpSpPr/>
         <p:nvPr/>
       </p:nvGrpSpPr>
@@ -13208,7 +13433,7 @@
           <a:blip r:embed="rId3">
             <a:alphaModFix/>
           </a:blip>
-          <a:srcRect b="0" l="0" r="0" t="0"/>
+          <a:srcRect/>
           <a:stretch/>
         </p:blipFill>
         <p:spPr>
@@ -13245,12 +13470,12 @@
           </a:ln>
         </p:spPr>
         <p:txBody>
-          <a:bodyPr anchorCtr="0" anchor="t" bIns="0" lIns="0" spcFirstLastPara="1" rIns="0" wrap="square" tIns="0">
+          <a:bodyPr spcFirstLastPara="1" wrap="square" lIns="0" tIns="0" rIns="0" bIns="0" anchor="t" anchorCtr="0">
             <a:noAutofit/>
           </a:bodyPr>
           <a:lstStyle/>
           <a:p>
-            <a:pPr indent="0" lvl="0" marL="0" marR="0" rtl="0" algn="l">
+            <a:pPr marL="0" marR="0" lvl="0" indent="0" algn="l" rtl="0">
               <a:lnSpc>
                 <a:spcPct val="100000"/>
               </a:lnSpc>
@@ -13263,7 +13488,7 @@
               <a:buNone/>
             </a:pPr>
             <a:r>
-              <a:rPr b="1" i="0" lang="en-US" sz="5600" u="none" cap="none" strike="noStrike">
+              <a:rPr lang="en-US" sz="5600" b="1" i="0" u="none" strike="noStrike" cap="none">
                 <a:solidFill>
                   <a:srgbClr val="3CDA7D"/>
                 </a:solidFill>
@@ -13298,12 +13523,12 @@
           </a:ln>
         </p:spPr>
         <p:txBody>
-          <a:bodyPr anchorCtr="0" anchor="t" bIns="0" lIns="0" spcFirstLastPara="1" rIns="0" wrap="square" tIns="0">
+          <a:bodyPr spcFirstLastPara="1" wrap="square" lIns="0" tIns="0" rIns="0" bIns="0" anchor="t" anchorCtr="0">
             <a:noAutofit/>
           </a:bodyPr>
           <a:lstStyle/>
           <a:p>
-            <a:pPr indent="0" lvl="0" marL="0" marR="0" rtl="0" algn="l">
+            <a:pPr marL="0" marR="0" lvl="0" indent="0" algn="l" rtl="0">
               <a:lnSpc>
                 <a:spcPct val="100000"/>
               </a:lnSpc>
@@ -13316,7 +13541,7 @@
               <a:buNone/>
             </a:pPr>
             <a:r>
-              <a:rPr b="1" i="0" lang="en-US" sz="5600" u="none" cap="none" strike="noStrike">
+              <a:rPr lang="en-US" sz="5600" b="1" i="0" u="none" strike="noStrike" cap="none">
                 <a:solidFill>
                   <a:srgbClr val="3CDA7D"/>
                 </a:solidFill>
@@ -13351,12 +13576,12 @@
           </a:ln>
         </p:spPr>
         <p:txBody>
-          <a:bodyPr anchorCtr="0" anchor="t" bIns="0" lIns="0" spcFirstLastPara="1" rIns="0" wrap="square" tIns="0">
+          <a:bodyPr spcFirstLastPara="1" wrap="square" lIns="0" tIns="0" rIns="0" bIns="0" anchor="t" anchorCtr="0">
             <a:noAutofit/>
           </a:bodyPr>
           <a:lstStyle/>
           <a:p>
-            <a:pPr indent="0" lvl="0" marL="0" marR="0" rtl="0" algn="l">
+            <a:pPr marL="0" marR="0" lvl="0" indent="0" algn="l" rtl="0">
               <a:lnSpc>
                 <a:spcPct val="100000"/>
               </a:lnSpc>
@@ -13369,7 +13594,7 @@
               <a:buNone/>
             </a:pPr>
             <a:r>
-              <a:rPr b="1" i="0" lang="en-US" sz="5600" u="none" cap="none" strike="noStrike">
+              <a:rPr lang="en-US" sz="5600" b="1" i="0" u="none" strike="noStrike" cap="none">
                 <a:solidFill>
                   <a:srgbClr val="3CDA7D"/>
                 </a:solidFill>
@@ -13404,12 +13629,12 @@
           </a:ln>
         </p:spPr>
         <p:txBody>
-          <a:bodyPr anchorCtr="0" anchor="t" bIns="0" lIns="0" spcFirstLastPara="1" rIns="0" wrap="square" tIns="0">
+          <a:bodyPr spcFirstLastPara="1" wrap="square" lIns="0" tIns="0" rIns="0" bIns="0" anchor="t" anchorCtr="0">
             <a:noAutofit/>
           </a:bodyPr>
           <a:lstStyle/>
           <a:p>
-            <a:pPr indent="0" lvl="0" marL="0" marR="0" rtl="0" algn="l">
+            <a:pPr marL="0" marR="0" lvl="0" indent="0" algn="l" rtl="0">
               <a:lnSpc>
                 <a:spcPct val="100000"/>
               </a:lnSpc>
@@ -13422,7 +13647,7 @@
               <a:buNone/>
             </a:pPr>
             <a:r>
-              <a:rPr b="1" i="0" lang="en-US" sz="8000" u="none" cap="none" strike="noStrike">
+              <a:rPr lang="en-US" sz="8000" b="1" i="0" u="none" strike="noStrike" cap="none">
                 <a:solidFill>
                   <a:srgbClr val="141414"/>
                 </a:solidFill>
@@ -13447,7 +13672,7 @@
           <a:blip r:embed="rId4">
             <a:alphaModFix/>
           </a:blip>
-          <a:srcRect b="0" l="5003" r="5003" t="0"/>
+          <a:srcRect l="5003" r="5003"/>
           <a:stretch/>
         </p:blipFill>
         <p:spPr>
@@ -13484,12 +13709,12 @@
           </a:ln>
         </p:spPr>
         <p:txBody>
-          <a:bodyPr anchorCtr="0" anchor="t" bIns="91425" lIns="91425" spcFirstLastPara="1" rIns="91425" wrap="square" tIns="91425">
+          <a:bodyPr spcFirstLastPara="1" wrap="square" lIns="91425" tIns="91425" rIns="91425" bIns="91425" anchor="t" anchorCtr="0">
             <a:spAutoFit/>
           </a:bodyPr>
           <a:lstStyle/>
           <a:p>
-            <a:pPr indent="0" lvl="0" marL="0" rtl="0" algn="l">
+            <a:pPr marL="0" lvl="0" indent="0" algn="l" rtl="0">
               <a:lnSpc>
                 <a:spcPct val="140000"/>
               </a:lnSpc>
@@ -13501,9 +13726,6 @@
               </a:spcAft>
               <a:buNone/>
             </a:pPr>
-            <a:r>
-              <a:t/>
-            </a:r>
             <a:endParaRPr sz="2800">
               <a:solidFill>
                 <a:srgbClr val="24292E"/>
@@ -13515,7 +13737,7 @@
             </a:endParaRPr>
           </a:p>
           <a:p>
-            <a:pPr indent="0" lvl="0" marL="0" rtl="0" algn="l">
+            <a:pPr marL="0" lvl="0" indent="0" algn="l" rtl="0">
               <a:lnSpc>
                 <a:spcPct val="140000"/>
               </a:lnSpc>
@@ -13550,7 +13772,7 @@
             </a:endParaRPr>
           </a:p>
           <a:p>
-            <a:pPr indent="0" lvl="0" marL="0" rtl="0" algn="l">
+            <a:pPr marL="0" lvl="0" indent="0" algn="l" rtl="0">
               <a:lnSpc>
                 <a:spcPct val="140000"/>
               </a:lnSpc>
@@ -13585,7 +13807,7 @@
             </a:endParaRPr>
           </a:p>
           <a:p>
-            <a:pPr indent="0" lvl="0" marL="0" rtl="0" algn="l">
+            <a:pPr marL="0" lvl="0" indent="0" algn="l" rtl="0">
               <a:lnSpc>
                 <a:spcPct val="140000"/>
               </a:lnSpc>
@@ -13620,7 +13842,7 @@
             </a:endParaRPr>
           </a:p>
           <a:p>
-            <a:pPr indent="0" lvl="0" marL="0" rtl="0" algn="l">
+            <a:pPr marL="0" lvl="0" indent="0" algn="l" rtl="0">
               <a:lnSpc>
                 <a:spcPct val="140000"/>
               </a:lnSpc>
@@ -13655,7 +13877,7 @@
             </a:endParaRPr>
           </a:p>
           <a:p>
-            <a:pPr indent="0" lvl="0" marL="0" rtl="0" algn="l">
+            <a:pPr marL="0" lvl="0" indent="0" algn="l" rtl="0">
               <a:lnSpc>
                 <a:spcPct val="140000"/>
               </a:lnSpc>
@@ -13690,7 +13912,7 @@
             </a:endParaRPr>
           </a:p>
           <a:p>
-            <a:pPr indent="0" lvl="0" marL="152400" marR="152400" rtl="0" algn="l">
+            <a:pPr marL="152400" marR="152400" lvl="0" indent="0" algn="l" rtl="0">
               <a:lnSpc>
                 <a:spcPct val="145000"/>
               </a:lnSpc>
@@ -13725,7 +13947,7 @@
             </a:endParaRPr>
           </a:p>
           <a:p>
-            <a:pPr indent="0" lvl="0" marL="152400" marR="152400" rtl="0" algn="l">
+            <a:pPr marL="152400" marR="152400" lvl="0" indent="0" algn="l" rtl="0">
               <a:lnSpc>
                 <a:spcPct val="145000"/>
               </a:lnSpc>
@@ -13760,7 +13982,7 @@
             </a:endParaRPr>
           </a:p>
           <a:p>
-            <a:pPr indent="0" lvl="0" marL="0" rtl="0" algn="l">
+            <a:pPr marL="0" lvl="0" indent="0" algn="l" rtl="0">
               <a:lnSpc>
                 <a:spcPct val="140000"/>
               </a:lnSpc>
@@ -13772,9 +13994,6 @@
               </a:spcAft>
               <a:buNone/>
             </a:pPr>
-            <a:r>
-              <a:t/>
-            </a:r>
             <a:endParaRPr sz="4400">
               <a:solidFill>
                 <a:srgbClr val="141414"/>
@@ -13796,18 +14015,19 @@
 </file>
 
 <file path=ppt/slides/slide6.xml><?xml version="1.0" encoding="utf-8"?>
-<p:sld xmlns:a="http://schemas.openxmlformats.org/drawingml/2006/main" xmlns:r="http://schemas.openxmlformats.org/officeDocument/2006/relationships" xmlns:mc="http://schemas.openxmlformats.org/markup-compatibility/2006" xmlns:mv="urn:schemas-microsoft-com:mac:vml" xmlns:p="http://schemas.openxmlformats.org/presentationml/2006/main" xmlns:c="http://schemas.openxmlformats.org/drawingml/2006/chart" xmlns:dgm="http://schemas.openxmlformats.org/drawingml/2006/diagram" xmlns:o="urn:schemas-microsoft-com:office:office" xmlns:v="urn:schemas-microsoft-com:vml" xmlns:pvml="urn:schemas-microsoft-com:office:powerpoint" xmlns:com="http://schemas.openxmlformats.org/drawingml/2006/compatibility" xmlns:p14="http://schemas.microsoft.com/office/powerpoint/2010/main" xmlns:p15="http://schemas.microsoft.com/office/powerpoint/2012/main" xmlns:ahyp="http://schemas.microsoft.com/office/drawing/2018/hyperlinkcolor">
+<p:sld xmlns:a="http://schemas.openxmlformats.org/drawingml/2006/main" xmlns:r="http://schemas.openxmlformats.org/officeDocument/2006/relationships" xmlns:p="http://schemas.openxmlformats.org/presentationml/2006/main">
   <p:cSld>
     <p:bg>
       <p:bgPr>
         <a:solidFill>
           <a:srgbClr val="F6F6F6"/>
         </a:solidFill>
+        <a:effectLst/>
       </p:bgPr>
     </p:bg>
     <p:spTree>
       <p:nvGrpSpPr>
-        <p:cNvPr id="138" name="Shape 138"/>
+        <p:cNvPr id="1" name="Shape 138"/>
         <p:cNvGrpSpPr/>
         <p:nvPr/>
       </p:nvGrpSpPr>
@@ -13853,12 +14073,12 @@
             </a:ln>
           </p:spPr>
           <p:txBody>
-            <a:bodyPr anchorCtr="0" anchor="t" bIns="0" lIns="0" spcFirstLastPara="1" rIns="0" wrap="square" tIns="0">
+            <a:bodyPr spcFirstLastPara="1" wrap="square" lIns="0" tIns="0" rIns="0" bIns="0" anchor="t" anchorCtr="0">
               <a:noAutofit/>
             </a:bodyPr>
             <a:lstStyle/>
             <a:p>
-              <a:pPr indent="0" lvl="0" marL="0" marR="0" rtl="0" algn="just">
+              <a:pPr marL="0" marR="0" lvl="0" indent="0" algn="just" rtl="0">
                 <a:lnSpc>
                   <a:spcPct val="100000"/>
                 </a:lnSpc>
@@ -13871,7 +14091,7 @@
                 <a:buNone/>
               </a:pPr>
               <a:r>
-                <a:rPr b="1" i="0" lang="en-US" sz="12000" u="none" cap="none" strike="noStrike">
+                <a:rPr lang="en-US" sz="12000" b="1" i="0" u="none" strike="noStrike" cap="none">
                   <a:solidFill>
                     <a:srgbClr val="141414"/>
                   </a:solidFill>
@@ -13906,12 +14126,12 @@
             </a:ln>
           </p:spPr>
           <p:txBody>
-            <a:bodyPr anchorCtr="0" anchor="t" bIns="0" lIns="0" spcFirstLastPara="1" rIns="0" wrap="square" tIns="0">
+            <a:bodyPr spcFirstLastPara="1" wrap="square" lIns="0" tIns="0" rIns="0" bIns="0" anchor="t" anchorCtr="0">
               <a:noAutofit/>
             </a:bodyPr>
             <a:lstStyle/>
             <a:p>
-              <a:pPr indent="0" lvl="0" marL="0" marR="0" rtl="0" algn="l">
+              <a:pPr marL="0" marR="0" lvl="0" indent="0" algn="l" rtl="0">
                 <a:lnSpc>
                   <a:spcPct val="202222"/>
                 </a:lnSpc>
@@ -13923,10 +14143,7 @@
                 </a:spcAft>
                 <a:buNone/>
               </a:pPr>
-              <a:r>
-                <a:t/>
-              </a:r>
-              <a:endParaRPr b="0" i="0" sz="1800" u="none" cap="none" strike="noStrike">
+              <a:endParaRPr sz="1800" b="0" i="0" u="none" strike="noStrike" cap="none">
                 <a:solidFill>
                   <a:schemeClr val="dk1"/>
                 </a:solidFill>
@@ -13949,7 +14166,7 @@
           <a:blip r:embed="rId3">
             <a:alphaModFix/>
           </a:blip>
-          <a:srcRect b="0" l="0" r="0" t="0"/>
+          <a:srcRect/>
           <a:stretch/>
         </p:blipFill>
         <p:spPr>
@@ -13976,7 +14193,7 @@
           <a:blip r:embed="rId4">
             <a:alphaModFix/>
           </a:blip>
-          <a:srcRect b="0" l="5003" r="5003" t="0"/>
+          <a:srcRect l="5003" r="5003"/>
           <a:stretch/>
         </p:blipFill>
         <p:spPr>
@@ -14013,12 +14230,12 @@
           </a:ln>
         </p:spPr>
         <p:txBody>
-          <a:bodyPr anchorCtr="0" anchor="t" bIns="45700" lIns="91425" spcFirstLastPara="1" rIns="91425" wrap="square" tIns="45700">
+          <a:bodyPr spcFirstLastPara="1" wrap="square" lIns="91425" tIns="45700" rIns="91425" bIns="45700" anchor="t" anchorCtr="0">
             <a:noAutofit/>
           </a:bodyPr>
           <a:lstStyle/>
           <a:p>
-            <a:pPr indent="0" lvl="0" marL="0" marR="0" rtl="0" algn="l">
+            <a:pPr marL="0" marR="0" lvl="0" indent="0" algn="l" rtl="0">
               <a:spcBef>
                 <a:spcPts val="0"/>
               </a:spcBef>
@@ -14027,9 +14244,6 @@
               </a:spcAft>
               <a:buNone/>
             </a:pPr>
-            <a:r>
-              <a:t/>
-            </a:r>
             <a:endParaRPr sz="1800">
               <a:solidFill>
                 <a:schemeClr val="dk1"/>
@@ -14041,7 +14255,7 @@
             </a:endParaRPr>
           </a:p>
           <a:p>
-            <a:pPr indent="0" lvl="0" marL="0" marR="0" rtl="0" algn="l">
+            <a:pPr marL="0" marR="0" lvl="0" indent="0" algn="l" rtl="0">
               <a:spcBef>
                 <a:spcPts val="0"/>
               </a:spcBef>
@@ -14051,7 +14265,7 @@
               <a:buNone/>
             </a:pPr>
             <a:r>
-              <a:rPr b="0" i="0" lang="en-US" sz="1800" u="none" cap="none" strike="noStrike">
+              <a:rPr lang="en-US" sz="1800" b="0" i="0" u="none" strike="noStrike" cap="none">
                 <a:solidFill>
                   <a:schemeClr val="dk1"/>
                 </a:solidFill>
@@ -14075,7 +14289,288 @@
 </file>
 
 <file path=ppt/theme/theme1.xml><?xml version="1.0" encoding="utf-8"?>
-<a:theme xmlns:a="http://schemas.openxmlformats.org/drawingml/2006/main" xmlns:r="http://schemas.openxmlformats.org/officeDocument/2006/relationships">
+<a:theme xmlns:a="http://schemas.openxmlformats.org/drawingml/2006/main" name="Office Theme">
+  <a:themeElements>
+    <a:clrScheme name="Office">
+      <a:dk1>
+        <a:srgbClr val="000000"/>
+      </a:dk1>
+      <a:lt1>
+        <a:srgbClr val="FFFFFF"/>
+      </a:lt1>
+      <a:dk2>
+        <a:srgbClr val="1F497D"/>
+      </a:dk2>
+      <a:lt2>
+        <a:srgbClr val="EEECE1"/>
+      </a:lt2>
+      <a:accent1>
+        <a:srgbClr val="4F81BD"/>
+      </a:accent1>
+      <a:accent2>
+        <a:srgbClr val="C0504D"/>
+      </a:accent2>
+      <a:accent3>
+        <a:srgbClr val="9BBB59"/>
+      </a:accent3>
+      <a:accent4>
+        <a:srgbClr val="8064A2"/>
+      </a:accent4>
+      <a:accent5>
+        <a:srgbClr val="4BACC6"/>
+      </a:accent5>
+      <a:accent6>
+        <a:srgbClr val="F79646"/>
+      </a:accent6>
+      <a:hlink>
+        <a:srgbClr val="0000FF"/>
+      </a:hlink>
+      <a:folHlink>
+        <a:srgbClr val="800080"/>
+      </a:folHlink>
+    </a:clrScheme>
+    <a:fontScheme name="Office">
+      <a:majorFont>
+        <a:latin typeface="Arial"/>
+        <a:ea typeface=""/>
+        <a:cs typeface=""/>
+        <a:font script="Jpan" typeface="ＭＳ Ｐゴシック"/>
+        <a:font script="Hang" typeface="맑은 고딕"/>
+        <a:font script="Hans" typeface="宋体"/>
+        <a:font script="Hant" typeface="新細明體"/>
+        <a:font script="Arab" typeface="Times New Roman"/>
+        <a:font script="Hebr" typeface="Times New Roman"/>
+        <a:font script="Thai" typeface="Angsana New"/>
+        <a:font script="Ethi" typeface="Nyala"/>
+        <a:font script="Beng" typeface="Vrinda"/>
+        <a:font script="Gujr" typeface="Shruti"/>
+        <a:font script="Khmr" typeface="MoolBoran"/>
+        <a:font script="Knda" typeface="Tunga"/>
+        <a:font script="Guru" typeface="Raavi"/>
+        <a:font script="Cans" typeface="Euphemia"/>
+        <a:font script="Cher" typeface="Plantagenet Cherokee"/>
+        <a:font script="Yiii" typeface="Microsoft Yi Baiti"/>
+        <a:font script="Tibt" typeface="Microsoft Himalaya"/>
+        <a:font script="Thaa" typeface="MV Boli"/>
+        <a:font script="Deva" typeface="Mangal"/>
+        <a:font script="Telu" typeface="Gautami"/>
+        <a:font script="Taml" typeface="Latha"/>
+        <a:font script="Syrc" typeface="Estrangelo Edessa"/>
+        <a:font script="Orya" typeface="Kalinga"/>
+        <a:font script="Mlym" typeface="Kartika"/>
+        <a:font script="Laoo" typeface="DokChampa"/>
+        <a:font script="Sinh" typeface="Iskoola Pota"/>
+        <a:font script="Mong" typeface="Mongolian Baiti"/>
+        <a:font script="Viet" typeface="Times New Roman"/>
+        <a:font script="Uigh" typeface="Microsoft Uighur"/>
+        <a:font script="Geor" typeface="Sylfaen"/>
+      </a:majorFont>
+      <a:minorFont>
+        <a:latin typeface="Arial"/>
+        <a:ea typeface=""/>
+        <a:cs typeface=""/>
+        <a:font script="Jpan" typeface="ＭＳ Ｐゴシック"/>
+        <a:font script="Hang" typeface="맑은 고딕"/>
+        <a:font script="Hans" typeface="宋体"/>
+        <a:font script="Hant" typeface="新細明體"/>
+        <a:font script="Arab" typeface="Arial"/>
+        <a:font script="Hebr" typeface="Arial"/>
+        <a:font script="Thai" typeface="Cordia New"/>
+        <a:font script="Ethi" typeface="Nyala"/>
+        <a:font script="Beng" typeface="Vrinda"/>
+        <a:font script="Gujr" typeface="Shruti"/>
+        <a:font script="Khmr" typeface="DaunPenh"/>
+        <a:font script="Knda" typeface="Tunga"/>
+        <a:font script="Guru" typeface="Raavi"/>
+        <a:font script="Cans" typeface="Euphemia"/>
+        <a:font script="Cher" typeface="Plantagenet Cherokee"/>
+        <a:font script="Yiii" typeface="Microsoft Yi Baiti"/>
+        <a:font script="Tibt" typeface="Microsoft Himalaya"/>
+        <a:font script="Thaa" typeface="MV Boli"/>
+        <a:font script="Deva" typeface="Mangal"/>
+        <a:font script="Telu" typeface="Gautami"/>
+        <a:font script="Taml" typeface="Latha"/>
+        <a:font script="Syrc" typeface="Estrangelo Edessa"/>
+        <a:font script="Orya" typeface="Kalinga"/>
+        <a:font script="Mlym" typeface="Kartika"/>
+        <a:font script="Laoo" typeface="DokChampa"/>
+        <a:font script="Sinh" typeface="Iskoola Pota"/>
+        <a:font script="Mong" typeface="Mongolian Baiti"/>
+        <a:font script="Viet" typeface="Arial"/>
+        <a:font script="Uigh" typeface="Microsoft Uighur"/>
+        <a:font script="Geor" typeface="Sylfaen"/>
+      </a:minorFont>
+    </a:fontScheme>
+    <a:fmtScheme name="Office">
+      <a:fillStyleLst>
+        <a:solidFill>
+          <a:schemeClr val="phClr"/>
+        </a:solidFill>
+        <a:gradFill rotWithShape="1">
+          <a:gsLst>
+            <a:gs pos="0">
+              <a:schemeClr val="phClr">
+                <a:tint val="50000"/>
+                <a:satMod val="300000"/>
+              </a:schemeClr>
+            </a:gs>
+            <a:gs pos="35000">
+              <a:schemeClr val="phClr">
+                <a:tint val="37000"/>
+                <a:satMod val="300000"/>
+              </a:schemeClr>
+            </a:gs>
+            <a:gs pos="100000">
+              <a:schemeClr val="phClr">
+                <a:tint val="15000"/>
+                <a:satMod val="350000"/>
+              </a:schemeClr>
+            </a:gs>
+          </a:gsLst>
+          <a:lin ang="16200000" scaled="1"/>
+        </a:gradFill>
+        <a:gradFill rotWithShape="1">
+          <a:gsLst>
+            <a:gs pos="0">
+              <a:schemeClr val="phClr">
+                <a:tint val="100000"/>
+                <a:shade val="100000"/>
+                <a:satMod val="130000"/>
+              </a:schemeClr>
+            </a:gs>
+            <a:gs pos="100000">
+              <a:schemeClr val="phClr">
+                <a:tint val="50000"/>
+                <a:shade val="100000"/>
+                <a:satMod val="350000"/>
+              </a:schemeClr>
+            </a:gs>
+          </a:gsLst>
+          <a:lin ang="16200000" scaled="0"/>
+        </a:gradFill>
+      </a:fillStyleLst>
+      <a:lnStyleLst>
+        <a:ln w="9525" cap="flat" cmpd="sng" algn="ctr">
+          <a:solidFill>
+            <a:schemeClr val="phClr">
+              <a:shade val="95000"/>
+              <a:satMod val="105000"/>
+            </a:schemeClr>
+          </a:solidFill>
+          <a:prstDash val="solid"/>
+        </a:ln>
+        <a:ln w="25400" cap="flat" cmpd="sng" algn="ctr">
+          <a:solidFill>
+            <a:schemeClr val="phClr"/>
+          </a:solidFill>
+          <a:prstDash val="solid"/>
+        </a:ln>
+        <a:ln w="38100" cap="flat" cmpd="sng" algn="ctr">
+          <a:solidFill>
+            <a:schemeClr val="phClr"/>
+          </a:solidFill>
+          <a:prstDash val="solid"/>
+        </a:ln>
+      </a:lnStyleLst>
+      <a:effectStyleLst>
+        <a:effectStyle>
+          <a:effectLst>
+            <a:outerShdw blurRad="40000" dist="20000" dir="5400000" rotWithShape="0">
+              <a:srgbClr val="000000">
+                <a:alpha val="38000"/>
+              </a:srgbClr>
+            </a:outerShdw>
+          </a:effectLst>
+        </a:effectStyle>
+        <a:effectStyle>
+          <a:effectLst>
+            <a:outerShdw blurRad="40000" dist="23000" dir="5400000" rotWithShape="0">
+              <a:srgbClr val="000000">
+                <a:alpha val="35000"/>
+              </a:srgbClr>
+            </a:outerShdw>
+          </a:effectLst>
+        </a:effectStyle>
+        <a:effectStyle>
+          <a:effectLst>
+            <a:outerShdw blurRad="40000" dist="23000" dir="5400000" rotWithShape="0">
+              <a:srgbClr val="000000">
+                <a:alpha val="35000"/>
+              </a:srgbClr>
+            </a:outerShdw>
+          </a:effectLst>
+          <a:scene3d>
+            <a:camera prst="orthographicFront">
+              <a:rot lat="0" lon="0" rev="0"/>
+            </a:camera>
+            <a:lightRig rig="threePt" dir="t">
+              <a:rot lat="0" lon="0" rev="1200000"/>
+            </a:lightRig>
+          </a:scene3d>
+          <a:sp3d>
+            <a:bevelT w="63500" h="25400"/>
+          </a:sp3d>
+        </a:effectStyle>
+      </a:effectStyleLst>
+      <a:bgFillStyleLst>
+        <a:solidFill>
+          <a:schemeClr val="phClr"/>
+        </a:solidFill>
+        <a:gradFill rotWithShape="1">
+          <a:gsLst>
+            <a:gs pos="0">
+              <a:schemeClr val="phClr">
+                <a:tint val="40000"/>
+                <a:satMod val="350000"/>
+              </a:schemeClr>
+            </a:gs>
+            <a:gs pos="40000">
+              <a:schemeClr val="phClr">
+                <a:tint val="45000"/>
+                <a:shade val="99000"/>
+                <a:satMod val="350000"/>
+              </a:schemeClr>
+            </a:gs>
+            <a:gs pos="100000">
+              <a:schemeClr val="phClr">
+                <a:shade val="20000"/>
+                <a:satMod val="255000"/>
+              </a:schemeClr>
+            </a:gs>
+          </a:gsLst>
+          <a:path path="circle">
+            <a:fillToRect l="50000" t="-80000" r="50000" b="180000"/>
+          </a:path>
+        </a:gradFill>
+        <a:gradFill rotWithShape="1">
+          <a:gsLst>
+            <a:gs pos="0">
+              <a:schemeClr val="phClr">
+                <a:tint val="80000"/>
+                <a:satMod val="300000"/>
+              </a:schemeClr>
+            </a:gs>
+            <a:gs pos="100000">
+              <a:schemeClr val="phClr">
+                <a:shade val="30000"/>
+                <a:satMod val="200000"/>
+              </a:schemeClr>
+            </a:gs>
+          </a:gsLst>
+          <a:path path="circle">
+            <a:fillToRect l="50000" t="50000" r="50000" b="50000"/>
+          </a:path>
+        </a:gradFill>
+      </a:bgFillStyleLst>
+    </a:fmtScheme>
+  </a:themeElements>
+  <a:objectDefaults/>
+  <a:extraClrSchemeLst/>
+</a:theme>
+</file>
+
+<file path=ppt/theme/theme2.xml><?xml version="1.0" encoding="utf-8"?>
+<a:theme xmlns:a="http://schemas.openxmlformats.org/drawingml/2006/main">
   <a:themeElements>
     <a:clrScheme name="Default">
       <a:dk1>
@@ -14350,284 +14845,7 @@
       </a:bgFillStyleLst>
     </a:fmtScheme>
   </a:themeElements>
-</a:theme>
-</file>
-
-<file path=ppt/theme/theme2.xml><?xml version="1.0" encoding="utf-8"?>
-<a:theme xmlns:a="http://schemas.openxmlformats.org/drawingml/2006/main" xmlns:r="http://schemas.openxmlformats.org/officeDocument/2006/relationships" name="Office Theme">
-  <a:themeElements>
-    <a:clrScheme name="Office">
-      <a:dk1>
-        <a:srgbClr val="000000"/>
-      </a:dk1>
-      <a:lt1>
-        <a:srgbClr val="FFFFFF"/>
-      </a:lt1>
-      <a:dk2>
-        <a:srgbClr val="1F497D"/>
-      </a:dk2>
-      <a:lt2>
-        <a:srgbClr val="EEECE1"/>
-      </a:lt2>
-      <a:accent1>
-        <a:srgbClr val="4F81BD"/>
-      </a:accent1>
-      <a:accent2>
-        <a:srgbClr val="C0504D"/>
-      </a:accent2>
-      <a:accent3>
-        <a:srgbClr val="9BBB59"/>
-      </a:accent3>
-      <a:accent4>
-        <a:srgbClr val="8064A2"/>
-      </a:accent4>
-      <a:accent5>
-        <a:srgbClr val="4BACC6"/>
-      </a:accent5>
-      <a:accent6>
-        <a:srgbClr val="F79646"/>
-      </a:accent6>
-      <a:hlink>
-        <a:srgbClr val="0000FF"/>
-      </a:hlink>
-      <a:folHlink>
-        <a:srgbClr val="800080"/>
-      </a:folHlink>
-    </a:clrScheme>
-    <a:fontScheme name="Office">
-      <a:majorFont>
-        <a:latin typeface="Arial"/>
-        <a:ea typeface=""/>
-        <a:cs typeface=""/>
-        <a:font script="Jpan" typeface="ＭＳ Ｐゴシック"/>
-        <a:font script="Hang" typeface="맑은 고딕"/>
-        <a:font script="Hans" typeface="宋体"/>
-        <a:font script="Hant" typeface="新細明體"/>
-        <a:font script="Arab" typeface="Times New Roman"/>
-        <a:font script="Hebr" typeface="Times New Roman"/>
-        <a:font script="Thai" typeface="Angsana New"/>
-        <a:font script="Ethi" typeface="Nyala"/>
-        <a:font script="Beng" typeface="Vrinda"/>
-        <a:font script="Gujr" typeface="Shruti"/>
-        <a:font script="Khmr" typeface="MoolBoran"/>
-        <a:font script="Knda" typeface="Tunga"/>
-        <a:font script="Guru" typeface="Raavi"/>
-        <a:font script="Cans" typeface="Euphemia"/>
-        <a:font script="Cher" typeface="Plantagenet Cherokee"/>
-        <a:font script="Yiii" typeface="Microsoft Yi Baiti"/>
-        <a:font script="Tibt" typeface="Microsoft Himalaya"/>
-        <a:font script="Thaa" typeface="MV Boli"/>
-        <a:font script="Deva" typeface="Mangal"/>
-        <a:font script="Telu" typeface="Gautami"/>
-        <a:font script="Taml" typeface="Latha"/>
-        <a:font script="Syrc" typeface="Estrangelo Edessa"/>
-        <a:font script="Orya" typeface="Kalinga"/>
-        <a:font script="Mlym" typeface="Kartika"/>
-        <a:font script="Laoo" typeface="DokChampa"/>
-        <a:font script="Sinh" typeface="Iskoola Pota"/>
-        <a:font script="Mong" typeface="Mongolian Baiti"/>
-        <a:font script="Viet" typeface="Times New Roman"/>
-        <a:font script="Uigh" typeface="Microsoft Uighur"/>
-        <a:font script="Geor" typeface="Sylfaen"/>
-      </a:majorFont>
-      <a:minorFont>
-        <a:latin typeface="Arial"/>
-        <a:ea typeface=""/>
-        <a:cs typeface=""/>
-        <a:font script="Jpan" typeface="ＭＳ Ｐゴシック"/>
-        <a:font script="Hang" typeface="맑은 고딕"/>
-        <a:font script="Hans" typeface="宋体"/>
-        <a:font script="Hant" typeface="新細明體"/>
-        <a:font script="Arab" typeface="Arial"/>
-        <a:font script="Hebr" typeface="Arial"/>
-        <a:font script="Thai" typeface="Cordia New"/>
-        <a:font script="Ethi" typeface="Nyala"/>
-        <a:font script="Beng" typeface="Vrinda"/>
-        <a:font script="Gujr" typeface="Shruti"/>
-        <a:font script="Khmr" typeface="DaunPenh"/>
-        <a:font script="Knda" typeface="Tunga"/>
-        <a:font script="Guru" typeface="Raavi"/>
-        <a:font script="Cans" typeface="Euphemia"/>
-        <a:font script="Cher" typeface="Plantagenet Cherokee"/>
-        <a:font script="Yiii" typeface="Microsoft Yi Baiti"/>
-        <a:font script="Tibt" typeface="Microsoft Himalaya"/>
-        <a:font script="Thaa" typeface="MV Boli"/>
-        <a:font script="Deva" typeface="Mangal"/>
-        <a:font script="Telu" typeface="Gautami"/>
-        <a:font script="Taml" typeface="Latha"/>
-        <a:font script="Syrc" typeface="Estrangelo Edessa"/>
-        <a:font script="Orya" typeface="Kalinga"/>
-        <a:font script="Mlym" typeface="Kartika"/>
-        <a:font script="Laoo" typeface="DokChampa"/>
-        <a:font script="Sinh" typeface="Iskoola Pota"/>
-        <a:font script="Mong" typeface="Mongolian Baiti"/>
-        <a:font script="Viet" typeface="Arial"/>
-        <a:font script="Uigh" typeface="Microsoft Uighur"/>
-        <a:font script="Geor" typeface="Sylfaen"/>
-      </a:minorFont>
-    </a:fontScheme>
-    <a:fmtScheme name="Office">
-      <a:fillStyleLst>
-        <a:solidFill>
-          <a:schemeClr val="phClr"/>
-        </a:solidFill>
-        <a:gradFill rotWithShape="1">
-          <a:gsLst>
-            <a:gs pos="0">
-              <a:schemeClr val="phClr">
-                <a:tint val="50000"/>
-                <a:satMod val="300000"/>
-              </a:schemeClr>
-            </a:gs>
-            <a:gs pos="35000">
-              <a:schemeClr val="phClr">
-                <a:tint val="37000"/>
-                <a:satMod val="300000"/>
-              </a:schemeClr>
-            </a:gs>
-            <a:gs pos="100000">
-              <a:schemeClr val="phClr">
-                <a:tint val="15000"/>
-                <a:satMod val="350000"/>
-              </a:schemeClr>
-            </a:gs>
-          </a:gsLst>
-          <a:lin ang="16200000" scaled="1"/>
-        </a:gradFill>
-        <a:gradFill rotWithShape="1">
-          <a:gsLst>
-            <a:gs pos="0">
-              <a:schemeClr val="phClr">
-                <a:tint val="100000"/>
-                <a:shade val="100000"/>
-                <a:satMod val="130000"/>
-              </a:schemeClr>
-            </a:gs>
-            <a:gs pos="100000">
-              <a:schemeClr val="phClr">
-                <a:tint val="50000"/>
-                <a:shade val="100000"/>
-                <a:satMod val="350000"/>
-              </a:schemeClr>
-            </a:gs>
-          </a:gsLst>
-          <a:lin ang="16200000" scaled="0"/>
-        </a:gradFill>
-      </a:fillStyleLst>
-      <a:lnStyleLst>
-        <a:ln w="9525" cap="flat" cmpd="sng" algn="ctr">
-          <a:solidFill>
-            <a:schemeClr val="phClr">
-              <a:shade val="95000"/>
-              <a:satMod val="105000"/>
-            </a:schemeClr>
-          </a:solidFill>
-          <a:prstDash val="solid"/>
-        </a:ln>
-        <a:ln w="25400" cap="flat" cmpd="sng" algn="ctr">
-          <a:solidFill>
-            <a:schemeClr val="phClr"/>
-          </a:solidFill>
-          <a:prstDash val="solid"/>
-        </a:ln>
-        <a:ln w="38100" cap="flat" cmpd="sng" algn="ctr">
-          <a:solidFill>
-            <a:schemeClr val="phClr"/>
-          </a:solidFill>
-          <a:prstDash val="solid"/>
-        </a:ln>
-      </a:lnStyleLst>
-      <a:effectStyleLst>
-        <a:effectStyle>
-          <a:effectLst>
-            <a:outerShdw blurRad="40000" dist="20000" dir="5400000" rotWithShape="0">
-              <a:srgbClr val="000000">
-                <a:alpha val="38000"/>
-              </a:srgbClr>
-            </a:outerShdw>
-          </a:effectLst>
-        </a:effectStyle>
-        <a:effectStyle>
-          <a:effectLst>
-            <a:outerShdw blurRad="40000" dist="23000" dir="5400000" rotWithShape="0">
-              <a:srgbClr val="000000">
-                <a:alpha val="35000"/>
-              </a:srgbClr>
-            </a:outerShdw>
-          </a:effectLst>
-        </a:effectStyle>
-        <a:effectStyle>
-          <a:effectLst>
-            <a:outerShdw blurRad="40000" dist="23000" dir="5400000" rotWithShape="0">
-              <a:srgbClr val="000000">
-                <a:alpha val="35000"/>
-              </a:srgbClr>
-            </a:outerShdw>
-          </a:effectLst>
-          <a:scene3d>
-            <a:camera prst="orthographicFront">
-              <a:rot lat="0" lon="0" rev="0"/>
-            </a:camera>
-            <a:lightRig rig="threePt" dir="t">
-              <a:rot lat="0" lon="0" rev="1200000"/>
-            </a:lightRig>
-          </a:scene3d>
-          <a:sp3d>
-            <a:bevelT w="63500" h="25400"/>
-          </a:sp3d>
-        </a:effectStyle>
-      </a:effectStyleLst>
-      <a:bgFillStyleLst>
-        <a:solidFill>
-          <a:schemeClr val="phClr"/>
-        </a:solidFill>
-        <a:gradFill rotWithShape="1">
-          <a:gsLst>
-            <a:gs pos="0">
-              <a:schemeClr val="phClr">
-                <a:tint val="40000"/>
-                <a:satMod val="350000"/>
-              </a:schemeClr>
-            </a:gs>
-            <a:gs pos="40000">
-              <a:schemeClr val="phClr">
-                <a:tint val="45000"/>
-                <a:shade val="99000"/>
-                <a:satMod val="350000"/>
-              </a:schemeClr>
-            </a:gs>
-            <a:gs pos="100000">
-              <a:schemeClr val="phClr">
-                <a:shade val="20000"/>
-                <a:satMod val="255000"/>
-              </a:schemeClr>
-            </a:gs>
-          </a:gsLst>
-          <a:path path="circle">
-            <a:fillToRect l="50000" t="-80000" r="50000" b="180000"/>
-          </a:path>
-        </a:gradFill>
-        <a:gradFill rotWithShape="1">
-          <a:gsLst>
-            <a:gs pos="0">
-              <a:schemeClr val="phClr">
-                <a:tint val="80000"/>
-                <a:satMod val="300000"/>
-              </a:schemeClr>
-            </a:gs>
-            <a:gs pos="100000">
-              <a:schemeClr val="phClr">
-                <a:shade val="30000"/>
-                <a:satMod val="200000"/>
-              </a:schemeClr>
-            </a:gs>
-          </a:gsLst>
-          <a:path path="circle">
-            <a:fillToRect l="50000" t="50000" r="50000" b="50000"/>
-          </a:path>
-        </a:gradFill>
-      </a:bgFillStyleLst>
-    </a:fmtScheme>
-  </a:themeElements>
+  <a:objectDefaults/>
+  <a:extraClrSchemeLst/>
 </a:theme>
 </file>